--- a/presentacion.pptx
+++ b/presentacion.pptx
@@ -145,6 +145,11 @@
       </a:defRPr>
     </a:lvl9pPr>
   </p:defaultTextStyle>
+  <p:extLst>
+    <p:ext uri="{EFAFB233-063F-42B5-8137-9DF3F51BA10A}">
+      <p15:sldGuideLst xmlns:p15="http://schemas.microsoft.com/office/powerpoint/2012/main"/>
+    </p:ext>
+  </p:extLst>
 </p:presentation>
 </file>
 
@@ -6036,13 +6041,21 @@
           <p:nvPr/>
         </p:nvPicPr>
         <p:blipFill>
-          <a:blip r:embed="rId2"/>
-          <a:stretch/>
+          <a:blip r:embed="rId2">
+            <a:extLst>
+              <a:ext uri="{28A0092B-C50C-407E-A947-70E740481C1C}">
+                <a14:useLocalDpi xmlns:a14="http://schemas.microsoft.com/office/drawing/2010/main" val="0"/>
+              </a:ext>
+            </a:extLst>
+          </a:blip>
+          <a:stretch>
+            <a:fillRect/>
+          </a:stretch>
         </p:blipFill>
         <p:spPr>
           <a:xfrm>
-            <a:off x="253440" y="2016000"/>
-            <a:ext cx="4137840" cy="4056480"/>
+            <a:off x="253440" y="2060445"/>
+            <a:ext cx="4137840" cy="3967589"/>
           </a:xfrm>
           <a:prstGeom prst="rect">
             <a:avLst/>
@@ -6059,13 +6072,21 @@
           <p:nvPr/>
         </p:nvPicPr>
         <p:blipFill>
-          <a:blip r:embed="rId3"/>
-          <a:stretch/>
+          <a:blip r:embed="rId3">
+            <a:extLst>
+              <a:ext uri="{28A0092B-C50C-407E-A947-70E740481C1C}">
+                <a14:useLocalDpi xmlns:a14="http://schemas.microsoft.com/office/drawing/2010/main" val="0"/>
+              </a:ext>
+            </a:extLst>
+          </a:blip>
+          <a:stretch>
+            <a:fillRect/>
+          </a:stretch>
         </p:blipFill>
         <p:spPr>
           <a:xfrm>
-            <a:off x="4752000" y="2016000"/>
-            <a:ext cx="4247280" cy="4104720"/>
+            <a:off x="4752000" y="2060827"/>
+            <a:ext cx="4247280" cy="4015065"/>
           </a:xfrm>
           <a:prstGeom prst="rect">
             <a:avLst/>
@@ -28339,13 +28360,21 @@
           <p:nvPr/>
         </p:nvPicPr>
         <p:blipFill>
-          <a:blip r:embed="rId8"/>
-          <a:stretch/>
+          <a:blip r:embed="rId8">
+            <a:extLst>
+              <a:ext uri="{28A0092B-C50C-407E-A947-70E740481C1C}">
+                <a14:useLocalDpi xmlns:a14="http://schemas.microsoft.com/office/drawing/2010/main" val="0"/>
+              </a:ext>
+            </a:extLst>
+          </a:blip>
+          <a:stretch>
+            <a:fillRect/>
+          </a:stretch>
         </p:blipFill>
         <p:spPr>
           <a:xfrm>
-            <a:off x="5519160" y="2880000"/>
-            <a:ext cx="3622680" cy="1403640"/>
+            <a:off x="5702982" y="2880000"/>
+            <a:ext cx="3255036" cy="1403640"/>
           </a:xfrm>
           <a:prstGeom prst="rect">
             <a:avLst/>

--- a/presentacion.pptx
+++ b/presentacion.pptx
@@ -11942,7 +11942,13 @@
         <p:nvGraphicFramePr>
           <p:cNvPr id="103" name="Table 5"/>
           <p:cNvGraphicFramePr/>
-          <p:nvPr/>
+          <p:nvPr>
+            <p:extLst>
+              <p:ext uri="{D42A27DB-BD31-4B8C-83A1-F6EECF244321}">
+                <p14:modId xmlns:p14="http://schemas.microsoft.com/office/powerpoint/2010/main" val="1319692100"/>
+              </p:ext>
+            </p:extLst>
+          </p:nvPr>
         </p:nvGraphicFramePr>
         <p:xfrm>
           <a:off x="216000" y="1994760"/>
@@ -12283,7 +12289,7 @@
                     <a:bodyPr/>
                     <a:lstStyle/>
                     <a:p>
-                      <a:pPr marL="216000" indent="-214200">
+                      <a:pPr marL="1800" indent="0">
                         <a:lnSpc>
                           <a:spcPct val="100000"/>
                         </a:lnSpc>
@@ -12292,7 +12298,7 @@
                         </a:buClr>
                         <a:buSzPct val="45000"/>
                         <a:buFont typeface="Wingdings" charset="2"/>
-                        <a:buChar char=""/>
+                        <a:buNone/>
                       </a:pPr>
                       <a:r>
                         <a:rPr lang="es-MX" sz="1800" b="0" strike="noStrike" spc="-1">
@@ -12443,10 +12449,10 @@
                         </a:lnSpc>
                       </a:pPr>
                       <a:r>
-                        <a:rPr lang="es-MX" sz="1800" b="0" strike="noStrike" spc="-1">
+                        <a:rPr lang="es-MX" sz="1800" b="0" strike="noStrike" spc="-1" dirty="0">
                           <a:latin typeface="Arial"/>
                         </a:rPr>
-                        <a:t>Cada 60 segundos</a:t>
+                        <a:t>Cada 60 minutos</a:t>
                       </a:r>
                     </a:p>
                   </a:txBody>

--- a/presentacion.pptx
+++ b/presentacion.pptx
@@ -6,7 +6,7 @@
     <p:sldMasterId id="2147483661" r:id="rId2"/>
   </p:sldMasterIdLst>
   <p:notesMasterIdLst>
-    <p:notesMasterId r:id="rId22"/>
+    <p:notesMasterId r:id="rId20"/>
   </p:notesMasterIdLst>
   <p:sldIdLst>
     <p:sldId id="256" r:id="rId3"/>
@@ -14,20 +14,18 @@
     <p:sldId id="269" r:id="rId5"/>
     <p:sldId id="272" r:id="rId6"/>
     <p:sldId id="275" r:id="rId7"/>
-    <p:sldId id="270" r:id="rId8"/>
-    <p:sldId id="271" r:id="rId9"/>
-    <p:sldId id="257" r:id="rId10"/>
-    <p:sldId id="258" r:id="rId11"/>
-    <p:sldId id="259" r:id="rId12"/>
-    <p:sldId id="260" r:id="rId13"/>
-    <p:sldId id="261" r:id="rId14"/>
-    <p:sldId id="262" r:id="rId15"/>
-    <p:sldId id="263" r:id="rId16"/>
-    <p:sldId id="264" r:id="rId17"/>
-    <p:sldId id="265" r:id="rId18"/>
-    <p:sldId id="266" r:id="rId19"/>
-    <p:sldId id="267" r:id="rId20"/>
-    <p:sldId id="268" r:id="rId21"/>
+    <p:sldId id="257" r:id="rId8"/>
+    <p:sldId id="258" r:id="rId9"/>
+    <p:sldId id="259" r:id="rId10"/>
+    <p:sldId id="260" r:id="rId11"/>
+    <p:sldId id="261" r:id="rId12"/>
+    <p:sldId id="262" r:id="rId13"/>
+    <p:sldId id="263" r:id="rId14"/>
+    <p:sldId id="264" r:id="rId15"/>
+    <p:sldId id="265" r:id="rId16"/>
+    <p:sldId id="266" r:id="rId17"/>
+    <p:sldId id="267" r:id="rId18"/>
+    <p:sldId id="268" r:id="rId19"/>
   </p:sldIdLst>
   <p:sldSz cx="9144000" cy="6858000" type="screen4x3"/>
   <p:notesSz cx="6858000" cy="9144000"/>
@@ -5600,7 +5598,7 @@
       </p:grpSpPr>
       <p:sp>
         <p:nvSpPr>
-          <p:cNvPr id="124" name="CustomShape 1"/>
+          <p:cNvPr id="137" name="CustomShape 1"/>
           <p:cNvSpPr/>
           <p:nvPr/>
         </p:nvSpPr>
@@ -5648,7 +5646,7 @@
                 <a:latin typeface="Times New Roman"/>
                 <a:ea typeface="DejaVu Sans"/>
               </a:rPr>
-              <a:t>Introducción: Exploración de Datos del Sensor</a:t>
+              <a:t>Introducción: Exploración de Datos del Gobierno</a:t>
             </a:r>
             <a:endParaRPr lang="es-MX" sz="2800" b="0" strike="noStrike" spc="-1">
               <a:latin typeface="Arial"/>
@@ -5658,7 +5656,7 @@
       </p:sp>
       <p:sp>
         <p:nvSpPr>
-          <p:cNvPr id="125" name="CustomShape 2"/>
+          <p:cNvPr id="138" name="CustomShape 2"/>
           <p:cNvSpPr/>
           <p:nvPr/>
         </p:nvSpPr>
@@ -5698,7 +5696,7 @@
                 <a:spcPct val="100000"/>
               </a:lnSpc>
             </a:pPr>
-            <a:fld id="{879770A9-02C4-453C-BF41-541D35450A34}" type="slidenum">
+            <a:fld id="{E4CD5906-221B-4ADE-90F1-CFB57E9FE738}" type="slidenum">
               <a:rPr lang="es-MX" sz="1200" b="0" strike="noStrike" spc="-1">
                 <a:solidFill>
                   <a:srgbClr val="FFFFFF"/>
@@ -5716,7 +5714,7 @@
       </p:sp>
       <p:sp>
         <p:nvSpPr>
-          <p:cNvPr id="126" name="CustomShape 3"/>
+          <p:cNvPr id="139" name="CustomShape 3"/>
           <p:cNvSpPr/>
           <p:nvPr/>
         </p:nvSpPr>
@@ -5774,7 +5772,7 @@
       </p:sp>
       <p:sp>
         <p:nvSpPr>
-          <p:cNvPr id="127" name="CustomShape 4"/>
+          <p:cNvPr id="140" name="CustomShape 4"/>
           <p:cNvSpPr/>
           <p:nvPr/>
         </p:nvSpPr>
@@ -5992,7 +5990,7 @@
       </p:sp>
       <p:pic>
         <p:nvPicPr>
-          <p:cNvPr id="128" name="Picture 2"/>
+          <p:cNvPr id="141" name="Picture 2"/>
           <p:cNvPicPr/>
           <p:nvPr/>
         </p:nvPicPr>
@@ -6002,20 +6000,20 @@
         </p:blipFill>
         <p:spPr>
           <a:xfrm>
-            <a:off x="144000" y="2201760"/>
-            <a:ext cx="4163040" cy="2977560"/>
-          </a:xfrm>
-          <a:prstGeom prst="rect">
-            <a:avLst/>
-          </a:prstGeom>
-          <a:ln w="9360">
+            <a:off x="6840" y="1679400"/>
+            <a:ext cx="4317840" cy="4714200"/>
+          </a:xfrm>
+          <a:prstGeom prst="rect">
+            <a:avLst/>
+          </a:prstGeom>
+          <a:ln>
             <a:noFill/>
           </a:ln>
         </p:spPr>
       </p:pic>
       <p:pic>
         <p:nvPicPr>
-          <p:cNvPr id="129" name="Imagen 128"/>
+          <p:cNvPr id="142" name="Picture 4"/>
           <p:cNvPicPr/>
           <p:nvPr/>
         </p:nvPicPr>
@@ -6025,8 +6023,8 @@
         </p:blipFill>
         <p:spPr>
           <a:xfrm>
-            <a:off x="4413600" y="2160000"/>
-            <a:ext cx="4656240" cy="3060720"/>
+            <a:off x="4315680" y="1649880"/>
+            <a:ext cx="4665240" cy="4714200"/>
           </a:xfrm>
           <a:prstGeom prst="rect">
             <a:avLst/>
@@ -6036,64 +6034,6 @@
           </a:ln>
         </p:spPr>
       </p:pic>
-      <p:sp>
-        <p:nvSpPr>
-          <p:cNvPr id="130" name="CustomShape 5"/>
-          <p:cNvSpPr/>
-          <p:nvPr/>
-        </p:nvSpPr>
-        <p:spPr>
-          <a:xfrm>
-            <a:off x="38520" y="5172120"/>
-            <a:ext cx="9103320" cy="741600"/>
-          </a:xfrm>
-          <a:prstGeom prst="rect">
-            <a:avLst/>
-          </a:prstGeom>
-          <a:noFill/>
-          <a:ln w="9360">
-            <a:noFill/>
-          </a:ln>
-        </p:spPr>
-        <p:style>
-          <a:lnRef idx="0">
-            <a:scrgbClr r="0" g="0" b="0"/>
-          </a:lnRef>
-          <a:fillRef idx="0">
-            <a:scrgbClr r="0" g="0" b="0"/>
-          </a:fillRef>
-          <a:effectRef idx="0">
-            <a:scrgbClr r="0" g="0" b="0"/>
-          </a:effectRef>
-          <a:fontRef idx="minor"/>
-        </p:style>
-        <p:txBody>
-          <a:bodyPr lIns="90000" tIns="45000" rIns="90000" bIns="45000" anchor="ctr">
-            <a:noAutofit/>
-          </a:bodyPr>
-          <a:lstStyle/>
-          <a:p>
-            <a:pPr marL="182880">
-              <a:lnSpc>
-                <a:spcPct val="100000"/>
-              </a:lnSpc>
-            </a:pPr>
-            <a:r>
-              <a:rPr lang="es-MX" sz="2800" b="0" strike="noStrike" spc="-1">
-                <a:solidFill>
-                  <a:srgbClr val="000000"/>
-                </a:solidFill>
-                <a:latin typeface="Times New Roman"/>
-                <a:ea typeface="DejaVu Sans"/>
-              </a:rPr>
-              <a:t>Datos faltantes: ~1%</a:t>
-            </a:r>
-            <a:endParaRPr lang="es-MX" sz="2800" b="0" strike="noStrike" spc="-1">
-              <a:latin typeface="Arial"/>
-            </a:endParaRPr>
-          </a:p>
-        </p:txBody>
-      </p:sp>
     </p:spTree>
   </p:cSld>
   <p:clrMapOvr>
@@ -6121,7 +6061,7 @@
       </p:grpSpPr>
       <p:sp>
         <p:nvSpPr>
-          <p:cNvPr id="131" name="CustomShape 1"/>
+          <p:cNvPr id="143" name="CustomShape 1"/>
           <p:cNvSpPr/>
           <p:nvPr/>
         </p:nvSpPr>
@@ -6169,7 +6109,7 @@
                 <a:latin typeface="Times New Roman"/>
                 <a:ea typeface="DejaVu Sans"/>
               </a:rPr>
-              <a:t>Introducción: Exploración de Datos SINAICA</a:t>
+              <a:t>Solución: Preprocesamiento</a:t>
             </a:r>
             <a:endParaRPr lang="es-MX" sz="2800" b="0" strike="noStrike" spc="-1">
               <a:latin typeface="Arial"/>
@@ -6179,7 +6119,7 @@
       </p:sp>
       <p:sp>
         <p:nvSpPr>
-          <p:cNvPr id="132" name="CustomShape 2"/>
+          <p:cNvPr id="144" name="CustomShape 2"/>
           <p:cNvSpPr/>
           <p:nvPr/>
         </p:nvSpPr>
@@ -6219,7 +6159,7 @@
                 <a:spcPct val="100000"/>
               </a:lnSpc>
             </a:pPr>
-            <a:fld id="{F3714A65-EE69-48D8-9523-04E5F41BA196}" type="slidenum">
+            <a:fld id="{A2E4CFBC-01A9-4280-88C0-EB29208FC7E9}" type="slidenum">
               <a:rPr lang="es-MX" sz="1200" b="0" strike="noStrike" spc="-1">
                 <a:solidFill>
                   <a:srgbClr val="FFFFFF"/>
@@ -6237,7 +6177,7 @@
       </p:sp>
       <p:sp>
         <p:nvSpPr>
-          <p:cNvPr id="133" name="CustomShape 3"/>
+          <p:cNvPr id="145" name="CustomShape 3"/>
           <p:cNvSpPr/>
           <p:nvPr/>
         </p:nvSpPr>
@@ -6295,7 +6235,7 @@
       </p:sp>
       <p:sp>
         <p:nvSpPr>
-          <p:cNvPr id="134" name="CustomShape 4"/>
+          <p:cNvPr id="146" name="CustomShape 4"/>
           <p:cNvSpPr/>
           <p:nvPr/>
         </p:nvSpPr>
@@ -6366,9 +6306,19 @@
               </a:lnSpc>
             </a:pPr>
             <a:r>
+              <a:rPr lang="es-MX" sz="800" b="1" strike="noStrike" spc="-1">
+                <a:solidFill>
+                  <a:srgbClr val="808080"/>
+                </a:solidFill>
+                <a:latin typeface="Times New Roman"/>
+                <a:ea typeface="DejaVu Sans"/>
+              </a:rPr>
+              <a:t>Introducción</a:t>
+            </a:r>
+            <a:r>
               <a:rPr lang="es-MX" sz="800" b="1" u="sng" strike="noStrike" spc="-1">
                 <a:solidFill>
-                  <a:srgbClr val="FFFFFF"/>
+                  <a:srgbClr val="7F7F7F"/>
                 </a:solidFill>
                 <a:uFill>
                   <a:solidFill>
@@ -6378,12 +6328,22 @@
                 <a:latin typeface="Times New Roman"/>
                 <a:ea typeface="DejaVu Sans"/>
               </a:rPr>
-              <a:t>Introducción</a:t>
-            </a:r>
+              <a:t> </a:t>
+            </a:r>
+            <a:endParaRPr lang="es-MX" sz="800" b="0" strike="noStrike" spc="-1">
+              <a:latin typeface="Arial"/>
+            </a:endParaRPr>
+          </a:p>
+          <a:p>
+            <a:pPr algn="r">
+              <a:lnSpc>
+                <a:spcPct val="100000"/>
+              </a:lnSpc>
+            </a:pPr>
             <a:r>
               <a:rPr lang="es-MX" sz="800" b="1" u="sng" strike="noStrike" spc="-1">
                 <a:solidFill>
-                  <a:srgbClr val="7F7F7F"/>
+                  <a:srgbClr val="808080"/>
                 </a:solidFill>
                 <a:uFill>
                   <a:solidFill>
@@ -6393,7 +6353,7 @@
                 <a:latin typeface="Times New Roman"/>
                 <a:ea typeface="DejaVu Sans"/>
               </a:rPr>
-              <a:t> </a:t>
+              <a:t>Trabajo relacionado</a:t>
             </a:r>
             <a:endParaRPr lang="es-MX" sz="800" b="0" strike="noStrike" spc="-1">
               <a:latin typeface="Arial"/>
@@ -6408,7 +6368,7 @@
             <a:r>
               <a:rPr lang="es-MX" sz="800" b="1" u="sng" strike="noStrike" spc="-1">
                 <a:solidFill>
-                  <a:srgbClr val="808080"/>
+                  <a:srgbClr val="FFFFFF"/>
                 </a:solidFill>
                 <a:uFill>
                   <a:solidFill>
@@ -6418,7 +6378,7 @@
                 <a:latin typeface="Times New Roman"/>
                 <a:ea typeface="DejaVu Sans"/>
               </a:rPr>
-              <a:t>Trabajo relacionado</a:t>
+              <a:t>Solución</a:t>
             </a:r>
             <a:endParaRPr lang="es-MX" sz="800" b="0" strike="noStrike" spc="-1">
               <a:latin typeface="Arial"/>
@@ -6443,7 +6403,7 @@
                 <a:latin typeface="Times New Roman"/>
                 <a:ea typeface="DejaVu Sans"/>
               </a:rPr>
-              <a:t>Solución</a:t>
+              <a:t>Resultado</a:t>
             </a:r>
             <a:endParaRPr lang="es-MX" sz="800" b="0" strike="noStrike" spc="-1">
               <a:latin typeface="Arial"/>
@@ -6468,52 +6428,289 @@
                 <a:latin typeface="Times New Roman"/>
                 <a:ea typeface="DejaVu Sans"/>
               </a:rPr>
-              <a:t>Resultado</a:t>
+              <a:t>Conclusión</a:t>
             </a:r>
             <a:endParaRPr lang="es-MX" sz="800" b="0" strike="noStrike" spc="-1">
               <a:latin typeface="Arial"/>
             </a:endParaRPr>
           </a:p>
           <a:p>
-            <a:pPr algn="r">
-              <a:lnSpc>
-                <a:spcPct val="100000"/>
-              </a:lnSpc>
-            </a:pPr>
-            <a:r>
-              <a:rPr lang="es-MX" sz="800" b="1" u="sng" strike="noStrike" spc="-1">
-                <a:solidFill>
-                  <a:srgbClr val="808080"/>
-                </a:solidFill>
-                <a:uFill>
-                  <a:solidFill>
-                    <a:srgbClr val="000000"/>
-                  </a:solidFill>
-                </a:uFill>
-                <a:latin typeface="Times New Roman"/>
-                <a:ea typeface="DejaVu Sans"/>
-              </a:rPr>
-              <a:t>Conclusión</a:t>
-            </a:r>
+            <a:pPr>
+              <a:lnSpc>
+                <a:spcPct val="100000"/>
+              </a:lnSpc>
+            </a:pPr>
             <a:endParaRPr lang="es-MX" sz="800" b="0" strike="noStrike" spc="-1">
               <a:latin typeface="Arial"/>
             </a:endParaRPr>
           </a:p>
-          <a:p>
-            <a:pPr>
-              <a:lnSpc>
-                <a:spcPct val="100000"/>
-              </a:lnSpc>
-            </a:pPr>
-            <a:endParaRPr lang="es-MX" sz="800" b="0" strike="noStrike" spc="-1">
-              <a:latin typeface="Arial"/>
+        </p:txBody>
+      </p:sp>
+      <p:sp>
+        <p:nvSpPr>
+          <p:cNvPr id="147" name="CustomShape 5"/>
+          <p:cNvSpPr/>
+          <p:nvPr/>
+        </p:nvSpPr>
+        <p:spPr>
+          <a:xfrm>
+            <a:off x="216000" y="2664000"/>
+            <a:ext cx="4756050" cy="3597840"/>
+          </a:xfrm>
+          <a:prstGeom prst="rect">
+            <a:avLst/>
+          </a:prstGeom>
+          <a:noFill/>
+          <a:ln w="9360">
+            <a:noFill/>
+          </a:ln>
+        </p:spPr>
+        <p:style>
+          <a:lnRef idx="0">
+            <a:scrgbClr r="0" g="0" b="0"/>
+          </a:lnRef>
+          <a:fillRef idx="0">
+            <a:scrgbClr r="0" g="0" b="0"/>
+          </a:fillRef>
+          <a:effectRef idx="0">
+            <a:scrgbClr r="0" g="0" b="0"/>
+          </a:effectRef>
+          <a:fontRef idx="minor"/>
+        </p:style>
+        <p:txBody>
+          <a:bodyPr lIns="90000" tIns="45000" rIns="90000" bIns="45000">
+            <a:noAutofit/>
+          </a:bodyPr>
+          <a:lstStyle/>
+          <a:p>
+            <a:pPr algn="just">
+              <a:lnSpc>
+                <a:spcPct val="100000"/>
+              </a:lnSpc>
+              <a:spcBef>
+                <a:spcPts val="400"/>
+              </a:spcBef>
+            </a:pPr>
+            <a:r>
+              <a:rPr lang="es-MX" sz="2000" b="0" strike="noStrike" spc="-1" dirty="0">
+                <a:solidFill>
+                  <a:srgbClr val="000000"/>
+                </a:solidFill>
+                <a:latin typeface="Times New Roman" panose="02020603050405020304" pitchFamily="18" charset="0"/>
+                <a:ea typeface="DejaVu Sans"/>
+                <a:cs typeface="Times New Roman" panose="02020603050405020304" pitchFamily="18" charset="0"/>
+              </a:rPr>
+              <a:t>Procesamos los datos como una Serie de Tiempo: como en el </a:t>
+            </a:r>
+            <a:r>
+              <a:rPr lang="es-MX" sz="2000" b="0" strike="noStrike" spc="-1" dirty="0" err="1">
+                <a:solidFill>
+                  <a:srgbClr val="000000"/>
+                </a:solidFill>
+                <a:latin typeface="Times New Roman" panose="02020603050405020304" pitchFamily="18" charset="0"/>
+                <a:ea typeface="DejaVu Sans"/>
+                <a:cs typeface="Times New Roman" panose="02020603050405020304" pitchFamily="18" charset="0"/>
+              </a:rPr>
+              <a:t>Miniproyecto</a:t>
+            </a:r>
+            <a:r>
+              <a:rPr lang="es-MX" sz="2000" b="0" strike="noStrike" spc="-1" dirty="0">
+                <a:solidFill>
+                  <a:srgbClr val="000000"/>
+                </a:solidFill>
+                <a:latin typeface="Times New Roman" panose="02020603050405020304" pitchFamily="18" charset="0"/>
+                <a:ea typeface="DejaVu Sans"/>
+                <a:cs typeface="Times New Roman" panose="02020603050405020304" pitchFamily="18" charset="0"/>
+              </a:rPr>
+              <a:t> 4 y en un tutorial oficial de </a:t>
+            </a:r>
+            <a:r>
+              <a:rPr lang="es-MX" sz="2000" b="0" strike="noStrike" spc="-1" dirty="0" err="1">
+                <a:solidFill>
+                  <a:srgbClr val="000000"/>
+                </a:solidFill>
+                <a:latin typeface="Times New Roman" panose="02020603050405020304" pitchFamily="18" charset="0"/>
+                <a:ea typeface="DejaVu Sans"/>
+                <a:cs typeface="Times New Roman" panose="02020603050405020304" pitchFamily="18" charset="0"/>
+              </a:rPr>
+              <a:t>Tensorflow</a:t>
+            </a:r>
+            <a:r>
+              <a:rPr lang="es-MX" sz="2000" b="0" strike="noStrike" spc="-1" dirty="0">
+                <a:solidFill>
+                  <a:srgbClr val="000000"/>
+                </a:solidFill>
+                <a:latin typeface="Times New Roman" panose="02020603050405020304" pitchFamily="18" charset="0"/>
+                <a:ea typeface="DejaVu Sans"/>
+                <a:cs typeface="Times New Roman" panose="02020603050405020304" pitchFamily="18" charset="0"/>
+              </a:rPr>
+              <a:t> y </a:t>
+            </a:r>
+            <a:r>
+              <a:rPr lang="es-MX" sz="2000" b="0" strike="noStrike" spc="-1" dirty="0" err="1">
+                <a:solidFill>
+                  <a:srgbClr val="000000"/>
+                </a:solidFill>
+                <a:latin typeface="Times New Roman" panose="02020603050405020304" pitchFamily="18" charset="0"/>
+                <a:ea typeface="DejaVu Sans"/>
+                <a:cs typeface="Times New Roman" panose="02020603050405020304" pitchFamily="18" charset="0"/>
+              </a:rPr>
+              <a:t>Keras</a:t>
+            </a:r>
+            <a:r>
+              <a:rPr lang="es-MX" sz="2000" b="0" strike="noStrike" spc="-1" dirty="0">
+                <a:solidFill>
+                  <a:srgbClr val="000000"/>
+                </a:solidFill>
+                <a:latin typeface="Times New Roman" panose="02020603050405020304" pitchFamily="18" charset="0"/>
+                <a:ea typeface="DejaVu Sans"/>
+                <a:cs typeface="Times New Roman" panose="02020603050405020304" pitchFamily="18" charset="0"/>
+              </a:rPr>
+              <a:t>. </a:t>
+            </a:r>
+            <a:endParaRPr lang="es-MX" sz="2000" b="0" strike="noStrike" spc="-1" dirty="0">
+              <a:latin typeface="Times New Roman" panose="02020603050405020304" pitchFamily="18" charset="0"/>
+              <a:cs typeface="Times New Roman" panose="02020603050405020304" pitchFamily="18" charset="0"/>
+            </a:endParaRPr>
+          </a:p>
+          <a:p>
+            <a:pPr algn="just">
+              <a:lnSpc>
+                <a:spcPct val="100000"/>
+              </a:lnSpc>
+              <a:spcBef>
+                <a:spcPts val="400"/>
+              </a:spcBef>
+            </a:pPr>
+            <a:endParaRPr lang="es-MX" sz="2000" b="0" strike="noStrike" spc="-1" dirty="0">
+              <a:latin typeface="Times New Roman" panose="02020603050405020304" pitchFamily="18" charset="0"/>
+              <a:cs typeface="Times New Roman" panose="02020603050405020304" pitchFamily="18" charset="0"/>
+            </a:endParaRPr>
+          </a:p>
+          <a:p>
+            <a:pPr algn="just">
+              <a:lnSpc>
+                <a:spcPct val="100000"/>
+              </a:lnSpc>
+              <a:spcBef>
+                <a:spcPts val="400"/>
+              </a:spcBef>
+            </a:pPr>
+            <a:endParaRPr lang="es-MX" sz="2000" b="0" strike="noStrike" spc="-1" dirty="0">
+              <a:latin typeface="Times New Roman" panose="02020603050405020304" pitchFamily="18" charset="0"/>
+              <a:cs typeface="Times New Roman" panose="02020603050405020304" pitchFamily="18" charset="0"/>
+            </a:endParaRPr>
+          </a:p>
+          <a:p>
+            <a:pPr algn="just">
+              <a:lnSpc>
+                <a:spcPct val="100000"/>
+              </a:lnSpc>
+              <a:spcBef>
+                <a:spcPts val="400"/>
+              </a:spcBef>
+            </a:pPr>
+            <a:endParaRPr lang="es-MX" sz="2000" b="0" strike="noStrike" spc="-1" dirty="0">
+              <a:latin typeface="Times New Roman" panose="02020603050405020304" pitchFamily="18" charset="0"/>
+              <a:cs typeface="Times New Roman" panose="02020603050405020304" pitchFamily="18" charset="0"/>
+            </a:endParaRPr>
+          </a:p>
+          <a:p>
+            <a:pPr algn="just">
+              <a:lnSpc>
+                <a:spcPct val="100000"/>
+              </a:lnSpc>
+              <a:spcBef>
+                <a:spcPts val="400"/>
+              </a:spcBef>
+            </a:pPr>
+            <a:r>
+              <a:rPr lang="es-MX" sz="2000" b="0" strike="noStrike" spc="-1" dirty="0">
+                <a:solidFill>
+                  <a:srgbClr val="000000"/>
+                </a:solidFill>
+                <a:latin typeface="Times New Roman" panose="02020603050405020304" pitchFamily="18" charset="0"/>
+                <a:ea typeface="DejaVu Sans"/>
+                <a:cs typeface="Times New Roman" panose="02020603050405020304" pitchFamily="18" charset="0"/>
+              </a:rPr>
+              <a:t>Tuvimos que imputar, porque </a:t>
+            </a:r>
+            <a:r>
+              <a:rPr lang="es-MX" sz="2000" b="1" strike="noStrike" spc="-1" dirty="0">
+                <a:solidFill>
+                  <a:srgbClr val="000000"/>
+                </a:solidFill>
+                <a:latin typeface="Times New Roman" panose="02020603050405020304" pitchFamily="18" charset="0"/>
+                <a:ea typeface="DejaVu Sans"/>
+                <a:cs typeface="Times New Roman" panose="02020603050405020304" pitchFamily="18" charset="0"/>
+              </a:rPr>
+              <a:t>todos</a:t>
+            </a:r>
+            <a:r>
+              <a:rPr lang="es-MX" sz="2000" b="0" strike="noStrike" spc="-1" dirty="0">
+                <a:solidFill>
+                  <a:srgbClr val="000000"/>
+                </a:solidFill>
+                <a:latin typeface="Times New Roman" panose="02020603050405020304" pitchFamily="18" charset="0"/>
+                <a:ea typeface="DejaVu Sans"/>
+                <a:cs typeface="Times New Roman" panose="02020603050405020304" pitchFamily="18" charset="0"/>
+              </a:rPr>
+              <a:t> los datos tenían algún faltante, como se </a:t>
+            </a:r>
+            <a:r>
+              <a:rPr lang="es-MX" sz="2000" b="0" strike="noStrike" spc="-1" dirty="0" err="1">
+                <a:solidFill>
+                  <a:srgbClr val="000000"/>
+                </a:solidFill>
+                <a:latin typeface="Times New Roman" panose="02020603050405020304" pitchFamily="18" charset="0"/>
+                <a:ea typeface="DejaVu Sans"/>
+                <a:cs typeface="Times New Roman" panose="02020603050405020304" pitchFamily="18" charset="0"/>
+              </a:rPr>
+              <a:t>vió</a:t>
+            </a:r>
+            <a:r>
+              <a:rPr lang="es-MX" sz="2000" b="0" strike="noStrike" spc="-1" dirty="0">
+                <a:solidFill>
+                  <a:srgbClr val="000000"/>
+                </a:solidFill>
+                <a:latin typeface="Times New Roman" panose="02020603050405020304" pitchFamily="18" charset="0"/>
+                <a:ea typeface="DejaVu Sans"/>
+                <a:cs typeface="Times New Roman" panose="02020603050405020304" pitchFamily="18" charset="0"/>
+              </a:rPr>
+              <a:t> anteriormente. Usamos interpolación, aunque exploramos KNN, Métodos Lineales Generalizados (Bayes), Medias, Hot </a:t>
+            </a:r>
+            <a:r>
+              <a:rPr lang="es-MX" sz="2000" b="0" strike="noStrike" spc="-1" dirty="0" err="1">
+                <a:solidFill>
+                  <a:srgbClr val="000000"/>
+                </a:solidFill>
+                <a:latin typeface="Times New Roman" panose="02020603050405020304" pitchFamily="18" charset="0"/>
+                <a:ea typeface="DejaVu Sans"/>
+                <a:cs typeface="Times New Roman" panose="02020603050405020304" pitchFamily="18" charset="0"/>
+              </a:rPr>
+              <a:t>Deck</a:t>
+            </a:r>
+            <a:r>
+              <a:rPr lang="es-MX" sz="2000" b="0" strike="noStrike" spc="-1" dirty="0">
+                <a:solidFill>
+                  <a:srgbClr val="000000"/>
+                </a:solidFill>
+                <a:latin typeface="Times New Roman" panose="02020603050405020304" pitchFamily="18" charset="0"/>
+                <a:ea typeface="DejaVu Sans"/>
+                <a:cs typeface="Times New Roman" panose="02020603050405020304" pitchFamily="18" charset="0"/>
+              </a:rPr>
+              <a:t>.</a:t>
+            </a:r>
+            <a:endParaRPr lang="es-MX" sz="2000" b="0" strike="noStrike" spc="-1" dirty="0">
+              <a:latin typeface="Times New Roman" panose="02020603050405020304" pitchFamily="18" charset="0"/>
+              <a:cs typeface="Times New Roman" panose="02020603050405020304" pitchFamily="18" charset="0"/>
             </a:endParaRPr>
           </a:p>
         </p:txBody>
       </p:sp>
       <p:pic>
         <p:nvPicPr>
-          <p:cNvPr id="135" name="Picture 2"/>
+          <p:cNvPr id="148" name="Imagen 147"/>
           <p:cNvPicPr/>
           <p:nvPr/>
         </p:nvPicPr>
@@ -6523,20 +6720,20 @@
         </p:blipFill>
         <p:spPr>
           <a:xfrm>
-            <a:off x="39555" y="1804815"/>
-            <a:ext cx="4984560" cy="4413600"/>
-          </a:xfrm>
-          <a:prstGeom prst="rect">
-            <a:avLst/>
-          </a:prstGeom>
-          <a:ln w="9360">
+            <a:off x="1404000" y="2161440"/>
+            <a:ext cx="2818800" cy="428400"/>
+          </a:xfrm>
+          <a:prstGeom prst="rect">
+            <a:avLst/>
+          </a:prstGeom>
+          <a:ln>
             <a:noFill/>
           </a:ln>
         </p:spPr>
       </p:pic>
       <p:pic>
         <p:nvPicPr>
-          <p:cNvPr id="136" name="Imagen 135"/>
+          <p:cNvPr id="149" name="Imagen 148"/>
           <p:cNvPicPr/>
           <p:nvPr/>
         </p:nvPicPr>
@@ -6546,8 +6743,164 @@
         </p:blipFill>
         <p:spPr>
           <a:xfrm>
-            <a:off x="4990320" y="2113920"/>
-            <a:ext cx="4151520" cy="3283920"/>
+            <a:off x="1404000" y="4033440"/>
+            <a:ext cx="2818800" cy="428400"/>
+          </a:xfrm>
+          <a:prstGeom prst="rect">
+            <a:avLst/>
+          </a:prstGeom>
+          <a:ln>
+            <a:noFill/>
+          </a:ln>
+        </p:spPr>
+      </p:pic>
+      <p:pic>
+        <p:nvPicPr>
+          <p:cNvPr id="150" name="Imagen 149"/>
+          <p:cNvPicPr/>
+          <p:nvPr/>
+        </p:nvPicPr>
+        <p:blipFill>
+          <a:blip r:embed="rId4"/>
+          <a:stretch/>
+        </p:blipFill>
+        <p:spPr>
+          <a:xfrm>
+            <a:off x="5472000" y="3910320"/>
+            <a:ext cx="3481920" cy="2387520"/>
+          </a:xfrm>
+          <a:prstGeom prst="rect">
+            <a:avLst/>
+          </a:prstGeom>
+          <a:ln>
+            <a:noFill/>
+          </a:ln>
+        </p:spPr>
+      </p:pic>
+      <p:sp>
+        <p:nvSpPr>
+          <p:cNvPr id="151" name="CustomShape 6"/>
+          <p:cNvSpPr/>
+          <p:nvPr/>
+        </p:nvSpPr>
+        <p:spPr>
+          <a:xfrm>
+            <a:off x="5400000" y="1800000"/>
+            <a:ext cx="3597840" cy="1221840"/>
+          </a:xfrm>
+          <a:prstGeom prst="rect">
+            <a:avLst/>
+          </a:prstGeom>
+          <a:noFill/>
+          <a:ln w="9360">
+            <a:noFill/>
+          </a:ln>
+        </p:spPr>
+        <p:style>
+          <a:lnRef idx="0">
+            <a:scrgbClr r="0" g="0" b="0"/>
+          </a:lnRef>
+          <a:fillRef idx="0">
+            <a:scrgbClr r="0" g="0" b="0"/>
+          </a:fillRef>
+          <a:effectRef idx="0">
+            <a:scrgbClr r="0" g="0" b="0"/>
+          </a:effectRef>
+          <a:fontRef idx="minor"/>
+        </p:style>
+        <p:txBody>
+          <a:bodyPr lIns="90000" tIns="45000" rIns="90000" bIns="45000">
+            <a:noAutofit/>
+          </a:bodyPr>
+          <a:lstStyle/>
+          <a:p>
+            <a:pPr>
+              <a:lnSpc>
+                <a:spcPct val="100000"/>
+              </a:lnSpc>
+              <a:spcBef>
+                <a:spcPts val="400"/>
+              </a:spcBef>
+            </a:pPr>
+            <a:r>
+              <a:rPr lang="es-MX" sz="2000" b="0" strike="noStrike" spc="-1" dirty="0">
+                <a:solidFill>
+                  <a:srgbClr val="000000"/>
+                </a:solidFill>
+                <a:latin typeface="Times New Roman" panose="02020603050405020304" pitchFamily="18" charset="0"/>
+                <a:ea typeface="DejaVu Sans"/>
+                <a:cs typeface="Times New Roman" panose="02020603050405020304" pitchFamily="18" charset="0"/>
+              </a:rPr>
+              <a:t>Escalamiento: al tener datos en diversas escalas.</a:t>
+            </a:r>
+            <a:endParaRPr lang="es-MX" sz="2000" b="0" strike="noStrike" spc="-1" dirty="0">
+              <a:latin typeface="Times New Roman" panose="02020603050405020304" pitchFamily="18" charset="0"/>
+              <a:cs typeface="Times New Roman" panose="02020603050405020304" pitchFamily="18" charset="0"/>
+            </a:endParaRPr>
+          </a:p>
+          <a:p>
+            <a:pPr>
+              <a:lnSpc>
+                <a:spcPct val="100000"/>
+              </a:lnSpc>
+              <a:spcBef>
+                <a:spcPts val="400"/>
+              </a:spcBef>
+            </a:pPr>
+            <a:r>
+              <a:rPr lang="es-MX" sz="2000" b="0" strike="noStrike" spc="-1" dirty="0">
+                <a:solidFill>
+                  <a:srgbClr val="000000"/>
+                </a:solidFill>
+                <a:latin typeface="Times New Roman" panose="02020603050405020304" pitchFamily="18" charset="0"/>
+                <a:ea typeface="DejaVu Sans"/>
+                <a:cs typeface="Times New Roman" panose="02020603050405020304" pitchFamily="18" charset="0"/>
+              </a:rPr>
+              <a:t>Limpieza de Datos: descartar primeras observaciones por el </a:t>
+            </a:r>
+            <a:r>
+              <a:rPr lang="es-MX" sz="2000" b="0" strike="noStrike" spc="-1" dirty="0" err="1">
+                <a:solidFill>
+                  <a:srgbClr val="000000"/>
+                </a:solidFill>
+                <a:latin typeface="Times New Roman" panose="02020603050405020304" pitchFamily="18" charset="0"/>
+                <a:ea typeface="DejaVu Sans"/>
+                <a:cs typeface="Times New Roman" panose="02020603050405020304" pitchFamily="18" charset="0"/>
+              </a:rPr>
+              <a:t>Windowing</a:t>
+            </a:r>
+            <a:r>
+              <a:rPr lang="es-MX" sz="2000" b="0" strike="noStrike" spc="-1" dirty="0">
+                <a:solidFill>
+                  <a:srgbClr val="000000"/>
+                </a:solidFill>
+                <a:latin typeface="Times New Roman" panose="02020603050405020304" pitchFamily="18" charset="0"/>
+                <a:ea typeface="DejaVu Sans"/>
+                <a:cs typeface="Times New Roman" panose="02020603050405020304" pitchFamily="18" charset="0"/>
+              </a:rPr>
+              <a:t>.</a:t>
+            </a:r>
+            <a:endParaRPr lang="es-MX" sz="2000" b="0" strike="noStrike" spc="-1" dirty="0">
+              <a:latin typeface="Times New Roman" panose="02020603050405020304" pitchFamily="18" charset="0"/>
+              <a:cs typeface="Times New Roman" panose="02020603050405020304" pitchFamily="18" charset="0"/>
+            </a:endParaRPr>
+          </a:p>
+        </p:txBody>
+      </p:sp>
+      <p:pic>
+        <p:nvPicPr>
+          <p:cNvPr id="152" name="Imagen 151"/>
+          <p:cNvPicPr/>
+          <p:nvPr/>
+        </p:nvPicPr>
+        <p:blipFill>
+          <a:blip r:embed="rId5"/>
+          <a:stretch/>
+        </p:blipFill>
+        <p:spPr>
+          <a:xfrm>
+            <a:off x="7625520" y="2735640"/>
+            <a:ext cx="1192320" cy="1006200"/>
           </a:xfrm>
           <a:prstGeom prst="rect">
             <a:avLst/>
@@ -6584,14 +6937,14 @@
       </p:grpSpPr>
       <p:sp>
         <p:nvSpPr>
-          <p:cNvPr id="137" name="CustomShape 1"/>
+          <p:cNvPr id="153" name="CustomShape 1"/>
           <p:cNvSpPr/>
           <p:nvPr/>
         </p:nvSpPr>
         <p:spPr>
           <a:xfrm>
             <a:off x="38160" y="780120"/>
-            <a:ext cx="9103320" cy="741600"/>
+            <a:ext cx="9005040" cy="741600"/>
           </a:xfrm>
           <a:prstGeom prst="rect">
             <a:avLst/>
@@ -6625,16 +6978,16 @@
               </a:lnSpc>
             </a:pPr>
             <a:r>
-              <a:rPr lang="es-MX" sz="2800" b="0" strike="noStrike" spc="-1">
+              <a:rPr lang="es-MX" sz="3600" b="0" strike="noStrike" spc="-1">
                 <a:solidFill>
                   <a:srgbClr val="FFFFFF"/>
                 </a:solidFill>
                 <a:latin typeface="Times New Roman"/>
                 <a:ea typeface="DejaVu Sans"/>
               </a:rPr>
-              <a:t>Introducción: Exploración de Datos del Gobierno</a:t>
-            </a:r>
-            <a:endParaRPr lang="es-MX" sz="2800" b="0" strike="noStrike" spc="-1">
+              <a:t>Solución: Arquitectura de Redes Neuronales </a:t>
+            </a:r>
+            <a:endParaRPr lang="es-MX" sz="3600" b="0" strike="noStrike" spc="-1">
               <a:latin typeface="Arial"/>
             </a:endParaRPr>
           </a:p>
@@ -6642,7 +6995,7 @@
       </p:sp>
       <p:sp>
         <p:nvSpPr>
-          <p:cNvPr id="138" name="CustomShape 2"/>
+          <p:cNvPr id="154" name="CustomShape 2"/>
           <p:cNvSpPr/>
           <p:nvPr/>
         </p:nvSpPr>
@@ -6682,7 +7035,7 @@
                 <a:spcPct val="100000"/>
               </a:lnSpc>
             </a:pPr>
-            <a:fld id="{E4CD5906-221B-4ADE-90F1-CFB57E9FE738}" type="slidenum">
+            <a:fld id="{06A42949-E399-4018-9CA3-0DC2F4A3151C}" type="slidenum">
               <a:rPr lang="es-MX" sz="1200" b="0" strike="noStrike" spc="-1">
                 <a:solidFill>
                   <a:srgbClr val="FFFFFF"/>
@@ -6700,7 +7053,7 @@
       </p:sp>
       <p:sp>
         <p:nvSpPr>
-          <p:cNvPr id="139" name="CustomShape 3"/>
+          <p:cNvPr id="155" name="CustomShape 3"/>
           <p:cNvSpPr/>
           <p:nvPr/>
         </p:nvSpPr>
@@ -6758,7 +7111,7 @@
       </p:sp>
       <p:sp>
         <p:nvSpPr>
-          <p:cNvPr id="140" name="CustomShape 4"/>
+          <p:cNvPr id="156" name="CustomShape 4"/>
           <p:cNvSpPr/>
           <p:nvPr/>
         </p:nvSpPr>
@@ -6831,7 +7184,7 @@
             <a:r>
               <a:rPr lang="es-MX" sz="800" b="1" u="sng" strike="noStrike" spc="-1">
                 <a:solidFill>
-                  <a:srgbClr val="FFFFFF"/>
+                  <a:srgbClr val="808080"/>
                 </a:solidFill>
                 <a:uFill>
                   <a:solidFill>
@@ -6841,12 +7194,22 @@
                 <a:latin typeface="Times New Roman"/>
                 <a:ea typeface="DejaVu Sans"/>
               </a:rPr>
-              <a:t>Introducción</a:t>
-            </a:r>
+              <a:t>Introducción </a:t>
+            </a:r>
+            <a:endParaRPr lang="es-MX" sz="800" b="0" strike="noStrike" spc="-1">
+              <a:latin typeface="Arial"/>
+            </a:endParaRPr>
+          </a:p>
+          <a:p>
+            <a:pPr algn="r">
+              <a:lnSpc>
+                <a:spcPct val="100000"/>
+              </a:lnSpc>
+            </a:pPr>
             <a:r>
               <a:rPr lang="es-MX" sz="800" b="1" u="sng" strike="noStrike" spc="-1">
                 <a:solidFill>
-                  <a:srgbClr val="7F7F7F"/>
+                  <a:srgbClr val="808080"/>
                 </a:solidFill>
                 <a:uFill>
                   <a:solidFill>
@@ -6856,7 +7219,7 @@
                 <a:latin typeface="Times New Roman"/>
                 <a:ea typeface="DejaVu Sans"/>
               </a:rPr>
-              <a:t> </a:t>
+              <a:t>Trabajo relacionado</a:t>
             </a:r>
             <a:endParaRPr lang="es-MX" sz="800" b="0" strike="noStrike" spc="-1">
               <a:latin typeface="Arial"/>
@@ -6871,7 +7234,7 @@
             <a:r>
               <a:rPr lang="es-MX" sz="800" b="1" u="sng" strike="noStrike" spc="-1">
                 <a:solidFill>
-                  <a:srgbClr val="808080"/>
+                  <a:srgbClr val="FFFFFF"/>
                 </a:solidFill>
                 <a:uFill>
                   <a:solidFill>
@@ -6881,7 +7244,7 @@
                 <a:latin typeface="Times New Roman"/>
                 <a:ea typeface="DejaVu Sans"/>
               </a:rPr>
-              <a:t>Trabajo relacionado</a:t>
+              <a:t>Solución</a:t>
             </a:r>
             <a:endParaRPr lang="es-MX" sz="800" b="0" strike="noStrike" spc="-1">
               <a:latin typeface="Arial"/>
@@ -6906,7 +7269,7 @@
                 <a:latin typeface="Times New Roman"/>
                 <a:ea typeface="DejaVu Sans"/>
               </a:rPr>
-              <a:t>Solución</a:t>
+              <a:t>Resultado</a:t>
             </a:r>
             <a:endParaRPr lang="es-MX" sz="800" b="0" strike="noStrike" spc="-1">
               <a:latin typeface="Arial"/>
@@ -6931,31 +7294,6 @@
                 <a:latin typeface="Times New Roman"/>
                 <a:ea typeface="DejaVu Sans"/>
               </a:rPr>
-              <a:t>Resultado</a:t>
-            </a:r>
-            <a:endParaRPr lang="es-MX" sz="800" b="0" strike="noStrike" spc="-1">
-              <a:latin typeface="Arial"/>
-            </a:endParaRPr>
-          </a:p>
-          <a:p>
-            <a:pPr algn="r">
-              <a:lnSpc>
-                <a:spcPct val="100000"/>
-              </a:lnSpc>
-            </a:pPr>
-            <a:r>
-              <a:rPr lang="es-MX" sz="800" b="1" u="sng" strike="noStrike" spc="-1">
-                <a:solidFill>
-                  <a:srgbClr val="808080"/>
-                </a:solidFill>
-                <a:uFill>
-                  <a:solidFill>
-                    <a:srgbClr val="000000"/>
-                  </a:solidFill>
-                </a:uFill>
-                <a:latin typeface="Times New Roman"/>
-                <a:ea typeface="DejaVu Sans"/>
-              </a:rPr>
               <a:t>Conclusión</a:t>
             </a:r>
             <a:endParaRPr lang="es-MX" sz="800" b="0" strike="noStrike" spc="-1">
@@ -6976,7 +7314,7 @@
       </p:sp>
       <p:pic>
         <p:nvPicPr>
-          <p:cNvPr id="141" name="Picture 2"/>
+          <p:cNvPr id="157" name="Imagen 156"/>
           <p:cNvPicPr/>
           <p:nvPr/>
         </p:nvPicPr>
@@ -6986,8 +7324,8 @@
         </p:blipFill>
         <p:spPr>
           <a:xfrm>
-            <a:off x="6840" y="1679400"/>
-            <a:ext cx="4317840" cy="4714200"/>
+            <a:off x="6909120" y="1715760"/>
+            <a:ext cx="1872720" cy="1234080"/>
           </a:xfrm>
           <a:prstGeom prst="rect">
             <a:avLst/>
@@ -6999,7 +7337,7 @@
       </p:pic>
       <p:pic>
         <p:nvPicPr>
-          <p:cNvPr id="142" name="Picture 4"/>
+          <p:cNvPr id="158" name="Imagen 157"/>
           <p:cNvPicPr/>
           <p:nvPr/>
         </p:nvPicPr>
@@ -7009,8 +7347,8 @@
         </p:blipFill>
         <p:spPr>
           <a:xfrm>
-            <a:off x="4315680" y="1649880"/>
-            <a:ext cx="4665240" cy="4714200"/>
+            <a:off x="3722040" y="1728000"/>
+            <a:ext cx="1509840" cy="1509840"/>
           </a:xfrm>
           <a:prstGeom prst="rect">
             <a:avLst/>
@@ -7020,6 +7358,544 @@
           </a:ln>
         </p:spPr>
       </p:pic>
+      <p:pic>
+        <p:nvPicPr>
+          <p:cNvPr id="159" name="Imagen 158"/>
+          <p:cNvPicPr/>
+          <p:nvPr/>
+        </p:nvPicPr>
+        <p:blipFill>
+          <a:blip r:embed="rId4"/>
+          <a:stretch/>
+        </p:blipFill>
+        <p:spPr>
+          <a:xfrm>
+            <a:off x="288000" y="1749240"/>
+            <a:ext cx="1640880" cy="1317960"/>
+          </a:xfrm>
+          <a:prstGeom prst="rect">
+            <a:avLst/>
+          </a:prstGeom>
+          <a:ln>
+            <a:noFill/>
+          </a:ln>
+        </p:spPr>
+      </p:pic>
+      <p:pic>
+        <p:nvPicPr>
+          <p:cNvPr id="160" name="Imagen 159"/>
+          <p:cNvPicPr/>
+          <p:nvPr/>
+        </p:nvPicPr>
+        <p:blipFill>
+          <a:blip r:embed="rId5"/>
+          <a:stretch/>
+        </p:blipFill>
+        <p:spPr>
+          <a:xfrm>
+            <a:off x="6948000" y="4965120"/>
+            <a:ext cx="2089080" cy="1485360"/>
+          </a:xfrm>
+          <a:prstGeom prst="rect">
+            <a:avLst/>
+          </a:prstGeom>
+          <a:ln>
+            <a:noFill/>
+          </a:ln>
+        </p:spPr>
+      </p:pic>
+      <p:sp>
+        <p:nvSpPr>
+          <p:cNvPr id="161" name="CustomShape 5"/>
+          <p:cNvSpPr/>
+          <p:nvPr/>
+        </p:nvSpPr>
+        <p:spPr>
+          <a:xfrm>
+            <a:off x="6554880" y="3302640"/>
+            <a:ext cx="2482200" cy="1693470"/>
+          </a:xfrm>
+          <a:prstGeom prst="rect">
+            <a:avLst/>
+          </a:prstGeom>
+          <a:noFill/>
+          <a:ln w="9360">
+            <a:noFill/>
+          </a:ln>
+        </p:spPr>
+        <p:style>
+          <a:lnRef idx="0">
+            <a:scrgbClr r="0" g="0" b="0"/>
+          </a:lnRef>
+          <a:fillRef idx="0">
+            <a:scrgbClr r="0" g="0" b="0"/>
+          </a:fillRef>
+          <a:effectRef idx="0">
+            <a:scrgbClr r="0" g="0" b="0"/>
+          </a:effectRef>
+          <a:fontRef idx="minor"/>
+        </p:style>
+        <p:txBody>
+          <a:bodyPr lIns="90000" tIns="45000" rIns="90000" bIns="45000">
+            <a:noAutofit/>
+          </a:bodyPr>
+          <a:lstStyle/>
+          <a:p>
+            <a:pPr algn="r">
+              <a:lnSpc>
+                <a:spcPct val="100000"/>
+              </a:lnSpc>
+              <a:spcBef>
+                <a:spcPts val="400"/>
+              </a:spcBef>
+            </a:pPr>
+            <a:r>
+              <a:rPr lang="es-MX" sz="1600" b="1" i="1" strike="noStrike" spc="-1" dirty="0">
+                <a:solidFill>
+                  <a:srgbClr val="000000"/>
+                </a:solidFill>
+                <a:latin typeface="Times New Roman"/>
+                <a:ea typeface="DejaVu Sans"/>
+              </a:rPr>
+              <a:t>LSTM:</a:t>
+            </a:r>
+            <a:endParaRPr lang="es-MX" sz="1600" b="0" strike="noStrike" spc="-1" dirty="0">
+              <a:latin typeface="Arial"/>
+            </a:endParaRPr>
+          </a:p>
+          <a:p>
+            <a:pPr marL="343080" indent="-340560" algn="r">
+              <a:lnSpc>
+                <a:spcPct val="100000"/>
+              </a:lnSpc>
+              <a:spcBef>
+                <a:spcPts val="400"/>
+              </a:spcBef>
+              <a:buSzPct val="100045"/>
+              <a:buBlip>
+                <a:blip r:embed="rId6"/>
+              </a:buBlip>
+            </a:pPr>
+            <a:r>
+              <a:rPr lang="es-MX" sz="1600" b="0" i="1" strike="noStrike" spc="-1" dirty="0">
+                <a:solidFill>
+                  <a:srgbClr val="000000"/>
+                </a:solidFill>
+                <a:latin typeface="Times New Roman"/>
+                <a:ea typeface="DejaVu Sans"/>
+              </a:rPr>
+              <a:t>Desempeño razonable.</a:t>
+            </a:r>
+            <a:endParaRPr lang="es-MX" sz="1600" b="0" strike="noStrike" spc="-1" dirty="0">
+              <a:latin typeface="Arial"/>
+            </a:endParaRPr>
+          </a:p>
+          <a:p>
+            <a:pPr marL="343080" indent="-340560" algn="r">
+              <a:lnSpc>
+                <a:spcPct val="100000"/>
+              </a:lnSpc>
+              <a:spcBef>
+                <a:spcPts val="400"/>
+              </a:spcBef>
+              <a:buSzPct val="100045"/>
+              <a:buBlip>
+                <a:blip r:embed="rId6"/>
+              </a:buBlip>
+            </a:pPr>
+            <a:r>
+              <a:rPr lang="es-MX" sz="1600" b="0" i="1" strike="noStrike" spc="-1" dirty="0">
+                <a:solidFill>
+                  <a:srgbClr val="000000"/>
+                </a:solidFill>
+                <a:latin typeface="Times New Roman"/>
+                <a:ea typeface="DejaVu Sans"/>
+              </a:rPr>
+              <a:t>Procesamiento intermedio.</a:t>
+            </a:r>
+            <a:endParaRPr lang="es-MX" sz="1600" b="0" strike="noStrike" spc="-1" dirty="0">
+              <a:latin typeface="Arial"/>
+            </a:endParaRPr>
+          </a:p>
+          <a:p>
+            <a:pPr marL="343080" indent="-340560" algn="r">
+              <a:lnSpc>
+                <a:spcPct val="100000"/>
+              </a:lnSpc>
+              <a:spcBef>
+                <a:spcPts val="400"/>
+              </a:spcBef>
+              <a:buSzPct val="100045"/>
+              <a:buBlip>
+                <a:blip r:embed="rId6"/>
+              </a:buBlip>
+            </a:pPr>
+            <a:r>
+              <a:rPr lang="es-MX" sz="1600" b="0" i="1" strike="noStrike" spc="-1" dirty="0">
+                <a:solidFill>
+                  <a:srgbClr val="000000"/>
+                </a:solidFill>
+                <a:latin typeface="Times New Roman"/>
+                <a:ea typeface="DejaVu Sans"/>
+              </a:rPr>
+              <a:t>Resultados estables.</a:t>
+            </a:r>
+            <a:endParaRPr lang="es-MX" sz="1600" b="0" strike="noStrike" spc="-1" dirty="0">
+              <a:latin typeface="Arial"/>
+            </a:endParaRPr>
+          </a:p>
+        </p:txBody>
+      </p:sp>
+      <p:pic>
+        <p:nvPicPr>
+          <p:cNvPr id="162" name="Imagen 161"/>
+          <p:cNvPicPr/>
+          <p:nvPr/>
+        </p:nvPicPr>
+        <p:blipFill>
+          <a:blip r:embed="rId7"/>
+          <a:stretch/>
+        </p:blipFill>
+        <p:spPr>
+          <a:xfrm>
+            <a:off x="3477960" y="4921635"/>
+            <a:ext cx="2115360" cy="1503720"/>
+          </a:xfrm>
+          <a:prstGeom prst="rect">
+            <a:avLst/>
+          </a:prstGeom>
+          <a:ln>
+            <a:noFill/>
+          </a:ln>
+        </p:spPr>
+      </p:pic>
+      <p:sp>
+        <p:nvSpPr>
+          <p:cNvPr id="163" name="CustomShape 6"/>
+          <p:cNvSpPr/>
+          <p:nvPr/>
+        </p:nvSpPr>
+        <p:spPr>
+          <a:xfrm>
+            <a:off x="3299580" y="3276495"/>
+            <a:ext cx="2482200" cy="1584975"/>
+          </a:xfrm>
+          <a:prstGeom prst="rect">
+            <a:avLst/>
+          </a:prstGeom>
+          <a:noFill/>
+          <a:ln w="9360">
+            <a:noFill/>
+          </a:ln>
+        </p:spPr>
+        <p:style>
+          <a:lnRef idx="0">
+            <a:scrgbClr r="0" g="0" b="0"/>
+          </a:lnRef>
+          <a:fillRef idx="0">
+            <a:scrgbClr r="0" g="0" b="0"/>
+          </a:fillRef>
+          <a:effectRef idx="0">
+            <a:scrgbClr r="0" g="0" b="0"/>
+          </a:effectRef>
+          <a:fontRef idx="minor"/>
+        </p:style>
+        <p:txBody>
+          <a:bodyPr lIns="90000" tIns="45000" rIns="90000" bIns="45000">
+            <a:noAutofit/>
+          </a:bodyPr>
+          <a:lstStyle/>
+          <a:p>
+            <a:pPr algn="ctr">
+              <a:lnSpc>
+                <a:spcPct val="100000"/>
+              </a:lnSpc>
+              <a:spcBef>
+                <a:spcPts val="400"/>
+              </a:spcBef>
+            </a:pPr>
+            <a:r>
+              <a:rPr lang="es-MX" sz="1600" b="1" i="1" strike="noStrike" spc="-1" dirty="0" err="1">
+                <a:solidFill>
+                  <a:srgbClr val="000000"/>
+                </a:solidFill>
+                <a:latin typeface="Times New Roman"/>
+                <a:ea typeface="DejaVu Sans"/>
+              </a:rPr>
+              <a:t>Convolutional</a:t>
+            </a:r>
+            <a:r>
+              <a:rPr lang="es-MX" sz="1600" b="1" i="1" strike="noStrike" spc="-1" dirty="0">
+                <a:solidFill>
+                  <a:srgbClr val="000000"/>
+                </a:solidFill>
+                <a:latin typeface="Times New Roman"/>
+                <a:ea typeface="DejaVu Sans"/>
+              </a:rPr>
+              <a:t> 1D:</a:t>
+            </a:r>
+            <a:endParaRPr lang="es-MX" sz="1600" b="0" strike="noStrike" spc="-1" dirty="0">
+              <a:latin typeface="Arial"/>
+            </a:endParaRPr>
+          </a:p>
+          <a:p>
+            <a:pPr marL="343080" indent="-340560" algn="ctr">
+              <a:lnSpc>
+                <a:spcPct val="100000"/>
+              </a:lnSpc>
+              <a:spcBef>
+                <a:spcPts val="400"/>
+              </a:spcBef>
+              <a:buSzPct val="100045"/>
+              <a:buBlip>
+                <a:blip r:embed="rId6"/>
+              </a:buBlip>
+            </a:pPr>
+            <a:r>
+              <a:rPr lang="es-MX" sz="1600" b="0" i="1" strike="noStrike" spc="-1" dirty="0">
+                <a:solidFill>
+                  <a:srgbClr val="000000"/>
+                </a:solidFill>
+                <a:latin typeface="Times New Roman"/>
+                <a:ea typeface="DejaVu Sans"/>
+              </a:rPr>
+              <a:t>Desempeño robusto.</a:t>
+            </a:r>
+            <a:endParaRPr lang="es-MX" sz="1600" b="0" strike="noStrike" spc="-1" dirty="0">
+              <a:latin typeface="Arial"/>
+            </a:endParaRPr>
+          </a:p>
+          <a:p>
+            <a:pPr marL="343080" indent="-340560" algn="ctr">
+              <a:lnSpc>
+                <a:spcPct val="100000"/>
+              </a:lnSpc>
+              <a:spcBef>
+                <a:spcPts val="400"/>
+              </a:spcBef>
+              <a:buSzPct val="100045"/>
+              <a:buBlip>
+                <a:blip r:embed="rId6"/>
+              </a:buBlip>
+            </a:pPr>
+            <a:r>
+              <a:rPr lang="es-MX" sz="1600" b="0" i="1" strike="noStrike" spc="-1" dirty="0">
+                <a:solidFill>
+                  <a:srgbClr val="000000"/>
+                </a:solidFill>
+                <a:latin typeface="Times New Roman"/>
+                <a:ea typeface="DejaVu Sans"/>
+              </a:rPr>
+              <a:t>Demandante en procesamiento.</a:t>
+            </a:r>
+            <a:endParaRPr lang="es-MX" sz="1600" b="0" strike="noStrike" spc="-1" dirty="0">
+              <a:latin typeface="Arial"/>
+            </a:endParaRPr>
+          </a:p>
+          <a:p>
+            <a:pPr marL="343080" indent="-340560" algn="ctr">
+              <a:lnSpc>
+                <a:spcPct val="100000"/>
+              </a:lnSpc>
+              <a:spcBef>
+                <a:spcPts val="400"/>
+              </a:spcBef>
+              <a:buSzPct val="100045"/>
+              <a:buBlip>
+                <a:blip r:embed="rId6"/>
+              </a:buBlip>
+            </a:pPr>
+            <a:r>
+              <a:rPr lang="es-MX" sz="1600" b="0" i="1" strike="noStrike" spc="-1" dirty="0">
+                <a:solidFill>
+                  <a:srgbClr val="000000"/>
+                </a:solidFill>
+                <a:latin typeface="Times New Roman"/>
+                <a:ea typeface="DejaVu Sans"/>
+              </a:rPr>
+              <a:t>Resultados “ruidosos”.</a:t>
+            </a:r>
+            <a:endParaRPr lang="es-MX" sz="1600" b="0" strike="noStrike" spc="-1" dirty="0">
+              <a:latin typeface="Arial"/>
+            </a:endParaRPr>
+          </a:p>
+        </p:txBody>
+      </p:sp>
+      <p:pic>
+        <p:nvPicPr>
+          <p:cNvPr id="164" name="Imagen 163"/>
+          <p:cNvPicPr/>
+          <p:nvPr/>
+        </p:nvPicPr>
+        <p:blipFill>
+          <a:blip r:embed="rId8"/>
+          <a:stretch/>
+        </p:blipFill>
+        <p:spPr>
+          <a:xfrm>
+            <a:off x="216000" y="4998960"/>
+            <a:ext cx="1941840" cy="1406880"/>
+          </a:xfrm>
+          <a:prstGeom prst="rect">
+            <a:avLst/>
+          </a:prstGeom>
+          <a:ln>
+            <a:noFill/>
+          </a:ln>
+        </p:spPr>
+      </p:pic>
+      <p:sp>
+        <p:nvSpPr>
+          <p:cNvPr id="165" name="CustomShape 7"/>
+          <p:cNvSpPr/>
+          <p:nvPr/>
+        </p:nvSpPr>
+        <p:spPr>
+          <a:xfrm>
+            <a:off x="-360" y="3096000"/>
+            <a:ext cx="2724510" cy="2949840"/>
+          </a:xfrm>
+          <a:prstGeom prst="rect">
+            <a:avLst/>
+          </a:prstGeom>
+          <a:noFill/>
+          <a:ln w="9360">
+            <a:noFill/>
+          </a:ln>
+        </p:spPr>
+        <p:style>
+          <a:lnRef idx="0">
+            <a:scrgbClr r="0" g="0" b="0"/>
+          </a:lnRef>
+          <a:fillRef idx="0">
+            <a:scrgbClr r="0" g="0" b="0"/>
+          </a:fillRef>
+          <a:effectRef idx="0">
+            <a:scrgbClr r="0" g="0" b="0"/>
+          </a:effectRef>
+          <a:fontRef idx="minor"/>
+        </p:style>
+        <p:txBody>
+          <a:bodyPr lIns="90000" tIns="45000" rIns="90000" bIns="45000">
+            <a:noAutofit/>
+          </a:bodyPr>
+          <a:lstStyle/>
+          <a:p>
+            <a:pPr algn="just">
+              <a:lnSpc>
+                <a:spcPct val="100000"/>
+              </a:lnSpc>
+              <a:spcBef>
+                <a:spcPts val="400"/>
+              </a:spcBef>
+            </a:pPr>
+            <a:r>
+              <a:rPr lang="es-MX" sz="1600" b="1" i="1" strike="noStrike" spc="-1" dirty="0">
+                <a:solidFill>
+                  <a:srgbClr val="000000"/>
+                </a:solidFill>
+                <a:latin typeface="Times New Roman"/>
+                <a:ea typeface="DejaVu Sans"/>
+              </a:rPr>
+              <a:t>Dense:</a:t>
+            </a:r>
+            <a:endParaRPr lang="es-MX" sz="1600" b="0" strike="noStrike" spc="-1" dirty="0">
+              <a:latin typeface="Arial"/>
+            </a:endParaRPr>
+          </a:p>
+          <a:p>
+            <a:pPr marL="343080" indent="-340560" algn="just">
+              <a:lnSpc>
+                <a:spcPct val="100000"/>
+              </a:lnSpc>
+              <a:spcBef>
+                <a:spcPts val="400"/>
+              </a:spcBef>
+              <a:buSzPct val="100051"/>
+              <a:buBlip>
+                <a:blip r:embed="rId9"/>
+              </a:buBlip>
+            </a:pPr>
+            <a:r>
+              <a:rPr lang="es-MX" sz="1600" b="0" i="1" strike="noStrike" spc="-1" dirty="0">
+                <a:solidFill>
+                  <a:srgbClr val="000000"/>
+                </a:solidFill>
+                <a:latin typeface="Times New Roman"/>
+                <a:ea typeface="DejaVu Sans"/>
+              </a:rPr>
+              <a:t>Simple y Rápida.</a:t>
+            </a:r>
+            <a:endParaRPr lang="es-MX" sz="1600" b="0" strike="noStrike" spc="-1" dirty="0">
+              <a:latin typeface="Arial"/>
+            </a:endParaRPr>
+          </a:p>
+          <a:p>
+            <a:pPr marL="343080" indent="-340560" algn="just">
+              <a:lnSpc>
+                <a:spcPct val="100000"/>
+              </a:lnSpc>
+              <a:spcBef>
+                <a:spcPts val="400"/>
+              </a:spcBef>
+              <a:buSzPct val="100051"/>
+              <a:buBlip>
+                <a:blip r:embed="rId9"/>
+              </a:buBlip>
+            </a:pPr>
+            <a:r>
+              <a:rPr lang="es-MX" sz="1600" b="0" i="1" strike="noStrike" spc="-1" dirty="0">
+                <a:solidFill>
+                  <a:srgbClr val="000000"/>
+                </a:solidFill>
+                <a:latin typeface="Times New Roman"/>
+                <a:ea typeface="DejaVu Sans"/>
+              </a:rPr>
+              <a:t>No entregó tan buenos resultados.</a:t>
+            </a:r>
+          </a:p>
+          <a:p>
+            <a:pPr marL="343080" indent="-340560">
+              <a:lnSpc>
+                <a:spcPct val="100000"/>
+              </a:lnSpc>
+              <a:spcBef>
+                <a:spcPts val="400"/>
+              </a:spcBef>
+              <a:buSzPct val="100051"/>
+              <a:buBlip>
+                <a:blip r:embed="rId9"/>
+              </a:buBlip>
+            </a:pPr>
+            <a:r>
+              <a:rPr lang="es-MX" sz="1600" b="0" i="1" strike="noStrike" spc="-1" dirty="0">
+                <a:solidFill>
+                  <a:srgbClr val="000000"/>
+                </a:solidFill>
+                <a:latin typeface="Times New Roman"/>
+                <a:ea typeface="DejaVu Sans"/>
+              </a:rPr>
+              <a:t>Imprescindible:</a:t>
+            </a:r>
+            <a:br>
+              <a:rPr dirty="0"/>
+            </a:br>
+            <a:r>
+              <a:rPr lang="es-MX" sz="1600" b="0" i="1" strike="noStrike" spc="-1" dirty="0">
+                <a:solidFill>
+                  <a:srgbClr val="000000"/>
+                </a:solidFill>
+                <a:latin typeface="Times New Roman"/>
+                <a:ea typeface="DejaVu Sans"/>
+              </a:rPr>
+              <a:t>Es la base del resto de los distintas arquitecturas.</a:t>
+            </a:r>
+            <a:endParaRPr lang="es-MX" sz="1600" b="0" strike="noStrike" spc="-1" dirty="0">
+              <a:latin typeface="Arial"/>
+            </a:endParaRPr>
+          </a:p>
+        </p:txBody>
+      </p:sp>
     </p:spTree>
   </p:cSld>
   <p:clrMapOvr>
@@ -7047,14 +7923,14 @@
       </p:grpSpPr>
       <p:sp>
         <p:nvSpPr>
-          <p:cNvPr id="143" name="CustomShape 1"/>
+          <p:cNvPr id="166" name="CustomShape 1"/>
           <p:cNvSpPr/>
           <p:nvPr/>
         </p:nvSpPr>
         <p:spPr>
           <a:xfrm>
             <a:off x="38160" y="780120"/>
-            <a:ext cx="9103320" cy="741600"/>
+            <a:ext cx="9005040" cy="741600"/>
           </a:xfrm>
           <a:prstGeom prst="rect">
             <a:avLst/>
@@ -7095,7 +7971,7 @@
                 <a:latin typeface="Times New Roman"/>
                 <a:ea typeface="DejaVu Sans"/>
               </a:rPr>
-              <a:t>Solución: Preprocesamiento</a:t>
+              <a:t>Solución: Propusimos Combinar CNN+LSTM+DNN</a:t>
             </a:r>
             <a:endParaRPr lang="es-MX" sz="2800" b="0" strike="noStrike" spc="-1">
               <a:latin typeface="Arial"/>
@@ -7105,7 +7981,7 @@
       </p:sp>
       <p:sp>
         <p:nvSpPr>
-          <p:cNvPr id="144" name="CustomShape 2"/>
+          <p:cNvPr id="167" name="CustomShape 2"/>
           <p:cNvSpPr/>
           <p:nvPr/>
         </p:nvSpPr>
@@ -7145,7 +8021,7 @@
                 <a:spcPct val="100000"/>
               </a:lnSpc>
             </a:pPr>
-            <a:fld id="{A2E4CFBC-01A9-4280-88C0-EB29208FC7E9}" type="slidenum">
+            <a:fld id="{9A4DAE02-E94E-468B-982A-FA0EFF7C8F9C}" type="slidenum">
               <a:rPr lang="es-MX" sz="1200" b="0" strike="noStrike" spc="-1">
                 <a:solidFill>
                   <a:srgbClr val="FFFFFF"/>
@@ -7163,7 +8039,7 @@
       </p:sp>
       <p:sp>
         <p:nvSpPr>
-          <p:cNvPr id="145" name="CustomShape 3"/>
+          <p:cNvPr id="168" name="CustomShape 3"/>
           <p:cNvSpPr/>
           <p:nvPr/>
         </p:nvSpPr>
@@ -7221,7 +8097,7 @@
       </p:sp>
       <p:sp>
         <p:nvSpPr>
-          <p:cNvPr id="146" name="CustomShape 4"/>
+          <p:cNvPr id="169" name="CustomShape 4"/>
           <p:cNvSpPr/>
           <p:nvPr/>
         </p:nvSpPr>
@@ -7292,19 +8168,9 @@
               </a:lnSpc>
             </a:pPr>
             <a:r>
-              <a:rPr lang="es-MX" sz="800" b="1" strike="noStrike" spc="-1">
+              <a:rPr lang="es-MX" sz="800" b="1" u="sng" strike="noStrike" spc="-1">
                 <a:solidFill>
                   <a:srgbClr val="808080"/>
-                </a:solidFill>
-                <a:latin typeface="Times New Roman"/>
-                <a:ea typeface="DejaVu Sans"/>
-              </a:rPr>
-              <a:t>Introducción</a:t>
-            </a:r>
-            <a:r>
-              <a:rPr lang="es-MX" sz="800" b="1" u="sng" strike="noStrike" spc="-1">
-                <a:solidFill>
-                  <a:srgbClr val="7F7F7F"/>
                 </a:solidFill>
                 <a:uFill>
                   <a:solidFill>
@@ -7314,7 +8180,7 @@
                 <a:latin typeface="Times New Roman"/>
                 <a:ea typeface="DejaVu Sans"/>
               </a:rPr>
-              <a:t> </a:t>
+              <a:t>Introducción </a:t>
             </a:r>
             <a:endParaRPr lang="es-MX" sz="800" b="0" strike="noStrike" spc="-1">
               <a:latin typeface="Arial"/>
@@ -7432,16 +8298,247 @@
           </a:p>
         </p:txBody>
       </p:sp>
+      <p:pic>
+        <p:nvPicPr>
+          <p:cNvPr id="170" name="Picture 2"/>
+          <p:cNvPicPr/>
+          <p:nvPr/>
+        </p:nvPicPr>
+        <p:blipFill>
+          <a:blip r:embed="rId2"/>
+          <a:stretch/>
+        </p:blipFill>
+        <p:spPr>
+          <a:xfrm>
+            <a:off x="38160" y="2987640"/>
+            <a:ext cx="1903680" cy="3388680"/>
+          </a:xfrm>
+          <a:prstGeom prst="rect">
+            <a:avLst/>
+          </a:prstGeom>
+          <a:ln>
+            <a:noFill/>
+          </a:ln>
+        </p:spPr>
+      </p:pic>
+      <p:pic>
+        <p:nvPicPr>
+          <p:cNvPr id="171" name="Imagen 170"/>
+          <p:cNvPicPr/>
+          <p:nvPr/>
+        </p:nvPicPr>
+        <p:blipFill>
+          <a:blip r:embed="rId3"/>
+          <a:stretch/>
+        </p:blipFill>
+        <p:spPr>
+          <a:xfrm>
+            <a:off x="5976000" y="4373280"/>
+            <a:ext cx="2805840" cy="2064960"/>
+          </a:xfrm>
+          <a:prstGeom prst="rect">
+            <a:avLst/>
+          </a:prstGeom>
+          <a:ln>
+            <a:noFill/>
+          </a:ln>
+        </p:spPr>
+      </p:pic>
+      <p:pic>
+        <p:nvPicPr>
+          <p:cNvPr id="172" name="Imagen 171"/>
+          <p:cNvPicPr/>
+          <p:nvPr/>
+        </p:nvPicPr>
+        <p:blipFill>
+          <a:blip r:embed="rId4"/>
+          <a:stretch/>
+        </p:blipFill>
+        <p:spPr>
+          <a:xfrm>
+            <a:off x="3835260" y="1711440"/>
+            <a:ext cx="1468440" cy="967320"/>
+          </a:xfrm>
+          <a:prstGeom prst="rect">
+            <a:avLst/>
+          </a:prstGeom>
+          <a:ln>
+            <a:noFill/>
+          </a:ln>
+        </p:spPr>
+      </p:pic>
+      <p:pic>
+        <p:nvPicPr>
+          <p:cNvPr id="173" name="Imagen 172"/>
+          <p:cNvPicPr/>
+          <p:nvPr/>
+        </p:nvPicPr>
+        <p:blipFill>
+          <a:blip r:embed="rId5"/>
+          <a:stretch/>
+        </p:blipFill>
+        <p:spPr>
+          <a:xfrm>
+            <a:off x="1195560" y="1656180"/>
+            <a:ext cx="1077840" cy="1077840"/>
+          </a:xfrm>
+          <a:prstGeom prst="rect">
+            <a:avLst/>
+          </a:prstGeom>
+          <a:ln>
+            <a:noFill/>
+          </a:ln>
+        </p:spPr>
+      </p:pic>
+      <p:pic>
+        <p:nvPicPr>
+          <p:cNvPr id="174" name="Imagen 173"/>
+          <p:cNvPicPr/>
+          <p:nvPr/>
+        </p:nvPicPr>
+        <p:blipFill>
+          <a:blip r:embed="rId6"/>
+          <a:stretch/>
+        </p:blipFill>
+        <p:spPr>
+          <a:xfrm>
+            <a:off x="6865560" y="1810800"/>
+            <a:ext cx="957240" cy="768600"/>
+          </a:xfrm>
+          <a:prstGeom prst="rect">
+            <a:avLst/>
+          </a:prstGeom>
+          <a:ln>
+            <a:noFill/>
+          </a:ln>
+        </p:spPr>
+      </p:pic>
       <p:sp>
         <p:nvSpPr>
-          <p:cNvPr id="147" name="CustomShape 5"/>
+          <p:cNvPr id="175" name="CustomShape 5"/>
           <p:cNvSpPr/>
           <p:nvPr/>
         </p:nvSpPr>
         <p:spPr>
           <a:xfrm>
-            <a:off x="216000" y="2664000"/>
-            <a:ext cx="4756050" cy="3597840"/>
+            <a:off x="2803410" y="1815120"/>
+            <a:ext cx="501840" cy="759960"/>
+          </a:xfrm>
+          <a:prstGeom prst="rect">
+            <a:avLst/>
+          </a:prstGeom>
+          <a:noFill/>
+          <a:ln>
+            <a:noFill/>
+          </a:ln>
+        </p:spPr>
+        <p:style>
+          <a:lnRef idx="0">
+            <a:scrgbClr r="0" g="0" b="0"/>
+          </a:lnRef>
+          <a:fillRef idx="0">
+            <a:scrgbClr r="0" g="0" b="0"/>
+          </a:fillRef>
+          <a:effectRef idx="0">
+            <a:scrgbClr r="0" g="0" b="0"/>
+          </a:effectRef>
+          <a:fontRef idx="minor"/>
+        </p:style>
+        <p:txBody>
+          <a:bodyPr lIns="90000" tIns="45000" rIns="90000" bIns="45000">
+            <a:spAutoFit/>
+          </a:bodyPr>
+          <a:lstStyle/>
+          <a:p>
+            <a:pPr>
+              <a:lnSpc>
+                <a:spcPct val="100000"/>
+              </a:lnSpc>
+            </a:pPr>
+            <a:r>
+              <a:rPr lang="es-MX" sz="4400" b="0" strike="noStrike" spc="-1">
+                <a:solidFill>
+                  <a:srgbClr val="000000"/>
+                </a:solidFill>
+                <a:latin typeface="Arial"/>
+                <a:ea typeface="DejaVu Sans"/>
+              </a:rPr>
+              <a:t>+</a:t>
+            </a:r>
+            <a:endParaRPr lang="es-MX" sz="4400" b="0" strike="noStrike" spc="-1">
+              <a:latin typeface="Arial"/>
+            </a:endParaRPr>
+          </a:p>
+        </p:txBody>
+      </p:sp>
+      <p:sp>
+        <p:nvSpPr>
+          <p:cNvPr id="176" name="CustomShape 6"/>
+          <p:cNvSpPr/>
+          <p:nvPr/>
+        </p:nvSpPr>
+        <p:spPr>
+          <a:xfrm>
+            <a:off x="5833710" y="1815120"/>
+            <a:ext cx="501840" cy="759960"/>
+          </a:xfrm>
+          <a:prstGeom prst="rect">
+            <a:avLst/>
+          </a:prstGeom>
+          <a:noFill/>
+          <a:ln>
+            <a:noFill/>
+          </a:ln>
+        </p:spPr>
+        <p:style>
+          <a:lnRef idx="0">
+            <a:scrgbClr r="0" g="0" b="0"/>
+          </a:lnRef>
+          <a:fillRef idx="0">
+            <a:scrgbClr r="0" g="0" b="0"/>
+          </a:fillRef>
+          <a:effectRef idx="0">
+            <a:scrgbClr r="0" g="0" b="0"/>
+          </a:effectRef>
+          <a:fontRef idx="minor"/>
+        </p:style>
+        <p:txBody>
+          <a:bodyPr lIns="90000" tIns="45000" rIns="90000" bIns="45000">
+            <a:spAutoFit/>
+          </a:bodyPr>
+          <a:lstStyle/>
+          <a:p>
+            <a:pPr>
+              <a:lnSpc>
+                <a:spcPct val="100000"/>
+              </a:lnSpc>
+            </a:pPr>
+            <a:r>
+              <a:rPr lang="es-MX" sz="4400" b="0" strike="noStrike" spc="-1">
+                <a:solidFill>
+                  <a:srgbClr val="000000"/>
+                </a:solidFill>
+                <a:latin typeface="Arial"/>
+                <a:ea typeface="DejaVu Sans"/>
+              </a:rPr>
+              <a:t>+</a:t>
+            </a:r>
+            <a:endParaRPr lang="es-MX" sz="4400" b="0" strike="noStrike" spc="-1">
+              <a:latin typeface="Arial"/>
+            </a:endParaRPr>
+          </a:p>
+        </p:txBody>
+      </p:sp>
+      <p:sp>
+        <p:nvSpPr>
+          <p:cNvPr id="177" name="CustomShape 7"/>
+          <p:cNvSpPr/>
+          <p:nvPr/>
+        </p:nvSpPr>
+        <p:spPr>
+          <a:xfrm>
+            <a:off x="2473350" y="3109725"/>
+            <a:ext cx="2806200" cy="2949840"/>
           </a:xfrm>
           <a:prstGeom prst="rect">
             <a:avLst/>
@@ -7469,7 +8566,7 @@
           </a:bodyPr>
           <a:lstStyle/>
           <a:p>
-            <a:pPr algn="just">
+            <a:pPr>
               <a:lnSpc>
                 <a:spcPct val="100000"/>
               </a:lnSpc>
@@ -7478,415 +8575,161 @@
               </a:spcBef>
             </a:pPr>
             <a:r>
-              <a:rPr lang="es-MX" sz="2000" b="0" strike="noStrike" spc="-1" dirty="0">
+              <a:rPr lang="es-MX" sz="1600" b="0" i="1" strike="noStrike" spc="-1" dirty="0">
                 <a:solidFill>
                   <a:srgbClr val="000000"/>
                 </a:solidFill>
-                <a:latin typeface="Times New Roman" panose="02020603050405020304" pitchFamily="18" charset="0"/>
-                <a:ea typeface="DejaVu Sans"/>
-                <a:cs typeface="Times New Roman" panose="02020603050405020304" pitchFamily="18" charset="0"/>
-              </a:rPr>
-              <a:t>Procesamos los datos como una Serie de Tiempo: como en el </a:t>
-            </a:r>
-            <a:r>
-              <a:rPr lang="es-MX" sz="2000" b="0" strike="noStrike" spc="-1" dirty="0" err="1">
-                <a:solidFill>
-                  <a:srgbClr val="000000"/>
-                </a:solidFill>
-                <a:latin typeface="Times New Roman" panose="02020603050405020304" pitchFamily="18" charset="0"/>
-                <a:ea typeface="DejaVu Sans"/>
-                <a:cs typeface="Times New Roman" panose="02020603050405020304" pitchFamily="18" charset="0"/>
-              </a:rPr>
-              <a:t>Miniproyecto</a:t>
-            </a:r>
-            <a:r>
-              <a:rPr lang="es-MX" sz="2000" b="0" strike="noStrike" spc="-1" dirty="0">
-                <a:solidFill>
-                  <a:srgbClr val="000000"/>
-                </a:solidFill>
-                <a:latin typeface="Times New Roman" panose="02020603050405020304" pitchFamily="18" charset="0"/>
-                <a:ea typeface="DejaVu Sans"/>
-                <a:cs typeface="Times New Roman" panose="02020603050405020304" pitchFamily="18" charset="0"/>
-              </a:rPr>
-              <a:t> 4 y en un tutorial oficial de </a:t>
-            </a:r>
-            <a:r>
-              <a:rPr lang="es-MX" sz="2000" b="0" strike="noStrike" spc="-1" dirty="0" err="1">
-                <a:solidFill>
-                  <a:srgbClr val="000000"/>
-                </a:solidFill>
-                <a:latin typeface="Times New Roman" panose="02020603050405020304" pitchFamily="18" charset="0"/>
-                <a:ea typeface="DejaVu Sans"/>
-                <a:cs typeface="Times New Roman" panose="02020603050405020304" pitchFamily="18" charset="0"/>
-              </a:rPr>
-              <a:t>Tensorflow</a:t>
-            </a:r>
-            <a:r>
-              <a:rPr lang="es-MX" sz="2000" b="0" strike="noStrike" spc="-1" dirty="0">
-                <a:solidFill>
-                  <a:srgbClr val="000000"/>
-                </a:solidFill>
-                <a:latin typeface="Times New Roman" panose="02020603050405020304" pitchFamily="18" charset="0"/>
-                <a:ea typeface="DejaVu Sans"/>
-                <a:cs typeface="Times New Roman" panose="02020603050405020304" pitchFamily="18" charset="0"/>
-              </a:rPr>
-              <a:t> y </a:t>
-            </a:r>
-            <a:r>
-              <a:rPr lang="es-MX" sz="2000" b="0" strike="noStrike" spc="-1" dirty="0" err="1">
-                <a:solidFill>
-                  <a:srgbClr val="000000"/>
-                </a:solidFill>
-                <a:latin typeface="Times New Roman" panose="02020603050405020304" pitchFamily="18" charset="0"/>
-                <a:ea typeface="DejaVu Sans"/>
-                <a:cs typeface="Times New Roman" panose="02020603050405020304" pitchFamily="18" charset="0"/>
-              </a:rPr>
-              <a:t>Keras</a:t>
-            </a:r>
-            <a:r>
-              <a:rPr lang="es-MX" sz="2000" b="0" strike="noStrike" spc="-1" dirty="0">
-                <a:solidFill>
-                  <a:srgbClr val="000000"/>
-                </a:solidFill>
-                <a:latin typeface="Times New Roman" panose="02020603050405020304" pitchFamily="18" charset="0"/>
-                <a:ea typeface="DejaVu Sans"/>
-                <a:cs typeface="Times New Roman" panose="02020603050405020304" pitchFamily="18" charset="0"/>
-              </a:rPr>
-              <a:t>. </a:t>
-            </a:r>
-            <a:endParaRPr lang="es-MX" sz="2000" b="0" strike="noStrike" spc="-1" dirty="0">
-              <a:latin typeface="Times New Roman" panose="02020603050405020304" pitchFamily="18" charset="0"/>
-              <a:cs typeface="Times New Roman" panose="02020603050405020304" pitchFamily="18" charset="0"/>
-            </a:endParaRPr>
-          </a:p>
-          <a:p>
-            <a:pPr algn="just">
+                <a:latin typeface="Times New Roman"/>
+                <a:ea typeface="DejaVu Sans"/>
+              </a:rPr>
+              <a:t>Combinación de Redes:</a:t>
+            </a:r>
+            <a:endParaRPr lang="es-MX" sz="1600" b="0" strike="noStrike" spc="-1" dirty="0">
+              <a:latin typeface="Arial"/>
+            </a:endParaRPr>
+          </a:p>
+          <a:p>
+            <a:pPr marL="343080" indent="-340560">
               <a:lnSpc>
                 <a:spcPct val="100000"/>
               </a:lnSpc>
               <a:spcBef>
                 <a:spcPts val="400"/>
               </a:spcBef>
-            </a:pPr>
-            <a:endParaRPr lang="es-MX" sz="2000" b="0" strike="noStrike" spc="-1" dirty="0">
-              <a:latin typeface="Times New Roman" panose="02020603050405020304" pitchFamily="18" charset="0"/>
-              <a:cs typeface="Times New Roman" panose="02020603050405020304" pitchFamily="18" charset="0"/>
-            </a:endParaRPr>
-          </a:p>
-          <a:p>
-            <a:pPr algn="just">
+              <a:buSzPct val="100051"/>
+              <a:buBlip>
+                <a:blip r:embed="rId7"/>
+              </a:buBlip>
+            </a:pPr>
+            <a:r>
+              <a:rPr lang="es-MX" sz="1600" b="0" i="1" strike="noStrike" spc="-1" dirty="0">
+                <a:solidFill>
+                  <a:srgbClr val="000000"/>
+                </a:solidFill>
+                <a:latin typeface="Times New Roman"/>
+                <a:ea typeface="DejaVu Sans"/>
+              </a:rPr>
+              <a:t>Esperábamos resultados sustancialmente mejores</a:t>
+            </a:r>
+            <a:r>
+              <a:rPr lang="es-MX" sz="1600" i="1" spc="-1" dirty="0">
+                <a:solidFill>
+                  <a:srgbClr val="000000"/>
+                </a:solidFill>
+                <a:latin typeface="Times New Roman"/>
+                <a:ea typeface="DejaVu Sans"/>
+              </a:rPr>
+              <a:t>.</a:t>
+            </a:r>
+            <a:endParaRPr lang="es-MX" sz="1600" b="0" strike="noStrike" spc="-1" dirty="0">
+              <a:latin typeface="Arial"/>
+            </a:endParaRPr>
+          </a:p>
+          <a:p>
+            <a:pPr marL="343080" indent="-340560">
               <a:lnSpc>
                 <a:spcPct val="100000"/>
               </a:lnSpc>
               <a:spcBef>
                 <a:spcPts val="400"/>
               </a:spcBef>
-            </a:pPr>
-            <a:endParaRPr lang="es-MX" sz="2000" b="0" strike="noStrike" spc="-1" dirty="0">
-              <a:latin typeface="Times New Roman" panose="02020603050405020304" pitchFamily="18" charset="0"/>
-              <a:cs typeface="Times New Roman" panose="02020603050405020304" pitchFamily="18" charset="0"/>
-            </a:endParaRPr>
-          </a:p>
-          <a:p>
-            <a:pPr algn="just">
+              <a:buSzPct val="100051"/>
+              <a:buBlip>
+                <a:blip r:embed="rId7"/>
+              </a:buBlip>
+            </a:pPr>
+            <a:r>
+              <a:rPr lang="es-MX" sz="1600" b="0" i="1" strike="noStrike" spc="-1" dirty="0">
+                <a:solidFill>
+                  <a:srgbClr val="000000"/>
+                </a:solidFill>
+                <a:latin typeface="Times New Roman"/>
+                <a:ea typeface="DejaVu Sans"/>
+              </a:rPr>
+              <a:t>Logramos desempeño estable y razonable.</a:t>
+            </a:r>
+            <a:endParaRPr lang="es-MX" sz="1600" b="0" strike="noStrike" spc="-1" dirty="0">
+              <a:latin typeface="Arial"/>
+            </a:endParaRPr>
+          </a:p>
+          <a:p>
+            <a:pPr marL="343080" indent="-340560">
               <a:lnSpc>
                 <a:spcPct val="100000"/>
               </a:lnSpc>
               <a:spcBef>
                 <a:spcPts val="400"/>
               </a:spcBef>
-            </a:pPr>
-            <a:endParaRPr lang="es-MX" sz="2000" b="0" strike="noStrike" spc="-1" dirty="0">
-              <a:latin typeface="Times New Roman" panose="02020603050405020304" pitchFamily="18" charset="0"/>
-              <a:cs typeface="Times New Roman" panose="02020603050405020304" pitchFamily="18" charset="0"/>
-            </a:endParaRPr>
-          </a:p>
-          <a:p>
-            <a:pPr algn="just">
+              <a:buSzPct val="100051"/>
+              <a:buBlip>
+                <a:blip r:embed="rId7"/>
+              </a:buBlip>
+            </a:pPr>
+            <a:r>
+              <a:rPr lang="es-MX" sz="1600" b="0" i="1" strike="noStrike" spc="-1" dirty="0">
+                <a:solidFill>
+                  <a:srgbClr val="000000"/>
+                </a:solidFill>
+                <a:latin typeface="Times New Roman"/>
+                <a:ea typeface="DejaVu Sans"/>
+              </a:rPr>
+              <a:t>El tiempo de entrenamiento fue bastante razonable, aún teniendo una arquitectura compleja.</a:t>
+            </a:r>
+            <a:endParaRPr lang="es-MX" sz="1600" b="0" strike="noStrike" spc="-1" dirty="0">
+              <a:latin typeface="Arial"/>
+            </a:endParaRPr>
+          </a:p>
+          <a:p>
+            <a:pPr marL="343080" indent="-340560">
               <a:lnSpc>
                 <a:spcPct val="100000"/>
               </a:lnSpc>
               <a:spcBef>
                 <a:spcPts val="400"/>
               </a:spcBef>
-            </a:pPr>
-            <a:r>
-              <a:rPr lang="es-MX" sz="2000" b="0" strike="noStrike" spc="-1" dirty="0">
+              <a:buSzPct val="100051"/>
+              <a:buBlip>
+                <a:blip r:embed="rId7"/>
+              </a:buBlip>
+            </a:pPr>
+            <a:r>
+              <a:rPr lang="es-MX" sz="1600" b="0" i="1" strike="noStrike" spc="-1" dirty="0">
                 <a:solidFill>
                   <a:srgbClr val="000000"/>
                 </a:solidFill>
-                <a:latin typeface="Times New Roman" panose="02020603050405020304" pitchFamily="18" charset="0"/>
-                <a:ea typeface="DejaVu Sans"/>
-                <a:cs typeface="Times New Roman" panose="02020603050405020304" pitchFamily="18" charset="0"/>
-              </a:rPr>
-              <a:t>Tuvimos que imputar, porque </a:t>
-            </a:r>
-            <a:r>
-              <a:rPr lang="es-MX" sz="2000" b="1" strike="noStrike" spc="-1" dirty="0">
-                <a:solidFill>
-                  <a:srgbClr val="000000"/>
-                </a:solidFill>
-                <a:latin typeface="Times New Roman" panose="02020603050405020304" pitchFamily="18" charset="0"/>
-                <a:ea typeface="DejaVu Sans"/>
-                <a:cs typeface="Times New Roman" panose="02020603050405020304" pitchFamily="18" charset="0"/>
-              </a:rPr>
-              <a:t>todos</a:t>
-            </a:r>
-            <a:r>
-              <a:rPr lang="es-MX" sz="2000" b="0" strike="noStrike" spc="-1" dirty="0">
-                <a:solidFill>
-                  <a:srgbClr val="000000"/>
-                </a:solidFill>
-                <a:latin typeface="Times New Roman" panose="02020603050405020304" pitchFamily="18" charset="0"/>
-                <a:ea typeface="DejaVu Sans"/>
-                <a:cs typeface="Times New Roman" panose="02020603050405020304" pitchFamily="18" charset="0"/>
-              </a:rPr>
-              <a:t> los datos tenían algún faltante, como se </a:t>
-            </a:r>
-            <a:r>
-              <a:rPr lang="es-MX" sz="2000" b="0" strike="noStrike" spc="-1" dirty="0" err="1">
-                <a:solidFill>
-                  <a:srgbClr val="000000"/>
-                </a:solidFill>
-                <a:latin typeface="Times New Roman" panose="02020603050405020304" pitchFamily="18" charset="0"/>
-                <a:ea typeface="DejaVu Sans"/>
-                <a:cs typeface="Times New Roman" panose="02020603050405020304" pitchFamily="18" charset="0"/>
-              </a:rPr>
-              <a:t>vió</a:t>
-            </a:r>
-            <a:r>
-              <a:rPr lang="es-MX" sz="2000" b="0" strike="noStrike" spc="-1" dirty="0">
-                <a:solidFill>
-                  <a:srgbClr val="000000"/>
-                </a:solidFill>
-                <a:latin typeface="Times New Roman" panose="02020603050405020304" pitchFamily="18" charset="0"/>
-                <a:ea typeface="DejaVu Sans"/>
-                <a:cs typeface="Times New Roman" panose="02020603050405020304" pitchFamily="18" charset="0"/>
-              </a:rPr>
-              <a:t> anteriormente. Usamos interpolación, aunque exploramos KNN, Métodos Lineales Generalizados (Bayes), Medias, Hot </a:t>
-            </a:r>
-            <a:r>
-              <a:rPr lang="es-MX" sz="2000" b="0" strike="noStrike" spc="-1" dirty="0" err="1">
-                <a:solidFill>
-                  <a:srgbClr val="000000"/>
-                </a:solidFill>
-                <a:latin typeface="Times New Roman" panose="02020603050405020304" pitchFamily="18" charset="0"/>
-                <a:ea typeface="DejaVu Sans"/>
-                <a:cs typeface="Times New Roman" panose="02020603050405020304" pitchFamily="18" charset="0"/>
-              </a:rPr>
-              <a:t>Deck</a:t>
-            </a:r>
-            <a:r>
-              <a:rPr lang="es-MX" sz="2000" b="0" strike="noStrike" spc="-1" dirty="0">
-                <a:solidFill>
-                  <a:srgbClr val="000000"/>
-                </a:solidFill>
-                <a:latin typeface="Times New Roman" panose="02020603050405020304" pitchFamily="18" charset="0"/>
-                <a:ea typeface="DejaVu Sans"/>
-                <a:cs typeface="Times New Roman" panose="02020603050405020304" pitchFamily="18" charset="0"/>
-              </a:rPr>
-              <a:t>.</a:t>
-            </a:r>
-            <a:endParaRPr lang="es-MX" sz="2000" b="0" strike="noStrike" spc="-1" dirty="0">
-              <a:latin typeface="Times New Roman" panose="02020603050405020304" pitchFamily="18" charset="0"/>
-              <a:cs typeface="Times New Roman" panose="02020603050405020304" pitchFamily="18" charset="0"/>
+                <a:latin typeface="Times New Roman"/>
+                <a:ea typeface="DejaVu Sans"/>
+              </a:rPr>
+              <a:t>Técnicamente fue un reto implementarlo.</a:t>
+            </a:r>
+            <a:endParaRPr lang="es-MX" sz="1600" b="0" strike="noStrike" spc="-1" dirty="0">
+              <a:latin typeface="Arial"/>
             </a:endParaRPr>
           </a:p>
         </p:txBody>
       </p:sp>
       <p:pic>
         <p:nvPicPr>
-          <p:cNvPr id="148" name="Imagen 147"/>
+          <p:cNvPr id="178" name="Imagen 177"/>
           <p:cNvPicPr/>
           <p:nvPr/>
         </p:nvPicPr>
         <p:blipFill>
-          <a:blip r:embed="rId2"/>
-          <a:stretch/>
+          <a:blip r:embed="rId8">
+            <a:extLst>
+              <a:ext uri="{28A0092B-C50C-407E-A947-70E740481C1C}">
+                <a14:useLocalDpi xmlns:a14="http://schemas.microsoft.com/office/drawing/2010/main" val="0"/>
+              </a:ext>
+            </a:extLst>
+          </a:blip>
+          <a:stretch>
+            <a:fillRect/>
+          </a:stretch>
         </p:blipFill>
         <p:spPr>
           <a:xfrm>
-            <a:off x="1404000" y="2161440"/>
-            <a:ext cx="2818800" cy="428400"/>
-          </a:xfrm>
-          <a:prstGeom prst="rect">
-            <a:avLst/>
-          </a:prstGeom>
-          <a:ln>
-            <a:noFill/>
-          </a:ln>
-        </p:spPr>
-      </p:pic>
-      <p:pic>
-        <p:nvPicPr>
-          <p:cNvPr id="149" name="Imagen 148"/>
-          <p:cNvPicPr/>
-          <p:nvPr/>
-        </p:nvPicPr>
-        <p:blipFill>
-          <a:blip r:embed="rId3"/>
-          <a:stretch/>
-        </p:blipFill>
-        <p:spPr>
-          <a:xfrm>
-            <a:off x="1404000" y="4033440"/>
-            <a:ext cx="2818800" cy="428400"/>
-          </a:xfrm>
-          <a:prstGeom prst="rect">
-            <a:avLst/>
-          </a:prstGeom>
-          <a:ln>
-            <a:noFill/>
-          </a:ln>
-        </p:spPr>
-      </p:pic>
-      <p:pic>
-        <p:nvPicPr>
-          <p:cNvPr id="150" name="Imagen 149"/>
-          <p:cNvPicPr/>
-          <p:nvPr/>
-        </p:nvPicPr>
-        <p:blipFill>
-          <a:blip r:embed="rId4"/>
-          <a:stretch/>
-        </p:blipFill>
-        <p:spPr>
-          <a:xfrm>
-            <a:off x="5472000" y="3910320"/>
-            <a:ext cx="3481920" cy="2387520"/>
-          </a:xfrm>
-          <a:prstGeom prst="rect">
-            <a:avLst/>
-          </a:prstGeom>
-          <a:ln>
-            <a:noFill/>
-          </a:ln>
-        </p:spPr>
-      </p:pic>
-      <p:sp>
-        <p:nvSpPr>
-          <p:cNvPr id="151" name="CustomShape 6"/>
-          <p:cNvSpPr/>
-          <p:nvPr/>
-        </p:nvSpPr>
-        <p:spPr>
-          <a:xfrm>
-            <a:off x="5400000" y="1800000"/>
-            <a:ext cx="3597840" cy="1221840"/>
-          </a:xfrm>
-          <a:prstGeom prst="rect">
-            <a:avLst/>
-          </a:prstGeom>
-          <a:noFill/>
-          <a:ln w="9360">
-            <a:noFill/>
-          </a:ln>
-        </p:spPr>
-        <p:style>
-          <a:lnRef idx="0">
-            <a:scrgbClr r="0" g="0" b="0"/>
-          </a:lnRef>
-          <a:fillRef idx="0">
-            <a:scrgbClr r="0" g="0" b="0"/>
-          </a:fillRef>
-          <a:effectRef idx="0">
-            <a:scrgbClr r="0" g="0" b="0"/>
-          </a:effectRef>
-          <a:fontRef idx="minor"/>
-        </p:style>
-        <p:txBody>
-          <a:bodyPr lIns="90000" tIns="45000" rIns="90000" bIns="45000">
-            <a:noAutofit/>
-          </a:bodyPr>
-          <a:lstStyle/>
-          <a:p>
-            <a:pPr>
-              <a:lnSpc>
-                <a:spcPct val="100000"/>
-              </a:lnSpc>
-              <a:spcBef>
-                <a:spcPts val="400"/>
-              </a:spcBef>
-            </a:pPr>
-            <a:r>
-              <a:rPr lang="es-MX" sz="2000" b="0" strike="noStrike" spc="-1" dirty="0">
-                <a:solidFill>
-                  <a:srgbClr val="000000"/>
-                </a:solidFill>
-                <a:latin typeface="Times New Roman" panose="02020603050405020304" pitchFamily="18" charset="0"/>
-                <a:ea typeface="DejaVu Sans"/>
-                <a:cs typeface="Times New Roman" panose="02020603050405020304" pitchFamily="18" charset="0"/>
-              </a:rPr>
-              <a:t>Escalamiento: al tener datos en diversas escalas.</a:t>
-            </a:r>
-            <a:endParaRPr lang="es-MX" sz="2000" b="0" strike="noStrike" spc="-1" dirty="0">
-              <a:latin typeface="Times New Roman" panose="02020603050405020304" pitchFamily="18" charset="0"/>
-              <a:cs typeface="Times New Roman" panose="02020603050405020304" pitchFamily="18" charset="0"/>
-            </a:endParaRPr>
-          </a:p>
-          <a:p>
-            <a:pPr>
-              <a:lnSpc>
-                <a:spcPct val="100000"/>
-              </a:lnSpc>
-              <a:spcBef>
-                <a:spcPts val="400"/>
-              </a:spcBef>
-            </a:pPr>
-            <a:r>
-              <a:rPr lang="es-MX" sz="2000" b="0" strike="noStrike" spc="-1" dirty="0">
-                <a:solidFill>
-                  <a:srgbClr val="000000"/>
-                </a:solidFill>
-                <a:latin typeface="Times New Roman" panose="02020603050405020304" pitchFamily="18" charset="0"/>
-                <a:ea typeface="DejaVu Sans"/>
-                <a:cs typeface="Times New Roman" panose="02020603050405020304" pitchFamily="18" charset="0"/>
-              </a:rPr>
-              <a:t>Limpieza de Datos: descartar primeras observaciones por el </a:t>
-            </a:r>
-            <a:r>
-              <a:rPr lang="es-MX" sz="2000" b="0" strike="noStrike" spc="-1" dirty="0" err="1">
-                <a:solidFill>
-                  <a:srgbClr val="000000"/>
-                </a:solidFill>
-                <a:latin typeface="Times New Roman" panose="02020603050405020304" pitchFamily="18" charset="0"/>
-                <a:ea typeface="DejaVu Sans"/>
-                <a:cs typeface="Times New Roman" panose="02020603050405020304" pitchFamily="18" charset="0"/>
-              </a:rPr>
-              <a:t>Windowing</a:t>
-            </a:r>
-            <a:r>
-              <a:rPr lang="es-MX" sz="2000" b="0" strike="noStrike" spc="-1" dirty="0">
-                <a:solidFill>
-                  <a:srgbClr val="000000"/>
-                </a:solidFill>
-                <a:latin typeface="Times New Roman" panose="02020603050405020304" pitchFamily="18" charset="0"/>
-                <a:ea typeface="DejaVu Sans"/>
-                <a:cs typeface="Times New Roman" panose="02020603050405020304" pitchFamily="18" charset="0"/>
-              </a:rPr>
-              <a:t>.</a:t>
-            </a:r>
-            <a:endParaRPr lang="es-MX" sz="2000" b="0" strike="noStrike" spc="-1" dirty="0">
-              <a:latin typeface="Times New Roman" panose="02020603050405020304" pitchFamily="18" charset="0"/>
-              <a:cs typeface="Times New Roman" panose="02020603050405020304" pitchFamily="18" charset="0"/>
-            </a:endParaRPr>
-          </a:p>
-        </p:txBody>
-      </p:sp>
-      <p:pic>
-        <p:nvPicPr>
-          <p:cNvPr id="152" name="Imagen 151"/>
-          <p:cNvPicPr/>
-          <p:nvPr/>
-        </p:nvPicPr>
-        <p:blipFill>
-          <a:blip r:embed="rId5"/>
-          <a:stretch/>
-        </p:blipFill>
-        <p:spPr>
-          <a:xfrm>
-            <a:off x="7625520" y="2735640"/>
-            <a:ext cx="1192320" cy="1006200"/>
+            <a:off x="5702982" y="2880000"/>
+            <a:ext cx="3255036" cy="1403640"/>
           </a:xfrm>
           <a:prstGeom prst="rect">
             <a:avLst/>
@@ -7923,7 +8766,7 @@
       </p:grpSpPr>
       <p:sp>
         <p:nvSpPr>
-          <p:cNvPr id="153" name="CustomShape 1"/>
+          <p:cNvPr id="179" name="CustomShape 1"/>
           <p:cNvSpPr/>
           <p:nvPr/>
         </p:nvSpPr>
@@ -7971,7 +8814,7 @@
                 <a:latin typeface="Times New Roman"/>
                 <a:ea typeface="DejaVu Sans"/>
               </a:rPr>
-              <a:t>Solución: Arquitectura de Redes Neuronales </a:t>
+              <a:t>Resultados</a:t>
             </a:r>
             <a:endParaRPr lang="es-MX" sz="3600" b="0" strike="noStrike" spc="-1">
               <a:latin typeface="Arial"/>
@@ -7981,7 +8824,7 @@
       </p:sp>
       <p:sp>
         <p:nvSpPr>
-          <p:cNvPr id="154" name="CustomShape 2"/>
+          <p:cNvPr id="180" name="CustomShape 2"/>
           <p:cNvSpPr/>
           <p:nvPr/>
         </p:nvSpPr>
@@ -8021,7 +8864,7 @@
                 <a:spcPct val="100000"/>
               </a:lnSpc>
             </a:pPr>
-            <a:fld id="{06A42949-E399-4018-9CA3-0DC2F4A3151C}" type="slidenum">
+            <a:fld id="{7CA4966B-89D7-483B-A4DA-2A7FCE00D38A}" type="slidenum">
               <a:rPr lang="es-MX" sz="1200" b="0" strike="noStrike" spc="-1">
                 <a:solidFill>
                   <a:srgbClr val="FFFFFF"/>
@@ -8039,7 +8882,7 @@
       </p:sp>
       <p:sp>
         <p:nvSpPr>
-          <p:cNvPr id="155" name="CustomShape 3"/>
+          <p:cNvPr id="181" name="CustomShape 3"/>
           <p:cNvSpPr/>
           <p:nvPr/>
         </p:nvSpPr>
@@ -8097,7 +8940,7 @@
       </p:sp>
       <p:sp>
         <p:nvSpPr>
-          <p:cNvPr id="156" name="CustomShape 4"/>
+          <p:cNvPr id="182" name="CustomShape 4"/>
           <p:cNvSpPr/>
           <p:nvPr/>
         </p:nvSpPr>
@@ -8220,7 +9063,7 @@
             <a:r>
               <a:rPr lang="es-MX" sz="800" b="1" u="sng" strike="noStrike" spc="-1">
                 <a:solidFill>
-                  <a:srgbClr val="FFFFFF"/>
+                  <a:srgbClr val="808080"/>
                 </a:solidFill>
                 <a:uFill>
                   <a:solidFill>
@@ -8245,7 +9088,7 @@
             <a:r>
               <a:rPr lang="es-MX" sz="800" b="1" u="sng" strike="noStrike" spc="-1">
                 <a:solidFill>
-                  <a:srgbClr val="808080"/>
+                  <a:srgbClr val="FFFFFF"/>
                 </a:solidFill>
                 <a:uFill>
                   <a:solidFill>
@@ -8268,7 +9111,7 @@
               </a:lnSpc>
             </a:pPr>
             <a:r>
-              <a:rPr lang="es-MX" sz="800" b="1" u="sng" strike="noStrike" spc="-1">
+              <a:rPr lang="es-MX" sz="800" b="0" u="sng" strike="noStrike" spc="-1">
                 <a:solidFill>
                   <a:srgbClr val="808080"/>
                 </a:solidFill>
@@ -8300,18 +9143,26 @@
       </p:sp>
       <p:pic>
         <p:nvPicPr>
-          <p:cNvPr id="157" name="Imagen 156"/>
+          <p:cNvPr id="183" name="Imagen 182"/>
           <p:cNvPicPr/>
           <p:nvPr/>
         </p:nvPicPr>
         <p:blipFill>
-          <a:blip r:embed="rId2"/>
-          <a:stretch/>
+          <a:blip r:embed="rId2">
+            <a:extLst>
+              <a:ext uri="{28A0092B-C50C-407E-A947-70E740481C1C}">
+                <a14:useLocalDpi xmlns:a14="http://schemas.microsoft.com/office/drawing/2010/main" val="0"/>
+              </a:ext>
+            </a:extLst>
+          </a:blip>
+          <a:stretch>
+            <a:fillRect/>
+          </a:stretch>
         </p:blipFill>
         <p:spPr>
           <a:xfrm>
-            <a:off x="6909120" y="1715760"/>
-            <a:ext cx="1872720" cy="1234080"/>
+            <a:off x="253440" y="2060445"/>
+            <a:ext cx="4137840" cy="3967589"/>
           </a:xfrm>
           <a:prstGeom prst="rect">
             <a:avLst/>
@@ -8323,18 +9174,26 @@
       </p:pic>
       <p:pic>
         <p:nvPicPr>
-          <p:cNvPr id="158" name="Imagen 157"/>
+          <p:cNvPr id="184" name="Imagen 183"/>
           <p:cNvPicPr/>
           <p:nvPr/>
         </p:nvPicPr>
         <p:blipFill>
-          <a:blip r:embed="rId3"/>
-          <a:stretch/>
+          <a:blip r:embed="rId3">
+            <a:extLst>
+              <a:ext uri="{28A0092B-C50C-407E-A947-70E740481C1C}">
+                <a14:useLocalDpi xmlns:a14="http://schemas.microsoft.com/office/drawing/2010/main" val="0"/>
+              </a:ext>
+            </a:extLst>
+          </a:blip>
+          <a:stretch>
+            <a:fillRect/>
+          </a:stretch>
         </p:blipFill>
         <p:spPr>
           <a:xfrm>
-            <a:off x="3722040" y="1728000"/>
-            <a:ext cx="1509840" cy="1509840"/>
+            <a:off x="4752000" y="2060827"/>
+            <a:ext cx="4247280" cy="4015065"/>
           </a:xfrm>
           <a:prstGeom prst="rect">
             <a:avLst/>
@@ -8344,544 +9203,6 @@
           </a:ln>
         </p:spPr>
       </p:pic>
-      <p:pic>
-        <p:nvPicPr>
-          <p:cNvPr id="159" name="Imagen 158"/>
-          <p:cNvPicPr/>
-          <p:nvPr/>
-        </p:nvPicPr>
-        <p:blipFill>
-          <a:blip r:embed="rId4"/>
-          <a:stretch/>
-        </p:blipFill>
-        <p:spPr>
-          <a:xfrm>
-            <a:off x="288000" y="1749240"/>
-            <a:ext cx="1640880" cy="1317960"/>
-          </a:xfrm>
-          <a:prstGeom prst="rect">
-            <a:avLst/>
-          </a:prstGeom>
-          <a:ln>
-            <a:noFill/>
-          </a:ln>
-        </p:spPr>
-      </p:pic>
-      <p:pic>
-        <p:nvPicPr>
-          <p:cNvPr id="160" name="Imagen 159"/>
-          <p:cNvPicPr/>
-          <p:nvPr/>
-        </p:nvPicPr>
-        <p:blipFill>
-          <a:blip r:embed="rId5"/>
-          <a:stretch/>
-        </p:blipFill>
-        <p:spPr>
-          <a:xfrm>
-            <a:off x="6948000" y="4965120"/>
-            <a:ext cx="2089080" cy="1485360"/>
-          </a:xfrm>
-          <a:prstGeom prst="rect">
-            <a:avLst/>
-          </a:prstGeom>
-          <a:ln>
-            <a:noFill/>
-          </a:ln>
-        </p:spPr>
-      </p:pic>
-      <p:sp>
-        <p:nvSpPr>
-          <p:cNvPr id="161" name="CustomShape 5"/>
-          <p:cNvSpPr/>
-          <p:nvPr/>
-        </p:nvSpPr>
-        <p:spPr>
-          <a:xfrm>
-            <a:off x="6554880" y="3302640"/>
-            <a:ext cx="2482200" cy="1693470"/>
-          </a:xfrm>
-          <a:prstGeom prst="rect">
-            <a:avLst/>
-          </a:prstGeom>
-          <a:noFill/>
-          <a:ln w="9360">
-            <a:noFill/>
-          </a:ln>
-        </p:spPr>
-        <p:style>
-          <a:lnRef idx="0">
-            <a:scrgbClr r="0" g="0" b="0"/>
-          </a:lnRef>
-          <a:fillRef idx="0">
-            <a:scrgbClr r="0" g="0" b="0"/>
-          </a:fillRef>
-          <a:effectRef idx="0">
-            <a:scrgbClr r="0" g="0" b="0"/>
-          </a:effectRef>
-          <a:fontRef idx="minor"/>
-        </p:style>
-        <p:txBody>
-          <a:bodyPr lIns="90000" tIns="45000" rIns="90000" bIns="45000">
-            <a:noAutofit/>
-          </a:bodyPr>
-          <a:lstStyle/>
-          <a:p>
-            <a:pPr algn="r">
-              <a:lnSpc>
-                <a:spcPct val="100000"/>
-              </a:lnSpc>
-              <a:spcBef>
-                <a:spcPts val="400"/>
-              </a:spcBef>
-            </a:pPr>
-            <a:r>
-              <a:rPr lang="es-MX" sz="1600" b="1" i="1" strike="noStrike" spc="-1" dirty="0">
-                <a:solidFill>
-                  <a:srgbClr val="000000"/>
-                </a:solidFill>
-                <a:latin typeface="Times New Roman"/>
-                <a:ea typeface="DejaVu Sans"/>
-              </a:rPr>
-              <a:t>LSTM:</a:t>
-            </a:r>
-            <a:endParaRPr lang="es-MX" sz="1600" b="0" strike="noStrike" spc="-1" dirty="0">
-              <a:latin typeface="Arial"/>
-            </a:endParaRPr>
-          </a:p>
-          <a:p>
-            <a:pPr marL="343080" indent="-340560" algn="r">
-              <a:lnSpc>
-                <a:spcPct val="100000"/>
-              </a:lnSpc>
-              <a:spcBef>
-                <a:spcPts val="400"/>
-              </a:spcBef>
-              <a:buSzPct val="100045"/>
-              <a:buBlip>
-                <a:blip r:embed="rId6"/>
-              </a:buBlip>
-            </a:pPr>
-            <a:r>
-              <a:rPr lang="es-MX" sz="1600" b="0" i="1" strike="noStrike" spc="-1" dirty="0">
-                <a:solidFill>
-                  <a:srgbClr val="000000"/>
-                </a:solidFill>
-                <a:latin typeface="Times New Roman"/>
-                <a:ea typeface="DejaVu Sans"/>
-              </a:rPr>
-              <a:t>Desempeño razonable.</a:t>
-            </a:r>
-            <a:endParaRPr lang="es-MX" sz="1600" b="0" strike="noStrike" spc="-1" dirty="0">
-              <a:latin typeface="Arial"/>
-            </a:endParaRPr>
-          </a:p>
-          <a:p>
-            <a:pPr marL="343080" indent="-340560" algn="r">
-              <a:lnSpc>
-                <a:spcPct val="100000"/>
-              </a:lnSpc>
-              <a:spcBef>
-                <a:spcPts val="400"/>
-              </a:spcBef>
-              <a:buSzPct val="100045"/>
-              <a:buBlip>
-                <a:blip r:embed="rId6"/>
-              </a:buBlip>
-            </a:pPr>
-            <a:r>
-              <a:rPr lang="es-MX" sz="1600" b="0" i="1" strike="noStrike" spc="-1" dirty="0">
-                <a:solidFill>
-                  <a:srgbClr val="000000"/>
-                </a:solidFill>
-                <a:latin typeface="Times New Roman"/>
-                <a:ea typeface="DejaVu Sans"/>
-              </a:rPr>
-              <a:t>Procesamiento intermedio.</a:t>
-            </a:r>
-            <a:endParaRPr lang="es-MX" sz="1600" b="0" strike="noStrike" spc="-1" dirty="0">
-              <a:latin typeface="Arial"/>
-            </a:endParaRPr>
-          </a:p>
-          <a:p>
-            <a:pPr marL="343080" indent="-340560" algn="r">
-              <a:lnSpc>
-                <a:spcPct val="100000"/>
-              </a:lnSpc>
-              <a:spcBef>
-                <a:spcPts val="400"/>
-              </a:spcBef>
-              <a:buSzPct val="100045"/>
-              <a:buBlip>
-                <a:blip r:embed="rId6"/>
-              </a:buBlip>
-            </a:pPr>
-            <a:r>
-              <a:rPr lang="es-MX" sz="1600" b="0" i="1" strike="noStrike" spc="-1" dirty="0">
-                <a:solidFill>
-                  <a:srgbClr val="000000"/>
-                </a:solidFill>
-                <a:latin typeface="Times New Roman"/>
-                <a:ea typeface="DejaVu Sans"/>
-              </a:rPr>
-              <a:t>Resultados estables.</a:t>
-            </a:r>
-            <a:endParaRPr lang="es-MX" sz="1600" b="0" strike="noStrike" spc="-1" dirty="0">
-              <a:latin typeface="Arial"/>
-            </a:endParaRPr>
-          </a:p>
-        </p:txBody>
-      </p:sp>
-      <p:pic>
-        <p:nvPicPr>
-          <p:cNvPr id="162" name="Imagen 161"/>
-          <p:cNvPicPr/>
-          <p:nvPr/>
-        </p:nvPicPr>
-        <p:blipFill>
-          <a:blip r:embed="rId7"/>
-          <a:stretch/>
-        </p:blipFill>
-        <p:spPr>
-          <a:xfrm>
-            <a:off x="3477960" y="4921635"/>
-            <a:ext cx="2115360" cy="1503720"/>
-          </a:xfrm>
-          <a:prstGeom prst="rect">
-            <a:avLst/>
-          </a:prstGeom>
-          <a:ln>
-            <a:noFill/>
-          </a:ln>
-        </p:spPr>
-      </p:pic>
-      <p:sp>
-        <p:nvSpPr>
-          <p:cNvPr id="163" name="CustomShape 6"/>
-          <p:cNvSpPr/>
-          <p:nvPr/>
-        </p:nvSpPr>
-        <p:spPr>
-          <a:xfrm>
-            <a:off x="3299580" y="3276495"/>
-            <a:ext cx="2482200" cy="1584975"/>
-          </a:xfrm>
-          <a:prstGeom prst="rect">
-            <a:avLst/>
-          </a:prstGeom>
-          <a:noFill/>
-          <a:ln w="9360">
-            <a:noFill/>
-          </a:ln>
-        </p:spPr>
-        <p:style>
-          <a:lnRef idx="0">
-            <a:scrgbClr r="0" g="0" b="0"/>
-          </a:lnRef>
-          <a:fillRef idx="0">
-            <a:scrgbClr r="0" g="0" b="0"/>
-          </a:fillRef>
-          <a:effectRef idx="0">
-            <a:scrgbClr r="0" g="0" b="0"/>
-          </a:effectRef>
-          <a:fontRef idx="minor"/>
-        </p:style>
-        <p:txBody>
-          <a:bodyPr lIns="90000" tIns="45000" rIns="90000" bIns="45000">
-            <a:noAutofit/>
-          </a:bodyPr>
-          <a:lstStyle/>
-          <a:p>
-            <a:pPr algn="ctr">
-              <a:lnSpc>
-                <a:spcPct val="100000"/>
-              </a:lnSpc>
-              <a:spcBef>
-                <a:spcPts val="400"/>
-              </a:spcBef>
-            </a:pPr>
-            <a:r>
-              <a:rPr lang="es-MX" sz="1600" b="1" i="1" strike="noStrike" spc="-1" dirty="0" err="1">
-                <a:solidFill>
-                  <a:srgbClr val="000000"/>
-                </a:solidFill>
-                <a:latin typeface="Times New Roman"/>
-                <a:ea typeface="DejaVu Sans"/>
-              </a:rPr>
-              <a:t>Convolutional</a:t>
-            </a:r>
-            <a:r>
-              <a:rPr lang="es-MX" sz="1600" b="1" i="1" strike="noStrike" spc="-1" dirty="0">
-                <a:solidFill>
-                  <a:srgbClr val="000000"/>
-                </a:solidFill>
-                <a:latin typeface="Times New Roman"/>
-                <a:ea typeface="DejaVu Sans"/>
-              </a:rPr>
-              <a:t> 1D:</a:t>
-            </a:r>
-            <a:endParaRPr lang="es-MX" sz="1600" b="0" strike="noStrike" spc="-1" dirty="0">
-              <a:latin typeface="Arial"/>
-            </a:endParaRPr>
-          </a:p>
-          <a:p>
-            <a:pPr marL="343080" indent="-340560" algn="ctr">
-              <a:lnSpc>
-                <a:spcPct val="100000"/>
-              </a:lnSpc>
-              <a:spcBef>
-                <a:spcPts val="400"/>
-              </a:spcBef>
-              <a:buSzPct val="100045"/>
-              <a:buBlip>
-                <a:blip r:embed="rId6"/>
-              </a:buBlip>
-            </a:pPr>
-            <a:r>
-              <a:rPr lang="es-MX" sz="1600" b="0" i="1" strike="noStrike" spc="-1" dirty="0">
-                <a:solidFill>
-                  <a:srgbClr val="000000"/>
-                </a:solidFill>
-                <a:latin typeface="Times New Roman"/>
-                <a:ea typeface="DejaVu Sans"/>
-              </a:rPr>
-              <a:t>Desempeño robusto.</a:t>
-            </a:r>
-            <a:endParaRPr lang="es-MX" sz="1600" b="0" strike="noStrike" spc="-1" dirty="0">
-              <a:latin typeface="Arial"/>
-            </a:endParaRPr>
-          </a:p>
-          <a:p>
-            <a:pPr marL="343080" indent="-340560" algn="ctr">
-              <a:lnSpc>
-                <a:spcPct val="100000"/>
-              </a:lnSpc>
-              <a:spcBef>
-                <a:spcPts val="400"/>
-              </a:spcBef>
-              <a:buSzPct val="100045"/>
-              <a:buBlip>
-                <a:blip r:embed="rId6"/>
-              </a:buBlip>
-            </a:pPr>
-            <a:r>
-              <a:rPr lang="es-MX" sz="1600" b="0" i="1" strike="noStrike" spc="-1" dirty="0">
-                <a:solidFill>
-                  <a:srgbClr val="000000"/>
-                </a:solidFill>
-                <a:latin typeface="Times New Roman"/>
-                <a:ea typeface="DejaVu Sans"/>
-              </a:rPr>
-              <a:t>Demandante en procesamiento.</a:t>
-            </a:r>
-            <a:endParaRPr lang="es-MX" sz="1600" b="0" strike="noStrike" spc="-1" dirty="0">
-              <a:latin typeface="Arial"/>
-            </a:endParaRPr>
-          </a:p>
-          <a:p>
-            <a:pPr marL="343080" indent="-340560" algn="ctr">
-              <a:lnSpc>
-                <a:spcPct val="100000"/>
-              </a:lnSpc>
-              <a:spcBef>
-                <a:spcPts val="400"/>
-              </a:spcBef>
-              <a:buSzPct val="100045"/>
-              <a:buBlip>
-                <a:blip r:embed="rId6"/>
-              </a:buBlip>
-            </a:pPr>
-            <a:r>
-              <a:rPr lang="es-MX" sz="1600" b="0" i="1" strike="noStrike" spc="-1" dirty="0">
-                <a:solidFill>
-                  <a:srgbClr val="000000"/>
-                </a:solidFill>
-                <a:latin typeface="Times New Roman"/>
-                <a:ea typeface="DejaVu Sans"/>
-              </a:rPr>
-              <a:t>Resultados “ruidosos”.</a:t>
-            </a:r>
-            <a:endParaRPr lang="es-MX" sz="1600" b="0" strike="noStrike" spc="-1" dirty="0">
-              <a:latin typeface="Arial"/>
-            </a:endParaRPr>
-          </a:p>
-        </p:txBody>
-      </p:sp>
-      <p:pic>
-        <p:nvPicPr>
-          <p:cNvPr id="164" name="Imagen 163"/>
-          <p:cNvPicPr/>
-          <p:nvPr/>
-        </p:nvPicPr>
-        <p:blipFill>
-          <a:blip r:embed="rId8"/>
-          <a:stretch/>
-        </p:blipFill>
-        <p:spPr>
-          <a:xfrm>
-            <a:off x="216000" y="4998960"/>
-            <a:ext cx="1941840" cy="1406880"/>
-          </a:xfrm>
-          <a:prstGeom prst="rect">
-            <a:avLst/>
-          </a:prstGeom>
-          <a:ln>
-            <a:noFill/>
-          </a:ln>
-        </p:spPr>
-      </p:pic>
-      <p:sp>
-        <p:nvSpPr>
-          <p:cNvPr id="165" name="CustomShape 7"/>
-          <p:cNvSpPr/>
-          <p:nvPr/>
-        </p:nvSpPr>
-        <p:spPr>
-          <a:xfrm>
-            <a:off x="-360" y="3096000"/>
-            <a:ext cx="2724510" cy="2949840"/>
-          </a:xfrm>
-          <a:prstGeom prst="rect">
-            <a:avLst/>
-          </a:prstGeom>
-          <a:noFill/>
-          <a:ln w="9360">
-            <a:noFill/>
-          </a:ln>
-        </p:spPr>
-        <p:style>
-          <a:lnRef idx="0">
-            <a:scrgbClr r="0" g="0" b="0"/>
-          </a:lnRef>
-          <a:fillRef idx="0">
-            <a:scrgbClr r="0" g="0" b="0"/>
-          </a:fillRef>
-          <a:effectRef idx="0">
-            <a:scrgbClr r="0" g="0" b="0"/>
-          </a:effectRef>
-          <a:fontRef idx="minor"/>
-        </p:style>
-        <p:txBody>
-          <a:bodyPr lIns="90000" tIns="45000" rIns="90000" bIns="45000">
-            <a:noAutofit/>
-          </a:bodyPr>
-          <a:lstStyle/>
-          <a:p>
-            <a:pPr algn="just">
-              <a:lnSpc>
-                <a:spcPct val="100000"/>
-              </a:lnSpc>
-              <a:spcBef>
-                <a:spcPts val="400"/>
-              </a:spcBef>
-            </a:pPr>
-            <a:r>
-              <a:rPr lang="es-MX" sz="1600" b="1" i="1" strike="noStrike" spc="-1" dirty="0">
-                <a:solidFill>
-                  <a:srgbClr val="000000"/>
-                </a:solidFill>
-                <a:latin typeface="Times New Roman"/>
-                <a:ea typeface="DejaVu Sans"/>
-              </a:rPr>
-              <a:t>Dense:</a:t>
-            </a:r>
-            <a:endParaRPr lang="es-MX" sz="1600" b="0" strike="noStrike" spc="-1" dirty="0">
-              <a:latin typeface="Arial"/>
-            </a:endParaRPr>
-          </a:p>
-          <a:p>
-            <a:pPr marL="343080" indent="-340560" algn="just">
-              <a:lnSpc>
-                <a:spcPct val="100000"/>
-              </a:lnSpc>
-              <a:spcBef>
-                <a:spcPts val="400"/>
-              </a:spcBef>
-              <a:buSzPct val="100051"/>
-              <a:buBlip>
-                <a:blip r:embed="rId9"/>
-              </a:buBlip>
-            </a:pPr>
-            <a:r>
-              <a:rPr lang="es-MX" sz="1600" b="0" i="1" strike="noStrike" spc="-1" dirty="0">
-                <a:solidFill>
-                  <a:srgbClr val="000000"/>
-                </a:solidFill>
-                <a:latin typeface="Times New Roman"/>
-                <a:ea typeface="DejaVu Sans"/>
-              </a:rPr>
-              <a:t>Simple y Rápida.</a:t>
-            </a:r>
-            <a:endParaRPr lang="es-MX" sz="1600" b="0" strike="noStrike" spc="-1" dirty="0">
-              <a:latin typeface="Arial"/>
-            </a:endParaRPr>
-          </a:p>
-          <a:p>
-            <a:pPr marL="343080" indent="-340560" algn="just">
-              <a:lnSpc>
-                <a:spcPct val="100000"/>
-              </a:lnSpc>
-              <a:spcBef>
-                <a:spcPts val="400"/>
-              </a:spcBef>
-              <a:buSzPct val="100051"/>
-              <a:buBlip>
-                <a:blip r:embed="rId9"/>
-              </a:buBlip>
-            </a:pPr>
-            <a:r>
-              <a:rPr lang="es-MX" sz="1600" b="0" i="1" strike="noStrike" spc="-1" dirty="0">
-                <a:solidFill>
-                  <a:srgbClr val="000000"/>
-                </a:solidFill>
-                <a:latin typeface="Times New Roman"/>
-                <a:ea typeface="DejaVu Sans"/>
-              </a:rPr>
-              <a:t>No entregó tan buenos resultados.</a:t>
-            </a:r>
-          </a:p>
-          <a:p>
-            <a:pPr marL="343080" indent="-340560">
-              <a:lnSpc>
-                <a:spcPct val="100000"/>
-              </a:lnSpc>
-              <a:spcBef>
-                <a:spcPts val="400"/>
-              </a:spcBef>
-              <a:buSzPct val="100051"/>
-              <a:buBlip>
-                <a:blip r:embed="rId9"/>
-              </a:buBlip>
-            </a:pPr>
-            <a:r>
-              <a:rPr lang="es-MX" sz="1600" b="0" i="1" strike="noStrike" spc="-1" dirty="0">
-                <a:solidFill>
-                  <a:srgbClr val="000000"/>
-                </a:solidFill>
-                <a:latin typeface="Times New Roman"/>
-                <a:ea typeface="DejaVu Sans"/>
-              </a:rPr>
-              <a:t>Imprescindible:</a:t>
-            </a:r>
-            <a:br>
-              <a:rPr dirty="0"/>
-            </a:br>
-            <a:r>
-              <a:rPr lang="es-MX" sz="1600" b="0" i="1" strike="noStrike" spc="-1" dirty="0">
-                <a:solidFill>
-                  <a:srgbClr val="000000"/>
-                </a:solidFill>
-                <a:latin typeface="Times New Roman"/>
-                <a:ea typeface="DejaVu Sans"/>
-              </a:rPr>
-              <a:t>Es la base del resto de los distintas arquitecturas.</a:t>
-            </a:r>
-            <a:endParaRPr lang="es-MX" sz="1600" b="0" strike="noStrike" spc="-1" dirty="0">
-              <a:latin typeface="Arial"/>
-            </a:endParaRPr>
-          </a:p>
-        </p:txBody>
-      </p:sp>
     </p:spTree>
   </p:cSld>
   <p:clrMapOvr>
@@ -8909,7 +9230,7 @@
       </p:grpSpPr>
       <p:sp>
         <p:nvSpPr>
-          <p:cNvPr id="166" name="CustomShape 1"/>
+          <p:cNvPr id="185" name="CustomShape 1"/>
           <p:cNvSpPr/>
           <p:nvPr/>
         </p:nvSpPr>
@@ -8950,16 +9271,16 @@
               </a:lnSpc>
             </a:pPr>
             <a:r>
-              <a:rPr lang="es-MX" sz="2800" b="0" strike="noStrike" spc="-1">
+              <a:rPr lang="es-MX" sz="3600" b="0" strike="noStrike" spc="-1">
                 <a:solidFill>
                   <a:srgbClr val="FFFFFF"/>
                 </a:solidFill>
                 <a:latin typeface="Times New Roman"/>
                 <a:ea typeface="DejaVu Sans"/>
               </a:rPr>
-              <a:t>Solución: Propusimos Combinar CNN+LSTM+DNN</a:t>
-            </a:r>
-            <a:endParaRPr lang="es-MX" sz="2800" b="0" strike="noStrike" spc="-1">
+              <a:t>Conclusiones: Logros y Siguientes Pasos</a:t>
+            </a:r>
+            <a:endParaRPr lang="es-MX" sz="3600" b="0" strike="noStrike" spc="-1">
               <a:latin typeface="Arial"/>
             </a:endParaRPr>
           </a:p>
@@ -8967,7 +9288,7 @@
       </p:sp>
       <p:sp>
         <p:nvSpPr>
-          <p:cNvPr id="167" name="CustomShape 2"/>
+          <p:cNvPr id="186" name="CustomShape 2"/>
           <p:cNvSpPr/>
           <p:nvPr/>
         </p:nvSpPr>
@@ -9007,7 +9328,7 @@
                 <a:spcPct val="100000"/>
               </a:lnSpc>
             </a:pPr>
-            <a:fld id="{9A4DAE02-E94E-468B-982A-FA0EFF7C8F9C}" type="slidenum">
+            <a:fld id="{5CBE8638-9756-473A-8542-EC1D0EA4E49E}" type="slidenum">
               <a:rPr lang="es-MX" sz="1200" b="0" strike="noStrike" spc="-1">
                 <a:solidFill>
                   <a:srgbClr val="FFFFFF"/>
@@ -9025,7 +9346,7 @@
       </p:sp>
       <p:sp>
         <p:nvSpPr>
-          <p:cNvPr id="168" name="CustomShape 3"/>
+          <p:cNvPr id="187" name="CustomShape 3"/>
           <p:cNvSpPr/>
           <p:nvPr/>
         </p:nvSpPr>
@@ -9083,7 +9404,7 @@
       </p:sp>
       <p:sp>
         <p:nvSpPr>
-          <p:cNvPr id="169" name="CustomShape 4"/>
+          <p:cNvPr id="188" name="CustomShape 4"/>
           <p:cNvSpPr/>
           <p:nvPr/>
         </p:nvSpPr>
@@ -9206,7 +9527,7 @@
             <a:r>
               <a:rPr lang="es-MX" sz="800" b="1" u="sng" strike="noStrike" spc="-1">
                 <a:solidFill>
-                  <a:srgbClr val="FFFFFF"/>
+                  <a:srgbClr val="808080"/>
                 </a:solidFill>
                 <a:uFill>
                   <a:solidFill>
@@ -9256,7 +9577,7 @@
             <a:r>
               <a:rPr lang="es-MX" sz="800" b="1" u="sng" strike="noStrike" spc="-1">
                 <a:solidFill>
-                  <a:srgbClr val="808080"/>
+                  <a:srgbClr val="FFFFFF"/>
                 </a:solidFill>
                 <a:uFill>
                   <a:solidFill>
@@ -9284,247 +9605,16 @@
           </a:p>
         </p:txBody>
       </p:sp>
-      <p:pic>
-        <p:nvPicPr>
-          <p:cNvPr id="170" name="Picture 2"/>
-          <p:cNvPicPr/>
-          <p:nvPr/>
-        </p:nvPicPr>
-        <p:blipFill>
-          <a:blip r:embed="rId2"/>
-          <a:stretch/>
-        </p:blipFill>
-        <p:spPr>
-          <a:xfrm>
-            <a:off x="38160" y="2987640"/>
-            <a:ext cx="1903680" cy="3388680"/>
-          </a:xfrm>
-          <a:prstGeom prst="rect">
-            <a:avLst/>
-          </a:prstGeom>
-          <a:ln>
-            <a:noFill/>
-          </a:ln>
-        </p:spPr>
-      </p:pic>
-      <p:pic>
-        <p:nvPicPr>
-          <p:cNvPr id="171" name="Imagen 170"/>
-          <p:cNvPicPr/>
-          <p:nvPr/>
-        </p:nvPicPr>
-        <p:blipFill>
-          <a:blip r:embed="rId3"/>
-          <a:stretch/>
-        </p:blipFill>
-        <p:spPr>
-          <a:xfrm>
-            <a:off x="5976000" y="4373280"/>
-            <a:ext cx="2805840" cy="2064960"/>
-          </a:xfrm>
-          <a:prstGeom prst="rect">
-            <a:avLst/>
-          </a:prstGeom>
-          <a:ln>
-            <a:noFill/>
-          </a:ln>
-        </p:spPr>
-      </p:pic>
-      <p:pic>
-        <p:nvPicPr>
-          <p:cNvPr id="172" name="Imagen 171"/>
-          <p:cNvPicPr/>
-          <p:nvPr/>
-        </p:nvPicPr>
-        <p:blipFill>
-          <a:blip r:embed="rId4"/>
-          <a:stretch/>
-        </p:blipFill>
-        <p:spPr>
-          <a:xfrm>
-            <a:off x="3835260" y="1711440"/>
-            <a:ext cx="1468440" cy="967320"/>
-          </a:xfrm>
-          <a:prstGeom prst="rect">
-            <a:avLst/>
-          </a:prstGeom>
-          <a:ln>
-            <a:noFill/>
-          </a:ln>
-        </p:spPr>
-      </p:pic>
-      <p:pic>
-        <p:nvPicPr>
-          <p:cNvPr id="173" name="Imagen 172"/>
-          <p:cNvPicPr/>
-          <p:nvPr/>
-        </p:nvPicPr>
-        <p:blipFill>
-          <a:blip r:embed="rId5"/>
-          <a:stretch/>
-        </p:blipFill>
-        <p:spPr>
-          <a:xfrm>
-            <a:off x="1195560" y="1656180"/>
-            <a:ext cx="1077840" cy="1077840"/>
-          </a:xfrm>
-          <a:prstGeom prst="rect">
-            <a:avLst/>
-          </a:prstGeom>
-          <a:ln>
-            <a:noFill/>
-          </a:ln>
-        </p:spPr>
-      </p:pic>
-      <p:pic>
-        <p:nvPicPr>
-          <p:cNvPr id="174" name="Imagen 173"/>
-          <p:cNvPicPr/>
-          <p:nvPr/>
-        </p:nvPicPr>
-        <p:blipFill>
-          <a:blip r:embed="rId6"/>
-          <a:stretch/>
-        </p:blipFill>
-        <p:spPr>
-          <a:xfrm>
-            <a:off x="6865560" y="1810800"/>
-            <a:ext cx="957240" cy="768600"/>
-          </a:xfrm>
-          <a:prstGeom prst="rect">
-            <a:avLst/>
-          </a:prstGeom>
-          <a:ln>
-            <a:noFill/>
-          </a:ln>
-        </p:spPr>
-      </p:pic>
       <p:sp>
         <p:nvSpPr>
-          <p:cNvPr id="175" name="CustomShape 5"/>
+          <p:cNvPr id="189" name="CustomShape 5"/>
           <p:cNvSpPr/>
           <p:nvPr/>
         </p:nvSpPr>
         <p:spPr>
           <a:xfrm>
-            <a:off x="2803410" y="1815120"/>
-            <a:ext cx="501840" cy="759960"/>
-          </a:xfrm>
-          <a:prstGeom prst="rect">
-            <a:avLst/>
-          </a:prstGeom>
-          <a:noFill/>
-          <a:ln>
-            <a:noFill/>
-          </a:ln>
-        </p:spPr>
-        <p:style>
-          <a:lnRef idx="0">
-            <a:scrgbClr r="0" g="0" b="0"/>
-          </a:lnRef>
-          <a:fillRef idx="0">
-            <a:scrgbClr r="0" g="0" b="0"/>
-          </a:fillRef>
-          <a:effectRef idx="0">
-            <a:scrgbClr r="0" g="0" b="0"/>
-          </a:effectRef>
-          <a:fontRef idx="minor"/>
-        </p:style>
-        <p:txBody>
-          <a:bodyPr lIns="90000" tIns="45000" rIns="90000" bIns="45000">
-            <a:spAutoFit/>
-          </a:bodyPr>
-          <a:lstStyle/>
-          <a:p>
-            <a:pPr>
-              <a:lnSpc>
-                <a:spcPct val="100000"/>
-              </a:lnSpc>
-            </a:pPr>
-            <a:r>
-              <a:rPr lang="es-MX" sz="4400" b="0" strike="noStrike" spc="-1">
-                <a:solidFill>
-                  <a:srgbClr val="000000"/>
-                </a:solidFill>
-                <a:latin typeface="Arial"/>
-                <a:ea typeface="DejaVu Sans"/>
-              </a:rPr>
-              <a:t>+</a:t>
-            </a:r>
-            <a:endParaRPr lang="es-MX" sz="4400" b="0" strike="noStrike" spc="-1">
-              <a:latin typeface="Arial"/>
-            </a:endParaRPr>
-          </a:p>
-        </p:txBody>
-      </p:sp>
-      <p:sp>
-        <p:nvSpPr>
-          <p:cNvPr id="176" name="CustomShape 6"/>
-          <p:cNvSpPr/>
-          <p:nvPr/>
-        </p:nvSpPr>
-        <p:spPr>
-          <a:xfrm>
-            <a:off x="5833710" y="1815120"/>
-            <a:ext cx="501840" cy="759960"/>
-          </a:xfrm>
-          <a:prstGeom prst="rect">
-            <a:avLst/>
-          </a:prstGeom>
-          <a:noFill/>
-          <a:ln>
-            <a:noFill/>
-          </a:ln>
-        </p:spPr>
-        <p:style>
-          <a:lnRef idx="0">
-            <a:scrgbClr r="0" g="0" b="0"/>
-          </a:lnRef>
-          <a:fillRef idx="0">
-            <a:scrgbClr r="0" g="0" b="0"/>
-          </a:fillRef>
-          <a:effectRef idx="0">
-            <a:scrgbClr r="0" g="0" b="0"/>
-          </a:effectRef>
-          <a:fontRef idx="minor"/>
-        </p:style>
-        <p:txBody>
-          <a:bodyPr lIns="90000" tIns="45000" rIns="90000" bIns="45000">
-            <a:spAutoFit/>
-          </a:bodyPr>
-          <a:lstStyle/>
-          <a:p>
-            <a:pPr>
-              <a:lnSpc>
-                <a:spcPct val="100000"/>
-              </a:lnSpc>
-            </a:pPr>
-            <a:r>
-              <a:rPr lang="es-MX" sz="4400" b="0" strike="noStrike" spc="-1">
-                <a:solidFill>
-                  <a:srgbClr val="000000"/>
-                </a:solidFill>
-                <a:latin typeface="Arial"/>
-                <a:ea typeface="DejaVu Sans"/>
-              </a:rPr>
-              <a:t>+</a:t>
-            </a:r>
-            <a:endParaRPr lang="es-MX" sz="4400" b="0" strike="noStrike" spc="-1">
-              <a:latin typeface="Arial"/>
-            </a:endParaRPr>
-          </a:p>
-        </p:txBody>
-      </p:sp>
-      <p:sp>
-        <p:nvSpPr>
-          <p:cNvPr id="177" name="CustomShape 7"/>
-          <p:cNvSpPr/>
-          <p:nvPr/>
-        </p:nvSpPr>
-        <p:spPr>
-          <a:xfrm>
-            <a:off x="2473350" y="3109725"/>
-            <a:ext cx="2806200" cy="2949840"/>
+            <a:off x="251640" y="1730160"/>
+            <a:ext cx="8441280" cy="4554360"/>
           </a:xfrm>
           <a:prstGeom prst="rect">
             <a:avLst/>
@@ -9552,179 +9642,323 @@
           </a:bodyPr>
           <a:lstStyle/>
           <a:p>
-            <a:pPr>
+            <a:pPr marL="216000" indent="-215280">
               <a:lnSpc>
                 <a:spcPct val="100000"/>
               </a:lnSpc>
               <a:spcBef>
-                <a:spcPts val="400"/>
+                <a:spcPts val="479"/>
               </a:spcBef>
-            </a:pPr>
-            <a:r>
-              <a:rPr lang="es-MX" sz="1600" b="0" i="1" strike="noStrike" spc="-1" dirty="0">
+              <a:buClr>
+                <a:srgbClr val="000000"/>
+              </a:buClr>
+              <a:buFont typeface="Symbol"/>
+              <a:buChar char=""/>
+            </a:pPr>
+            <a:r>
+              <a:rPr lang="es-MX" sz="2400" b="0" strike="noStrike" spc="-1" dirty="0">
                 <a:solidFill>
                   <a:srgbClr val="000000"/>
                 </a:solidFill>
                 <a:latin typeface="Times New Roman"/>
                 <a:ea typeface="DejaVu Sans"/>
               </a:rPr>
-              <a:t>Combinación de Redes:</a:t>
-            </a:r>
-            <a:endParaRPr lang="es-MX" sz="1600" b="0" strike="noStrike" spc="-1" dirty="0">
-              <a:latin typeface="Arial"/>
-            </a:endParaRPr>
-          </a:p>
-          <a:p>
-            <a:pPr marL="343080" indent="-340560">
+              <a:t>Logros:</a:t>
+            </a:r>
+            <a:endParaRPr lang="es-MX" sz="2400" b="0" strike="noStrike" spc="-1" dirty="0">
+              <a:latin typeface="Arial"/>
+            </a:endParaRPr>
+          </a:p>
+          <a:p>
+            <a:pPr marL="559620" lvl="1" indent="-342900">
               <a:lnSpc>
                 <a:spcPct val="100000"/>
               </a:lnSpc>
               <a:spcBef>
-                <a:spcPts val="400"/>
+                <a:spcPts val="479"/>
               </a:spcBef>
-              <a:buSzPct val="100051"/>
-              <a:buBlip>
-                <a:blip r:embed="rId7"/>
-              </a:buBlip>
-            </a:pPr>
-            <a:r>
-              <a:rPr lang="es-MX" sz="1600" b="0" i="1" strike="noStrike" spc="-1" dirty="0">
+              <a:buClr>
+                <a:srgbClr val="000000"/>
+              </a:buClr>
+              <a:buSzPct val="45000"/>
+              <a:buFont typeface="Courier New" panose="02070309020205020404" pitchFamily="49" charset="0"/>
+              <a:buChar char="o"/>
+            </a:pPr>
+            <a:r>
+              <a:rPr lang="es-MX" sz="2400" b="0" strike="noStrike" spc="-1" dirty="0">
                 <a:solidFill>
                   <a:srgbClr val="000000"/>
                 </a:solidFill>
                 <a:latin typeface="Times New Roman"/>
                 <a:ea typeface="DejaVu Sans"/>
               </a:rPr>
-              <a:t>Esperábamos resultados sustancialmente mejores</a:t>
-            </a:r>
-            <a:r>
-              <a:rPr lang="es-MX" sz="1600" i="1" spc="-1" dirty="0">
+              <a:t>Logramos poder predecir y es medible el desempeño modelo.</a:t>
+            </a:r>
+            <a:endParaRPr lang="es-MX" sz="2400" b="0" strike="noStrike" spc="-1" dirty="0">
+              <a:latin typeface="Arial"/>
+            </a:endParaRPr>
+          </a:p>
+          <a:p>
+            <a:pPr marL="559620" lvl="1" indent="-342900">
+              <a:lnSpc>
+                <a:spcPct val="100000"/>
+              </a:lnSpc>
+              <a:spcBef>
+                <a:spcPts val="479"/>
+              </a:spcBef>
+              <a:buClr>
+                <a:srgbClr val="000000"/>
+              </a:buClr>
+              <a:buSzPct val="45000"/>
+              <a:buFont typeface="Courier New" panose="02070309020205020404" pitchFamily="49" charset="0"/>
+              <a:buChar char="o"/>
+            </a:pPr>
+            <a:r>
+              <a:rPr lang="es-MX" sz="2400" b="0" strike="noStrike" spc="-1" dirty="0">
                 <a:solidFill>
                   <a:srgbClr val="000000"/>
                 </a:solidFill>
                 <a:latin typeface="Times New Roman"/>
                 <a:ea typeface="DejaVu Sans"/>
               </a:rPr>
-              <a:t>.</a:t>
-            </a:r>
-            <a:endParaRPr lang="es-MX" sz="1600" b="0" strike="noStrike" spc="-1" dirty="0">
-              <a:latin typeface="Arial"/>
-            </a:endParaRPr>
-          </a:p>
-          <a:p>
-            <a:pPr marL="343080" indent="-340560">
+              <a:t>Logramos reducir el sobreajuste.</a:t>
+            </a:r>
+            <a:endParaRPr lang="es-MX" sz="2400" b="0" strike="noStrike" spc="-1" dirty="0">
+              <a:latin typeface="Arial"/>
+            </a:endParaRPr>
+          </a:p>
+          <a:p>
+            <a:pPr marL="559620" lvl="1" indent="-342900">
               <a:lnSpc>
                 <a:spcPct val="100000"/>
               </a:lnSpc>
               <a:spcBef>
-                <a:spcPts val="400"/>
+                <a:spcPts val="479"/>
               </a:spcBef>
-              <a:buSzPct val="100051"/>
-              <a:buBlip>
-                <a:blip r:embed="rId7"/>
-              </a:buBlip>
-            </a:pPr>
-            <a:r>
-              <a:rPr lang="es-MX" sz="1600" b="0" i="1" strike="noStrike" spc="-1" dirty="0">
+              <a:buClr>
+                <a:srgbClr val="000000"/>
+              </a:buClr>
+              <a:buSzPct val="45000"/>
+              <a:buFont typeface="Courier New" panose="02070309020205020404" pitchFamily="49" charset="0"/>
+              <a:buChar char="o"/>
+            </a:pPr>
+            <a:r>
+              <a:rPr lang="es-MX" sz="2400" b="0" strike="noStrike" spc="-1" dirty="0">
                 <a:solidFill>
                   <a:srgbClr val="000000"/>
                 </a:solidFill>
                 <a:latin typeface="Times New Roman"/>
                 <a:ea typeface="DejaVu Sans"/>
               </a:rPr>
-              <a:t>Logramos desempeño estable y razonable.</a:t>
-            </a:r>
-            <a:endParaRPr lang="es-MX" sz="1600" b="0" strike="noStrike" spc="-1" dirty="0">
-              <a:latin typeface="Arial"/>
-            </a:endParaRPr>
-          </a:p>
-          <a:p>
-            <a:pPr marL="343080" indent="-340560">
+              <a:t>Logramos aprender sobre la realización de un proyecto </a:t>
+            </a:r>
+            <a:r>
+              <a:rPr lang="es-MX" sz="2400" b="0" i="1" strike="noStrike" spc="-1" dirty="0" err="1">
+                <a:solidFill>
+                  <a:srgbClr val="000000"/>
+                </a:solidFill>
+                <a:latin typeface="Times New Roman"/>
+                <a:ea typeface="DejaVu Sans"/>
+              </a:rPr>
+              <a:t>end-to-end</a:t>
+            </a:r>
+            <a:r>
+              <a:rPr lang="es-MX" sz="2400" spc="-1" dirty="0">
+                <a:solidFill>
+                  <a:srgbClr val="000000"/>
+                </a:solidFill>
+                <a:latin typeface="Times New Roman"/>
+                <a:ea typeface="DejaVu Sans"/>
+              </a:rPr>
+              <a:t>, sobre redes neuronales y las series de tiempo.</a:t>
+            </a:r>
+            <a:endParaRPr lang="es-MX" sz="2400" b="0" strike="noStrike" spc="-1" dirty="0">
+              <a:latin typeface="Arial"/>
+            </a:endParaRPr>
+          </a:p>
+          <a:p>
+            <a:pPr marL="216000" indent="-215280">
               <a:lnSpc>
                 <a:spcPct val="100000"/>
               </a:lnSpc>
               <a:spcBef>
-                <a:spcPts val="400"/>
+                <a:spcPts val="479"/>
               </a:spcBef>
-              <a:buSzPct val="100051"/>
-              <a:buBlip>
-                <a:blip r:embed="rId7"/>
-              </a:buBlip>
-            </a:pPr>
-            <a:r>
-              <a:rPr lang="es-MX" sz="1600" b="0" i="1" strike="noStrike" spc="-1" dirty="0">
+              <a:buClr>
+                <a:srgbClr val="000000"/>
+              </a:buClr>
+              <a:buFont typeface="Symbol"/>
+              <a:buChar char=""/>
+            </a:pPr>
+            <a:r>
+              <a:rPr lang="es-MX" sz="2400" b="0" strike="noStrike" spc="-1" dirty="0">
                 <a:solidFill>
                   <a:srgbClr val="000000"/>
                 </a:solidFill>
                 <a:latin typeface="Times New Roman"/>
                 <a:ea typeface="DejaVu Sans"/>
               </a:rPr>
-              <a:t>El tiempo de entrenamiento fue bastante razonable, aún teniendo una arquitectura compleja.</a:t>
-            </a:r>
-            <a:endParaRPr lang="es-MX" sz="1600" b="0" strike="noStrike" spc="-1" dirty="0">
-              <a:latin typeface="Arial"/>
-            </a:endParaRPr>
-          </a:p>
-          <a:p>
-            <a:pPr marL="343080" indent="-340560">
+              <a:t>Siguientes Pasos:</a:t>
+            </a:r>
+            <a:endParaRPr lang="es-MX" sz="2400" b="0" strike="noStrike" spc="-1" dirty="0">
+              <a:latin typeface="Arial"/>
+            </a:endParaRPr>
+          </a:p>
+          <a:p>
+            <a:pPr marL="559620" lvl="1" indent="-342900">
               <a:lnSpc>
                 <a:spcPct val="100000"/>
               </a:lnSpc>
               <a:spcBef>
-                <a:spcPts val="400"/>
+                <a:spcPts val="479"/>
               </a:spcBef>
-              <a:buSzPct val="100051"/>
-              <a:buBlip>
-                <a:blip r:embed="rId7"/>
-              </a:buBlip>
-            </a:pPr>
-            <a:r>
-              <a:rPr lang="es-MX" sz="1600" b="0" i="1" strike="noStrike" spc="-1" dirty="0">
+              <a:buClr>
+                <a:srgbClr val="000000"/>
+              </a:buClr>
+              <a:buSzPct val="45000"/>
+              <a:buFont typeface="Courier New" panose="02070309020205020404" pitchFamily="49" charset="0"/>
+              <a:buChar char="o"/>
+            </a:pPr>
+            <a:r>
+              <a:rPr lang="es-MX" sz="2400" b="0" strike="noStrike" spc="-1" dirty="0">
                 <a:solidFill>
                   <a:srgbClr val="000000"/>
                 </a:solidFill>
                 <a:latin typeface="Times New Roman"/>
                 <a:ea typeface="DejaVu Sans"/>
               </a:rPr>
-              <a:t>Técnicamente fue un reto implementarlo.</a:t>
-            </a:r>
-            <a:endParaRPr lang="es-MX" sz="1600" b="0" strike="noStrike" spc="-1" dirty="0">
+              <a:t>Hacer modelos más grandes y con más historia.</a:t>
+            </a:r>
+            <a:endParaRPr lang="es-MX" sz="2400" b="0" strike="noStrike" spc="-1" dirty="0">
+              <a:latin typeface="Arial"/>
+            </a:endParaRPr>
+          </a:p>
+          <a:p>
+            <a:pPr marL="559620" lvl="1" indent="-342900">
+              <a:lnSpc>
+                <a:spcPct val="100000"/>
+              </a:lnSpc>
+              <a:spcBef>
+                <a:spcPts val="479"/>
+              </a:spcBef>
+              <a:buClr>
+                <a:srgbClr val="000000"/>
+              </a:buClr>
+              <a:buSzPct val="45000"/>
+              <a:buFont typeface="Courier New" panose="02070309020205020404" pitchFamily="49" charset="0"/>
+              <a:buChar char="o"/>
+            </a:pPr>
+            <a:r>
+              <a:rPr lang="es-MX" sz="2400" b="0" strike="noStrike" spc="-1" dirty="0">
+                <a:solidFill>
+                  <a:srgbClr val="000000"/>
+                </a:solidFill>
+                <a:latin typeface="Times New Roman"/>
+                <a:ea typeface="DejaVu Sans"/>
+              </a:rPr>
+              <a:t>Buscar cómo mejorar el desempeño con </a:t>
+            </a:r>
+            <a:r>
+              <a:rPr lang="es-MX" sz="2400" b="0" i="1" strike="noStrike" spc="-1" dirty="0" err="1">
+                <a:solidFill>
+                  <a:srgbClr val="000000"/>
+                </a:solidFill>
+                <a:latin typeface="Times New Roman"/>
+                <a:ea typeface="DejaVu Sans"/>
+              </a:rPr>
+              <a:t>hyper</a:t>
+            </a:r>
+            <a:r>
+              <a:rPr lang="es-MX" sz="2400" b="0" i="1" strike="noStrike" spc="-1" dirty="0">
+                <a:solidFill>
+                  <a:srgbClr val="000000"/>
+                </a:solidFill>
+                <a:latin typeface="Times New Roman"/>
+                <a:ea typeface="DejaVu Sans"/>
+              </a:rPr>
+              <a:t> </a:t>
+            </a:r>
+            <a:r>
+              <a:rPr lang="es-MX" sz="2400" b="0" i="1" strike="noStrike" spc="-1" dirty="0" err="1">
+                <a:solidFill>
+                  <a:srgbClr val="000000"/>
+                </a:solidFill>
+                <a:latin typeface="Times New Roman"/>
+                <a:ea typeface="DejaVu Sans"/>
+              </a:rPr>
+              <a:t>parameter</a:t>
+            </a:r>
+            <a:r>
+              <a:rPr lang="es-MX" sz="2400" b="0" i="1" strike="noStrike" spc="-1" dirty="0">
+                <a:solidFill>
+                  <a:srgbClr val="000000"/>
+                </a:solidFill>
+                <a:latin typeface="Times New Roman"/>
+                <a:ea typeface="DejaVu Sans"/>
+              </a:rPr>
+              <a:t> </a:t>
+            </a:r>
+            <a:r>
+              <a:rPr lang="es-MX" sz="2400" b="0" i="1" strike="noStrike" spc="-1" dirty="0" err="1">
+                <a:solidFill>
+                  <a:srgbClr val="000000"/>
+                </a:solidFill>
+                <a:latin typeface="Times New Roman"/>
+                <a:ea typeface="DejaVu Sans"/>
+              </a:rPr>
+              <a:t>tuning</a:t>
+            </a:r>
+            <a:r>
+              <a:rPr lang="es-MX" sz="2400" b="0" i="1" strike="noStrike" spc="-1" dirty="0">
+                <a:solidFill>
+                  <a:srgbClr val="000000"/>
+                </a:solidFill>
+                <a:latin typeface="Times New Roman"/>
+                <a:ea typeface="DejaVu Sans"/>
+              </a:rPr>
+              <a:t> </a:t>
+            </a:r>
+            <a:r>
+              <a:rPr lang="es-MX" sz="2400" b="0" strike="noStrike" spc="-1" dirty="0">
+                <a:solidFill>
+                  <a:srgbClr val="000000"/>
+                </a:solidFill>
+                <a:latin typeface="Times New Roman"/>
+                <a:ea typeface="DejaVu Sans"/>
+              </a:rPr>
+              <a:t>y la arquitectura de la red.</a:t>
+            </a:r>
+          </a:p>
+          <a:p>
+            <a:pPr marL="559620" lvl="1" indent="-342900">
+              <a:lnSpc>
+                <a:spcPct val="100000"/>
+              </a:lnSpc>
+              <a:spcBef>
+                <a:spcPts val="479"/>
+              </a:spcBef>
+              <a:buClr>
+                <a:srgbClr val="000000"/>
+              </a:buClr>
+              <a:buSzPct val="45000"/>
+              <a:buFont typeface="Courier New" panose="02070309020205020404" pitchFamily="49" charset="0"/>
+              <a:buChar char="o"/>
+            </a:pPr>
+            <a:r>
+              <a:rPr lang="es-MX" sz="2400" spc="-1" dirty="0">
+                <a:solidFill>
+                  <a:srgbClr val="000000"/>
+                </a:solidFill>
+                <a:latin typeface="Times New Roman"/>
+              </a:rPr>
+              <a:t>Modificar la forma de tratamiento de las series de tiempo.</a:t>
+            </a:r>
+            <a:endParaRPr lang="es-MX" sz="2400" b="0" strike="noStrike" spc="-1" dirty="0">
               <a:latin typeface="Arial"/>
             </a:endParaRPr>
           </a:p>
         </p:txBody>
       </p:sp>
-      <p:pic>
-        <p:nvPicPr>
-          <p:cNvPr id="178" name="Imagen 177"/>
-          <p:cNvPicPr/>
-          <p:nvPr/>
-        </p:nvPicPr>
-        <p:blipFill>
-          <a:blip r:embed="rId8">
-            <a:extLst>
-              <a:ext uri="{28A0092B-C50C-407E-A947-70E740481C1C}">
-                <a14:useLocalDpi xmlns:a14="http://schemas.microsoft.com/office/drawing/2010/main" val="0"/>
-              </a:ext>
-            </a:extLst>
-          </a:blip>
-          <a:stretch>
-            <a:fillRect/>
-          </a:stretch>
-        </p:blipFill>
-        <p:spPr>
-          <a:xfrm>
-            <a:off x="5702982" y="2880000"/>
-            <a:ext cx="3255036" cy="1403640"/>
-          </a:xfrm>
-          <a:prstGeom prst="rect">
-            <a:avLst/>
-          </a:prstGeom>
-          <a:ln>
-            <a:noFill/>
-          </a:ln>
-        </p:spPr>
-      </p:pic>
     </p:spTree>
   </p:cSld>
   <p:clrMapOvr>
@@ -9752,7 +9986,7 @@
       </p:grpSpPr>
       <p:sp>
         <p:nvSpPr>
-          <p:cNvPr id="179" name="CustomShape 1"/>
+          <p:cNvPr id="190" name="CustomShape 1"/>
           <p:cNvSpPr/>
           <p:nvPr/>
         </p:nvSpPr>
@@ -9800,7 +10034,7 @@
                 <a:latin typeface="Times New Roman"/>
                 <a:ea typeface="DejaVu Sans"/>
               </a:rPr>
-              <a:t>Resultados</a:t>
+              <a:t>Conclusiones: Aprendizajes</a:t>
             </a:r>
             <a:endParaRPr lang="es-MX" sz="3600" b="0" strike="noStrike" spc="-1">
               <a:latin typeface="Arial"/>
@@ -9810,7 +10044,7 @@
       </p:sp>
       <p:sp>
         <p:nvSpPr>
-          <p:cNvPr id="180" name="CustomShape 2"/>
+          <p:cNvPr id="191" name="CustomShape 2"/>
           <p:cNvSpPr/>
           <p:nvPr/>
         </p:nvSpPr>
@@ -9850,7 +10084,7 @@
                 <a:spcPct val="100000"/>
               </a:lnSpc>
             </a:pPr>
-            <a:fld id="{7CA4966B-89D7-483B-A4DA-2A7FCE00D38A}" type="slidenum">
+            <a:fld id="{DFBD65DB-2C47-4452-B824-6E67A8B5C4A6}" type="slidenum">
               <a:rPr lang="es-MX" sz="1200" b="0" strike="noStrike" spc="-1">
                 <a:solidFill>
                   <a:srgbClr val="FFFFFF"/>
@@ -9868,7 +10102,7 @@
       </p:sp>
       <p:sp>
         <p:nvSpPr>
-          <p:cNvPr id="181" name="CustomShape 3"/>
+          <p:cNvPr id="192" name="CustomShape 3"/>
           <p:cNvSpPr/>
           <p:nvPr/>
         </p:nvSpPr>
@@ -9926,7 +10160,7 @@
       </p:sp>
       <p:sp>
         <p:nvSpPr>
-          <p:cNvPr id="182" name="CustomShape 4"/>
+          <p:cNvPr id="193" name="CustomShape 4"/>
           <p:cNvSpPr/>
           <p:nvPr/>
         </p:nvSpPr>
@@ -10074,7 +10308,7 @@
             <a:r>
               <a:rPr lang="es-MX" sz="800" b="1" u="sng" strike="noStrike" spc="-1">
                 <a:solidFill>
-                  <a:srgbClr val="FFFFFF"/>
+                  <a:srgbClr val="808080"/>
                 </a:solidFill>
                 <a:uFill>
                   <a:solidFill>
@@ -10097,9 +10331,9 @@
               </a:lnSpc>
             </a:pPr>
             <a:r>
-              <a:rPr lang="es-MX" sz="800" b="0" u="sng" strike="noStrike" spc="-1">
-                <a:solidFill>
-                  <a:srgbClr val="808080"/>
+              <a:rPr lang="es-MX" sz="800" b="1" u="sng" strike="noStrike" spc="-1">
+                <a:solidFill>
+                  <a:srgbClr val="FFFFFF"/>
                 </a:solidFill>
                 <a:uFill>
                   <a:solidFill>
@@ -10127,68 +10361,397 @@
           </a:p>
         </p:txBody>
       </p:sp>
-      <p:pic>
-        <p:nvPicPr>
-          <p:cNvPr id="183" name="Imagen 182"/>
-          <p:cNvPicPr/>
+      <p:sp>
+        <p:nvSpPr>
+          <p:cNvPr id="194" name="CustomShape 5"/>
+          <p:cNvSpPr/>
           <p:nvPr/>
-        </p:nvPicPr>
-        <p:blipFill>
-          <a:blip r:embed="rId2">
-            <a:extLst>
-              <a:ext uri="{28A0092B-C50C-407E-A947-70E740481C1C}">
-                <a14:useLocalDpi xmlns:a14="http://schemas.microsoft.com/office/drawing/2010/main" val="0"/>
-              </a:ext>
-            </a:extLst>
-          </a:blip>
-          <a:stretch>
-            <a:fillRect/>
-          </a:stretch>
-        </p:blipFill>
-        <p:spPr>
-          <a:xfrm>
-            <a:off x="253440" y="2060445"/>
-            <a:ext cx="4137840" cy="3967589"/>
-          </a:xfrm>
-          <a:prstGeom prst="rect">
-            <a:avLst/>
-          </a:prstGeom>
-          <a:ln>
+        </p:nvSpPr>
+        <p:spPr>
+          <a:xfrm>
+            <a:off x="251640" y="1730160"/>
+            <a:ext cx="8441280" cy="4554360"/>
+          </a:xfrm>
+          <a:prstGeom prst="rect">
+            <a:avLst/>
+          </a:prstGeom>
+          <a:noFill/>
+          <a:ln w="9360">
             <a:noFill/>
           </a:ln>
         </p:spPr>
-      </p:pic>
-      <p:pic>
-        <p:nvPicPr>
-          <p:cNvPr id="184" name="Imagen 183"/>
-          <p:cNvPicPr/>
-          <p:nvPr/>
-        </p:nvPicPr>
-        <p:blipFill>
-          <a:blip r:embed="rId3">
-            <a:extLst>
-              <a:ext uri="{28A0092B-C50C-407E-A947-70E740481C1C}">
-                <a14:useLocalDpi xmlns:a14="http://schemas.microsoft.com/office/drawing/2010/main" val="0"/>
-              </a:ext>
-            </a:extLst>
-          </a:blip>
-          <a:stretch>
-            <a:fillRect/>
-          </a:stretch>
-        </p:blipFill>
-        <p:spPr>
-          <a:xfrm>
-            <a:off x="4752000" y="2060827"/>
-            <a:ext cx="4247280" cy="4015065"/>
-          </a:xfrm>
-          <a:prstGeom prst="rect">
-            <a:avLst/>
-          </a:prstGeom>
-          <a:ln>
-            <a:noFill/>
-          </a:ln>
-        </p:spPr>
-      </p:pic>
+        <p:style>
+          <a:lnRef idx="0">
+            <a:scrgbClr r="0" g="0" b="0"/>
+          </a:lnRef>
+          <a:fillRef idx="0">
+            <a:scrgbClr r="0" g="0" b="0"/>
+          </a:fillRef>
+          <a:effectRef idx="0">
+            <a:scrgbClr r="0" g="0" b="0"/>
+          </a:effectRef>
+          <a:fontRef idx="minor"/>
+        </p:style>
+        <p:txBody>
+          <a:bodyPr lIns="90000" tIns="45000" rIns="90000" bIns="45000">
+            <a:noAutofit/>
+          </a:bodyPr>
+          <a:lstStyle/>
+          <a:p>
+            <a:pPr marL="216000" indent="-215280">
+              <a:lnSpc>
+                <a:spcPct val="100000"/>
+              </a:lnSpc>
+              <a:spcBef>
+                <a:spcPts val="479"/>
+              </a:spcBef>
+              <a:buClr>
+                <a:srgbClr val="000000"/>
+              </a:buClr>
+              <a:buFont typeface="Wingdings" charset="2"/>
+              <a:buChar char=""/>
+            </a:pPr>
+            <a:r>
+              <a:rPr lang="es-MX" sz="2200" b="0" strike="noStrike" spc="-1" dirty="0">
+                <a:solidFill>
+                  <a:srgbClr val="000000"/>
+                </a:solidFill>
+                <a:latin typeface="Times New Roman"/>
+                <a:ea typeface="DejaVu Sans"/>
+              </a:rPr>
+              <a:t>Cumplir con los principios científicos: reproducibilidad y repetibilidad.</a:t>
+            </a:r>
+            <a:endParaRPr lang="es-MX" sz="2200" b="0" strike="noStrike" spc="-1" dirty="0">
+              <a:latin typeface="Arial"/>
+            </a:endParaRPr>
+          </a:p>
+          <a:p>
+            <a:pPr marL="216000" indent="-215280">
+              <a:lnSpc>
+                <a:spcPct val="100000"/>
+              </a:lnSpc>
+              <a:spcBef>
+                <a:spcPts val="479"/>
+              </a:spcBef>
+              <a:buClr>
+                <a:srgbClr val="000000"/>
+              </a:buClr>
+              <a:buFont typeface="Wingdings" charset="2"/>
+              <a:buChar char=""/>
+            </a:pPr>
+            <a:r>
+              <a:rPr lang="es-MX" sz="2200" b="0" strike="noStrike" spc="-1" dirty="0">
+                <a:solidFill>
+                  <a:srgbClr val="000000"/>
+                </a:solidFill>
+                <a:latin typeface="Times New Roman"/>
+                <a:ea typeface="DejaVu Sans"/>
+              </a:rPr>
+              <a:t>Nunca se debe subestimar la inversión de tiempo necesaria para limpiar, explorar, imputar, </a:t>
+            </a:r>
+            <a:r>
+              <a:rPr lang="es-MX" sz="2200" spc="-1" dirty="0">
+                <a:solidFill>
+                  <a:srgbClr val="000000"/>
+                </a:solidFill>
+                <a:latin typeface="Times New Roman"/>
+                <a:ea typeface="DejaVu Sans"/>
+              </a:rPr>
+              <a:t>“</a:t>
+            </a:r>
+            <a:r>
+              <a:rPr lang="es-MX" sz="2200" b="0" strike="noStrike" spc="-1" dirty="0">
+                <a:solidFill>
+                  <a:srgbClr val="000000"/>
+                </a:solidFill>
+                <a:latin typeface="Times New Roman"/>
+                <a:ea typeface="DejaVu Sans"/>
+              </a:rPr>
+              <a:t>corregir” y conocer los datos. </a:t>
+            </a:r>
+          </a:p>
+          <a:p>
+            <a:pPr marL="216000" indent="-215280">
+              <a:lnSpc>
+                <a:spcPct val="100000"/>
+              </a:lnSpc>
+              <a:spcBef>
+                <a:spcPts val="479"/>
+              </a:spcBef>
+              <a:buClr>
+                <a:srgbClr val="000000"/>
+              </a:buClr>
+              <a:buFont typeface="Wingdings" charset="2"/>
+              <a:buChar char=""/>
+            </a:pPr>
+            <a:r>
+              <a:rPr lang="es-MX" sz="2200" b="0" strike="noStrike" spc="-1" dirty="0">
+                <a:solidFill>
+                  <a:srgbClr val="000000"/>
+                </a:solidFill>
+                <a:latin typeface="Times New Roman"/>
+                <a:ea typeface="DejaVu Sans"/>
+              </a:rPr>
+              <a:t>¡Mejorar el desempeño es difícil!</a:t>
+            </a:r>
+            <a:endParaRPr lang="es-MX" sz="2200" b="0" strike="noStrike" spc="-1" dirty="0">
+              <a:latin typeface="Arial"/>
+            </a:endParaRPr>
+          </a:p>
+          <a:p>
+            <a:pPr marL="216000" indent="-215280">
+              <a:lnSpc>
+                <a:spcPct val="100000"/>
+              </a:lnSpc>
+              <a:spcBef>
+                <a:spcPts val="479"/>
+              </a:spcBef>
+              <a:buClr>
+                <a:srgbClr val="000000"/>
+              </a:buClr>
+              <a:buFont typeface="Wingdings" charset="2"/>
+              <a:buChar char=""/>
+            </a:pPr>
+            <a:r>
+              <a:rPr lang="es-MX" sz="2200" b="0" strike="noStrike" spc="-1" dirty="0">
+                <a:solidFill>
+                  <a:srgbClr val="000000"/>
+                </a:solidFill>
+                <a:latin typeface="Times New Roman"/>
+                <a:ea typeface="DejaVu Sans"/>
+              </a:rPr>
+              <a:t> No se debe confiar en la disponibilidad de datos externos.</a:t>
+            </a:r>
+            <a:endParaRPr lang="es-MX" sz="2200" b="0" strike="noStrike" spc="-1" dirty="0">
+              <a:latin typeface="Arial"/>
+            </a:endParaRPr>
+          </a:p>
+          <a:p>
+            <a:pPr marL="216000" indent="-215280">
+              <a:lnSpc>
+                <a:spcPct val="100000"/>
+              </a:lnSpc>
+              <a:spcBef>
+                <a:spcPts val="479"/>
+              </a:spcBef>
+              <a:buClr>
+                <a:srgbClr val="000000"/>
+              </a:buClr>
+              <a:buFont typeface="Wingdings" charset="2"/>
+              <a:buChar char=""/>
+            </a:pPr>
+            <a:r>
+              <a:rPr lang="es-MX" sz="2200" b="0" strike="noStrike" spc="-1" dirty="0">
+                <a:solidFill>
+                  <a:srgbClr val="000000"/>
+                </a:solidFill>
+                <a:latin typeface="Times New Roman"/>
+                <a:ea typeface="DejaVu Sans"/>
+              </a:rPr>
+              <a:t>Hay muchísimos recursos en Internet: buenos y malos.</a:t>
+            </a:r>
+            <a:endParaRPr lang="es-MX" sz="2200" b="0" strike="noStrike" spc="-1" dirty="0">
+              <a:latin typeface="Arial"/>
+            </a:endParaRPr>
+          </a:p>
+          <a:p>
+            <a:pPr marL="216000" indent="-215280">
+              <a:lnSpc>
+                <a:spcPct val="100000"/>
+              </a:lnSpc>
+              <a:spcBef>
+                <a:spcPts val="479"/>
+              </a:spcBef>
+              <a:buClr>
+                <a:srgbClr val="000000"/>
+              </a:buClr>
+              <a:buFont typeface="Wingdings" charset="2"/>
+              <a:buChar char=""/>
+            </a:pPr>
+            <a:r>
+              <a:rPr lang="es-MX" sz="2200" b="0" strike="noStrike" spc="-1" dirty="0">
+                <a:solidFill>
+                  <a:srgbClr val="000000"/>
+                </a:solidFill>
+                <a:latin typeface="Times New Roman"/>
+                <a:ea typeface="DejaVu Sans"/>
+              </a:rPr>
+              <a:t>Las </a:t>
+            </a:r>
+            <a:r>
+              <a:rPr lang="es-MX" sz="2200" b="0" strike="noStrike" spc="-1" dirty="0" err="1">
+                <a:solidFill>
+                  <a:srgbClr val="000000"/>
+                </a:solidFill>
+                <a:latin typeface="Times New Roman"/>
+                <a:ea typeface="DejaVu Sans"/>
+              </a:rPr>
+              <a:t>APIs</a:t>
+            </a:r>
+            <a:r>
+              <a:rPr lang="es-MX" sz="2200" b="0" strike="noStrike" spc="-1" dirty="0">
+                <a:solidFill>
+                  <a:srgbClr val="000000"/>
+                </a:solidFill>
+                <a:latin typeface="Times New Roman"/>
+                <a:ea typeface="DejaVu Sans"/>
+              </a:rPr>
+              <a:t> cambian: No tener miedo a aprender continuamente.</a:t>
+            </a:r>
+            <a:endParaRPr lang="es-MX" sz="2200" b="0" strike="noStrike" spc="-1" dirty="0">
+              <a:latin typeface="Arial"/>
+            </a:endParaRPr>
+          </a:p>
+          <a:p>
+            <a:pPr marL="216000" indent="-215280">
+              <a:lnSpc>
+                <a:spcPct val="100000"/>
+              </a:lnSpc>
+              <a:spcBef>
+                <a:spcPts val="479"/>
+              </a:spcBef>
+              <a:buClr>
+                <a:srgbClr val="000000"/>
+              </a:buClr>
+              <a:buFont typeface="Wingdings" charset="2"/>
+              <a:buChar char=""/>
+            </a:pPr>
+            <a:r>
+              <a:rPr lang="es-MX" sz="2200" b="0" strike="noStrike" spc="-1" dirty="0">
+                <a:solidFill>
+                  <a:srgbClr val="000000"/>
+                </a:solidFill>
+                <a:latin typeface="Times New Roman"/>
+                <a:ea typeface="DejaVu Sans"/>
+              </a:rPr>
+              <a:t>Nos resultó muy útil tener un modelo </a:t>
+            </a:r>
+            <a:r>
+              <a:rPr lang="es-MX" sz="2200" b="0" i="1" strike="noStrike" spc="-1" dirty="0" err="1">
+                <a:solidFill>
+                  <a:srgbClr val="000000"/>
+                </a:solidFill>
+                <a:latin typeface="Times New Roman"/>
+                <a:ea typeface="DejaVu Sans"/>
+              </a:rPr>
+              <a:t>baseline</a:t>
+            </a:r>
+            <a:r>
+              <a:rPr lang="es-MX" sz="2200" b="0" strike="noStrike" spc="-1" dirty="0">
+                <a:solidFill>
+                  <a:srgbClr val="000000"/>
+                </a:solidFill>
+                <a:latin typeface="Times New Roman"/>
+                <a:ea typeface="DejaVu Sans"/>
+              </a:rPr>
+              <a:t>: nuestra H</a:t>
+            </a:r>
+            <a:r>
+              <a:rPr lang="es-MX" sz="2200" b="0" strike="noStrike" spc="-1" baseline="-33000" dirty="0">
+                <a:solidFill>
+                  <a:srgbClr val="000000"/>
+                </a:solidFill>
+                <a:latin typeface="Times New Roman"/>
+                <a:ea typeface="DejaVu Sans"/>
+              </a:rPr>
+              <a:t>0</a:t>
+            </a:r>
+            <a:endParaRPr lang="es-MX" sz="2200" b="0" strike="noStrike" spc="-1" dirty="0">
+              <a:latin typeface="Arial"/>
+            </a:endParaRPr>
+          </a:p>
+          <a:p>
+            <a:pPr marL="216000" indent="-215280">
+              <a:lnSpc>
+                <a:spcPct val="100000"/>
+              </a:lnSpc>
+              <a:spcBef>
+                <a:spcPts val="479"/>
+              </a:spcBef>
+              <a:buClr>
+                <a:srgbClr val="000000"/>
+              </a:buClr>
+              <a:buFont typeface="Wingdings" charset="2"/>
+              <a:buChar char=""/>
+            </a:pPr>
+            <a:r>
+              <a:rPr lang="es-MX" sz="2200" b="0" strike="noStrike" spc="-1" dirty="0">
+                <a:solidFill>
+                  <a:srgbClr val="000000"/>
+                </a:solidFill>
+                <a:latin typeface="Times New Roman"/>
+                <a:ea typeface="DejaVu Sans"/>
+              </a:rPr>
+              <a:t>Tener cuidado con los detalles.</a:t>
+            </a:r>
+            <a:endParaRPr lang="es-MX" sz="2200" b="0" strike="noStrike" spc="-1" dirty="0">
+              <a:latin typeface="Arial"/>
+            </a:endParaRPr>
+          </a:p>
+          <a:p>
+            <a:pPr marL="216000" indent="-215280">
+              <a:lnSpc>
+                <a:spcPct val="100000"/>
+              </a:lnSpc>
+              <a:spcBef>
+                <a:spcPts val="479"/>
+              </a:spcBef>
+              <a:buClr>
+                <a:srgbClr val="000000"/>
+              </a:buClr>
+              <a:buFont typeface="Wingdings" charset="2"/>
+              <a:buChar char=""/>
+            </a:pPr>
+            <a:r>
+              <a:rPr lang="es-MX" sz="2200" b="0" strike="noStrike" spc="-1" dirty="0">
+                <a:solidFill>
+                  <a:srgbClr val="000000"/>
+                </a:solidFill>
+                <a:latin typeface="Times New Roman"/>
+                <a:ea typeface="DejaVu Sans"/>
+              </a:rPr>
+              <a:t>“Des-escalar” los datos nos dio una idea más clara del desempeño.</a:t>
+            </a:r>
+          </a:p>
+          <a:p>
+            <a:pPr marL="216000" indent="-215280">
+              <a:lnSpc>
+                <a:spcPct val="100000"/>
+              </a:lnSpc>
+              <a:spcBef>
+                <a:spcPts val="479"/>
+              </a:spcBef>
+              <a:buClr>
+                <a:srgbClr val="000000"/>
+              </a:buClr>
+              <a:buFont typeface="Wingdings" charset="2"/>
+              <a:buChar char=""/>
+            </a:pPr>
+            <a:r>
+              <a:rPr lang="es-MX" sz="2200" b="0" strike="noStrike" spc="-1" dirty="0">
+                <a:solidFill>
+                  <a:srgbClr val="000000"/>
+                </a:solidFill>
+                <a:latin typeface="Times New Roman"/>
+              </a:rPr>
+              <a:t>Es efectivo ir construyendo de modelos simples </a:t>
+            </a:r>
+            <a:r>
+              <a:rPr lang="es-MX" sz="2200" b="0" strike="noStrike" spc="-1" dirty="0">
+                <a:solidFill>
+                  <a:srgbClr val="000000"/>
+                </a:solidFill>
+                <a:latin typeface="Times New Roman"/>
+                <a:sym typeface="Wingdings" panose="05000000000000000000" pitchFamily="2" charset="2"/>
+              </a:rPr>
+              <a:t> modelos más elaborados. También probar, probar, probar.</a:t>
+            </a:r>
+            <a:endParaRPr lang="es-MX" sz="2200" b="0" strike="noStrike" spc="-1" dirty="0">
+              <a:latin typeface="Arial"/>
+            </a:endParaRPr>
+          </a:p>
+        </p:txBody>
+      </p:sp>
     </p:spTree>
   </p:cSld>
   <p:clrMapOvr>
@@ -10216,7 +10779,7 @@
       </p:grpSpPr>
       <p:sp>
         <p:nvSpPr>
-          <p:cNvPr id="185" name="CustomShape 1"/>
+          <p:cNvPr id="195" name="CustomShape 1"/>
           <p:cNvSpPr/>
           <p:nvPr/>
         </p:nvSpPr>
@@ -10264,7 +10827,7 @@
                 <a:latin typeface="Times New Roman"/>
                 <a:ea typeface="DejaVu Sans"/>
               </a:rPr>
-              <a:t>Conclusiones: Logros y Siguientes Pasos</a:t>
+              <a:t>¡Gracias!</a:t>
             </a:r>
             <a:endParaRPr lang="es-MX" sz="3600" b="0" strike="noStrike" spc="-1">
               <a:latin typeface="Arial"/>
@@ -10274,7 +10837,7 @@
       </p:sp>
       <p:sp>
         <p:nvSpPr>
-          <p:cNvPr id="186" name="CustomShape 2"/>
+          <p:cNvPr id="196" name="CustomShape 2"/>
           <p:cNvSpPr/>
           <p:nvPr/>
         </p:nvSpPr>
@@ -10314,1555 +10877,6 @@
                 <a:spcPct val="100000"/>
               </a:lnSpc>
             </a:pPr>
-            <a:fld id="{5CBE8638-9756-473A-8542-EC1D0EA4E49E}" type="slidenum">
-              <a:rPr lang="es-MX" sz="1200" b="0" strike="noStrike" spc="-1">
-                <a:solidFill>
-                  <a:srgbClr val="FFFFFF"/>
-                </a:solidFill>
-                <a:latin typeface="Calibri"/>
-                <a:ea typeface="DejaVu Sans"/>
-              </a:rPr>
-              <a:t>17</a:t>
-            </a:fld>
-            <a:endParaRPr lang="es-MX" sz="1200" b="0" strike="noStrike" spc="-1">
-              <a:latin typeface="Arial"/>
-            </a:endParaRPr>
-          </a:p>
-        </p:txBody>
-      </p:sp>
-      <p:sp>
-        <p:nvSpPr>
-          <p:cNvPr id="187" name="CustomShape 3"/>
-          <p:cNvSpPr/>
-          <p:nvPr/>
-        </p:nvSpPr>
-        <p:spPr>
-          <a:xfrm>
-            <a:off x="4572000" y="6492960"/>
-            <a:ext cx="3426480" cy="362520"/>
-          </a:xfrm>
-          <a:prstGeom prst="rect">
-            <a:avLst/>
-          </a:prstGeom>
-          <a:noFill/>
-          <a:ln>
-            <a:noFill/>
-          </a:ln>
-        </p:spPr>
-        <p:style>
-          <a:lnRef idx="0">
-            <a:scrgbClr r="0" g="0" b="0"/>
-          </a:lnRef>
-          <a:fillRef idx="0">
-            <a:scrgbClr r="0" g="0" b="0"/>
-          </a:fillRef>
-          <a:effectRef idx="0">
-            <a:scrgbClr r="0" g="0" b="0"/>
-          </a:effectRef>
-          <a:fontRef idx="minor"/>
-        </p:style>
-        <p:txBody>
-          <a:bodyPr lIns="90000" tIns="45000" rIns="90000" bIns="45000" anchor="ctr">
-            <a:noAutofit/>
-          </a:bodyPr>
-          <a:lstStyle/>
-          <a:p>
-            <a:pPr>
-              <a:lnSpc>
-                <a:spcPct val="100000"/>
-              </a:lnSpc>
-            </a:pPr>
-            <a:r>
-              <a:rPr lang="es-MX" sz="1200" b="0" strike="noStrike" spc="-1">
-                <a:solidFill>
-                  <a:srgbClr val="FFFFFF"/>
-                </a:solidFill>
-                <a:latin typeface="Calibri"/>
-                <a:ea typeface="DejaVu Sans"/>
-              </a:rPr>
-              <a:t>Calidad del aire</a:t>
-            </a:r>
-            <a:endParaRPr lang="es-MX" sz="1200" b="0" strike="noStrike" spc="-1">
-              <a:latin typeface="Arial"/>
-            </a:endParaRPr>
-          </a:p>
-        </p:txBody>
-      </p:sp>
-      <p:sp>
-        <p:nvSpPr>
-          <p:cNvPr id="188" name="CustomShape 4"/>
-          <p:cNvSpPr/>
-          <p:nvPr/>
-        </p:nvSpPr>
-        <p:spPr>
-          <a:xfrm>
-            <a:off x="2123640" y="-18720"/>
-            <a:ext cx="2445840" cy="941400"/>
-          </a:xfrm>
-          <a:prstGeom prst="rect">
-            <a:avLst/>
-          </a:prstGeom>
-          <a:noFill/>
-          <a:ln>
-            <a:noFill/>
-          </a:ln>
-        </p:spPr>
-        <p:style>
-          <a:lnRef idx="0">
-            <a:scrgbClr r="0" g="0" b="0"/>
-          </a:lnRef>
-          <a:fillRef idx="0">
-            <a:scrgbClr r="0" g="0" b="0"/>
-          </a:fillRef>
-          <a:effectRef idx="0">
-            <a:scrgbClr r="0" g="0" b="0"/>
-          </a:effectRef>
-          <a:fontRef idx="minor"/>
-        </p:style>
-        <p:txBody>
-          <a:bodyPr lIns="90000" tIns="45000" rIns="90000" bIns="45000">
-            <a:spAutoFit/>
-          </a:bodyPr>
-          <a:lstStyle/>
-          <a:p>
-            <a:pPr algn="r">
-              <a:lnSpc>
-                <a:spcPct val="100000"/>
-              </a:lnSpc>
-            </a:pPr>
-            <a:r>
-              <a:rPr lang="es-MX" sz="800" b="0" strike="noStrike" spc="-1">
-                <a:solidFill>
-                  <a:srgbClr val="808080"/>
-                </a:solidFill>
-                <a:latin typeface="Times New Roman"/>
-                <a:ea typeface="DejaVu Sans"/>
-              </a:rPr>
-              <a:t>                                               </a:t>
-            </a:r>
-            <a:r>
-              <a:rPr lang="es-MX" sz="800" b="1" strike="noStrike" spc="-1">
-                <a:solidFill>
-                  <a:srgbClr val="808080"/>
-                </a:solidFill>
-                <a:latin typeface="Times New Roman"/>
-                <a:ea typeface="DejaVu Sans"/>
-              </a:rPr>
-              <a:t>Índice</a:t>
-            </a:r>
-            <a:endParaRPr lang="es-MX" sz="800" b="0" strike="noStrike" spc="-1">
-              <a:latin typeface="Arial"/>
-            </a:endParaRPr>
-          </a:p>
-          <a:p>
-            <a:pPr algn="r">
-              <a:lnSpc>
-                <a:spcPct val="100000"/>
-              </a:lnSpc>
-            </a:pPr>
-            <a:r>
-              <a:rPr lang="es-MX" sz="800" b="1" u="sng" strike="noStrike" spc="-1">
-                <a:solidFill>
-                  <a:srgbClr val="808080"/>
-                </a:solidFill>
-                <a:uFill>
-                  <a:solidFill>
-                    <a:srgbClr val="000000"/>
-                  </a:solidFill>
-                </a:uFill>
-                <a:latin typeface="Times New Roman"/>
-                <a:ea typeface="DejaVu Sans"/>
-              </a:rPr>
-              <a:t>Introducción </a:t>
-            </a:r>
-            <a:endParaRPr lang="es-MX" sz="800" b="0" strike="noStrike" spc="-1">
-              <a:latin typeface="Arial"/>
-            </a:endParaRPr>
-          </a:p>
-          <a:p>
-            <a:pPr algn="r">
-              <a:lnSpc>
-                <a:spcPct val="100000"/>
-              </a:lnSpc>
-            </a:pPr>
-            <a:r>
-              <a:rPr lang="es-MX" sz="800" b="1" u="sng" strike="noStrike" spc="-1">
-                <a:solidFill>
-                  <a:srgbClr val="808080"/>
-                </a:solidFill>
-                <a:uFill>
-                  <a:solidFill>
-                    <a:srgbClr val="000000"/>
-                  </a:solidFill>
-                </a:uFill>
-                <a:latin typeface="Times New Roman"/>
-                <a:ea typeface="DejaVu Sans"/>
-              </a:rPr>
-              <a:t>Trabajo relacionado</a:t>
-            </a:r>
-            <a:endParaRPr lang="es-MX" sz="800" b="0" strike="noStrike" spc="-1">
-              <a:latin typeface="Arial"/>
-            </a:endParaRPr>
-          </a:p>
-          <a:p>
-            <a:pPr algn="r">
-              <a:lnSpc>
-                <a:spcPct val="100000"/>
-              </a:lnSpc>
-            </a:pPr>
-            <a:r>
-              <a:rPr lang="es-MX" sz="800" b="1" u="sng" strike="noStrike" spc="-1">
-                <a:solidFill>
-                  <a:srgbClr val="808080"/>
-                </a:solidFill>
-                <a:uFill>
-                  <a:solidFill>
-                    <a:srgbClr val="000000"/>
-                  </a:solidFill>
-                </a:uFill>
-                <a:latin typeface="Times New Roman"/>
-                <a:ea typeface="DejaVu Sans"/>
-              </a:rPr>
-              <a:t>Solución</a:t>
-            </a:r>
-            <a:endParaRPr lang="es-MX" sz="800" b="0" strike="noStrike" spc="-1">
-              <a:latin typeface="Arial"/>
-            </a:endParaRPr>
-          </a:p>
-          <a:p>
-            <a:pPr algn="r">
-              <a:lnSpc>
-                <a:spcPct val="100000"/>
-              </a:lnSpc>
-            </a:pPr>
-            <a:r>
-              <a:rPr lang="es-MX" sz="800" b="1" u="sng" strike="noStrike" spc="-1">
-                <a:solidFill>
-                  <a:srgbClr val="808080"/>
-                </a:solidFill>
-                <a:uFill>
-                  <a:solidFill>
-                    <a:srgbClr val="000000"/>
-                  </a:solidFill>
-                </a:uFill>
-                <a:latin typeface="Times New Roman"/>
-                <a:ea typeface="DejaVu Sans"/>
-              </a:rPr>
-              <a:t>Resultado</a:t>
-            </a:r>
-            <a:endParaRPr lang="es-MX" sz="800" b="0" strike="noStrike" spc="-1">
-              <a:latin typeface="Arial"/>
-            </a:endParaRPr>
-          </a:p>
-          <a:p>
-            <a:pPr algn="r">
-              <a:lnSpc>
-                <a:spcPct val="100000"/>
-              </a:lnSpc>
-            </a:pPr>
-            <a:r>
-              <a:rPr lang="es-MX" sz="800" b="1" u="sng" strike="noStrike" spc="-1">
-                <a:solidFill>
-                  <a:srgbClr val="FFFFFF"/>
-                </a:solidFill>
-                <a:uFill>
-                  <a:solidFill>
-                    <a:srgbClr val="000000"/>
-                  </a:solidFill>
-                </a:uFill>
-                <a:latin typeface="Times New Roman"/>
-                <a:ea typeface="DejaVu Sans"/>
-              </a:rPr>
-              <a:t>Conclusión</a:t>
-            </a:r>
-            <a:endParaRPr lang="es-MX" sz="800" b="0" strike="noStrike" spc="-1">
-              <a:latin typeface="Arial"/>
-            </a:endParaRPr>
-          </a:p>
-          <a:p>
-            <a:pPr>
-              <a:lnSpc>
-                <a:spcPct val="100000"/>
-              </a:lnSpc>
-            </a:pPr>
-            <a:endParaRPr lang="es-MX" sz="800" b="0" strike="noStrike" spc="-1">
-              <a:latin typeface="Arial"/>
-            </a:endParaRPr>
-          </a:p>
-        </p:txBody>
-      </p:sp>
-      <p:sp>
-        <p:nvSpPr>
-          <p:cNvPr id="189" name="CustomShape 5"/>
-          <p:cNvSpPr/>
-          <p:nvPr/>
-        </p:nvSpPr>
-        <p:spPr>
-          <a:xfrm>
-            <a:off x="251640" y="1730160"/>
-            <a:ext cx="8441280" cy="4554360"/>
-          </a:xfrm>
-          <a:prstGeom prst="rect">
-            <a:avLst/>
-          </a:prstGeom>
-          <a:noFill/>
-          <a:ln w="9360">
-            <a:noFill/>
-          </a:ln>
-        </p:spPr>
-        <p:style>
-          <a:lnRef idx="0">
-            <a:scrgbClr r="0" g="0" b="0"/>
-          </a:lnRef>
-          <a:fillRef idx="0">
-            <a:scrgbClr r="0" g="0" b="0"/>
-          </a:fillRef>
-          <a:effectRef idx="0">
-            <a:scrgbClr r="0" g="0" b="0"/>
-          </a:effectRef>
-          <a:fontRef idx="minor"/>
-        </p:style>
-        <p:txBody>
-          <a:bodyPr lIns="90000" tIns="45000" rIns="90000" bIns="45000">
-            <a:noAutofit/>
-          </a:bodyPr>
-          <a:lstStyle/>
-          <a:p>
-            <a:pPr marL="216000" indent="-215280">
-              <a:lnSpc>
-                <a:spcPct val="100000"/>
-              </a:lnSpc>
-              <a:spcBef>
-                <a:spcPts val="479"/>
-              </a:spcBef>
-              <a:buClr>
-                <a:srgbClr val="000000"/>
-              </a:buClr>
-              <a:buFont typeface="Symbol"/>
-              <a:buChar char=""/>
-            </a:pPr>
-            <a:r>
-              <a:rPr lang="es-MX" sz="2400" b="0" strike="noStrike" spc="-1" dirty="0">
-                <a:solidFill>
-                  <a:srgbClr val="000000"/>
-                </a:solidFill>
-                <a:latin typeface="Times New Roman"/>
-                <a:ea typeface="DejaVu Sans"/>
-              </a:rPr>
-              <a:t>Logros:</a:t>
-            </a:r>
-            <a:endParaRPr lang="es-MX" sz="2400" b="0" strike="noStrike" spc="-1" dirty="0">
-              <a:latin typeface="Arial"/>
-            </a:endParaRPr>
-          </a:p>
-          <a:p>
-            <a:pPr marL="559620" lvl="1" indent="-342900">
-              <a:lnSpc>
-                <a:spcPct val="100000"/>
-              </a:lnSpc>
-              <a:spcBef>
-                <a:spcPts val="479"/>
-              </a:spcBef>
-              <a:buClr>
-                <a:srgbClr val="000000"/>
-              </a:buClr>
-              <a:buSzPct val="45000"/>
-              <a:buFont typeface="Courier New" panose="02070309020205020404" pitchFamily="49" charset="0"/>
-              <a:buChar char="o"/>
-            </a:pPr>
-            <a:r>
-              <a:rPr lang="es-MX" sz="2400" b="0" strike="noStrike" spc="-1" dirty="0">
-                <a:solidFill>
-                  <a:srgbClr val="000000"/>
-                </a:solidFill>
-                <a:latin typeface="Times New Roman"/>
-                <a:ea typeface="DejaVu Sans"/>
-              </a:rPr>
-              <a:t>Logramos poder predecir y es medible el desempeño modelo.</a:t>
-            </a:r>
-            <a:endParaRPr lang="es-MX" sz="2400" b="0" strike="noStrike" spc="-1" dirty="0">
-              <a:latin typeface="Arial"/>
-            </a:endParaRPr>
-          </a:p>
-          <a:p>
-            <a:pPr marL="559620" lvl="1" indent="-342900">
-              <a:lnSpc>
-                <a:spcPct val="100000"/>
-              </a:lnSpc>
-              <a:spcBef>
-                <a:spcPts val="479"/>
-              </a:spcBef>
-              <a:buClr>
-                <a:srgbClr val="000000"/>
-              </a:buClr>
-              <a:buSzPct val="45000"/>
-              <a:buFont typeface="Courier New" panose="02070309020205020404" pitchFamily="49" charset="0"/>
-              <a:buChar char="o"/>
-            </a:pPr>
-            <a:r>
-              <a:rPr lang="es-MX" sz="2400" b="0" strike="noStrike" spc="-1" dirty="0">
-                <a:solidFill>
-                  <a:srgbClr val="000000"/>
-                </a:solidFill>
-                <a:latin typeface="Times New Roman"/>
-                <a:ea typeface="DejaVu Sans"/>
-              </a:rPr>
-              <a:t>Logramos reducir el sobreajuste.</a:t>
-            </a:r>
-            <a:endParaRPr lang="es-MX" sz="2400" b="0" strike="noStrike" spc="-1" dirty="0">
-              <a:latin typeface="Arial"/>
-            </a:endParaRPr>
-          </a:p>
-          <a:p>
-            <a:pPr marL="559620" lvl="1" indent="-342900">
-              <a:lnSpc>
-                <a:spcPct val="100000"/>
-              </a:lnSpc>
-              <a:spcBef>
-                <a:spcPts val="479"/>
-              </a:spcBef>
-              <a:buClr>
-                <a:srgbClr val="000000"/>
-              </a:buClr>
-              <a:buSzPct val="45000"/>
-              <a:buFont typeface="Courier New" panose="02070309020205020404" pitchFamily="49" charset="0"/>
-              <a:buChar char="o"/>
-            </a:pPr>
-            <a:r>
-              <a:rPr lang="es-MX" sz="2400" b="0" strike="noStrike" spc="-1" dirty="0">
-                <a:solidFill>
-                  <a:srgbClr val="000000"/>
-                </a:solidFill>
-                <a:latin typeface="Times New Roman"/>
-                <a:ea typeface="DejaVu Sans"/>
-              </a:rPr>
-              <a:t>Logramos aprender sobre la realización de un proyecto </a:t>
-            </a:r>
-            <a:r>
-              <a:rPr lang="es-MX" sz="2400" b="0" i="1" strike="noStrike" spc="-1" dirty="0" err="1">
-                <a:solidFill>
-                  <a:srgbClr val="000000"/>
-                </a:solidFill>
-                <a:latin typeface="Times New Roman"/>
-                <a:ea typeface="DejaVu Sans"/>
-              </a:rPr>
-              <a:t>end-to-end</a:t>
-            </a:r>
-            <a:r>
-              <a:rPr lang="es-MX" sz="2400" spc="-1" dirty="0">
-                <a:solidFill>
-                  <a:srgbClr val="000000"/>
-                </a:solidFill>
-                <a:latin typeface="Times New Roman"/>
-                <a:ea typeface="DejaVu Sans"/>
-              </a:rPr>
-              <a:t>, sobre redes neuronales y las series de tiempo.</a:t>
-            </a:r>
-            <a:endParaRPr lang="es-MX" sz="2400" b="0" strike="noStrike" spc="-1" dirty="0">
-              <a:latin typeface="Arial"/>
-            </a:endParaRPr>
-          </a:p>
-          <a:p>
-            <a:pPr marL="216000" indent="-215280">
-              <a:lnSpc>
-                <a:spcPct val="100000"/>
-              </a:lnSpc>
-              <a:spcBef>
-                <a:spcPts val="479"/>
-              </a:spcBef>
-              <a:buClr>
-                <a:srgbClr val="000000"/>
-              </a:buClr>
-              <a:buFont typeface="Symbol"/>
-              <a:buChar char=""/>
-            </a:pPr>
-            <a:r>
-              <a:rPr lang="es-MX" sz="2400" b="0" strike="noStrike" spc="-1" dirty="0">
-                <a:solidFill>
-                  <a:srgbClr val="000000"/>
-                </a:solidFill>
-                <a:latin typeface="Times New Roman"/>
-                <a:ea typeface="DejaVu Sans"/>
-              </a:rPr>
-              <a:t>Siguientes Pasos:</a:t>
-            </a:r>
-            <a:endParaRPr lang="es-MX" sz="2400" b="0" strike="noStrike" spc="-1" dirty="0">
-              <a:latin typeface="Arial"/>
-            </a:endParaRPr>
-          </a:p>
-          <a:p>
-            <a:pPr marL="559620" lvl="1" indent="-342900">
-              <a:lnSpc>
-                <a:spcPct val="100000"/>
-              </a:lnSpc>
-              <a:spcBef>
-                <a:spcPts val="479"/>
-              </a:spcBef>
-              <a:buClr>
-                <a:srgbClr val="000000"/>
-              </a:buClr>
-              <a:buSzPct val="45000"/>
-              <a:buFont typeface="Courier New" panose="02070309020205020404" pitchFamily="49" charset="0"/>
-              <a:buChar char="o"/>
-            </a:pPr>
-            <a:r>
-              <a:rPr lang="es-MX" sz="2400" b="0" strike="noStrike" spc="-1" dirty="0">
-                <a:solidFill>
-                  <a:srgbClr val="000000"/>
-                </a:solidFill>
-                <a:latin typeface="Times New Roman"/>
-                <a:ea typeface="DejaVu Sans"/>
-              </a:rPr>
-              <a:t>Hacer modelos más grandes y con más historia.</a:t>
-            </a:r>
-            <a:endParaRPr lang="es-MX" sz="2400" b="0" strike="noStrike" spc="-1" dirty="0">
-              <a:latin typeface="Arial"/>
-            </a:endParaRPr>
-          </a:p>
-          <a:p>
-            <a:pPr marL="559620" lvl="1" indent="-342900">
-              <a:lnSpc>
-                <a:spcPct val="100000"/>
-              </a:lnSpc>
-              <a:spcBef>
-                <a:spcPts val="479"/>
-              </a:spcBef>
-              <a:buClr>
-                <a:srgbClr val="000000"/>
-              </a:buClr>
-              <a:buSzPct val="45000"/>
-              <a:buFont typeface="Courier New" panose="02070309020205020404" pitchFamily="49" charset="0"/>
-              <a:buChar char="o"/>
-            </a:pPr>
-            <a:r>
-              <a:rPr lang="es-MX" sz="2400" b="0" strike="noStrike" spc="-1" dirty="0">
-                <a:solidFill>
-                  <a:srgbClr val="000000"/>
-                </a:solidFill>
-                <a:latin typeface="Times New Roman"/>
-                <a:ea typeface="DejaVu Sans"/>
-              </a:rPr>
-              <a:t>Buscar cómo mejorar el desempeño con </a:t>
-            </a:r>
-            <a:r>
-              <a:rPr lang="es-MX" sz="2400" b="0" i="1" strike="noStrike" spc="-1" dirty="0" err="1">
-                <a:solidFill>
-                  <a:srgbClr val="000000"/>
-                </a:solidFill>
-                <a:latin typeface="Times New Roman"/>
-                <a:ea typeface="DejaVu Sans"/>
-              </a:rPr>
-              <a:t>hyper</a:t>
-            </a:r>
-            <a:r>
-              <a:rPr lang="es-MX" sz="2400" b="0" i="1" strike="noStrike" spc="-1" dirty="0">
-                <a:solidFill>
-                  <a:srgbClr val="000000"/>
-                </a:solidFill>
-                <a:latin typeface="Times New Roman"/>
-                <a:ea typeface="DejaVu Sans"/>
-              </a:rPr>
-              <a:t> </a:t>
-            </a:r>
-            <a:r>
-              <a:rPr lang="es-MX" sz="2400" b="0" i="1" strike="noStrike" spc="-1" dirty="0" err="1">
-                <a:solidFill>
-                  <a:srgbClr val="000000"/>
-                </a:solidFill>
-                <a:latin typeface="Times New Roman"/>
-                <a:ea typeface="DejaVu Sans"/>
-              </a:rPr>
-              <a:t>parameter</a:t>
-            </a:r>
-            <a:r>
-              <a:rPr lang="es-MX" sz="2400" b="0" i="1" strike="noStrike" spc="-1" dirty="0">
-                <a:solidFill>
-                  <a:srgbClr val="000000"/>
-                </a:solidFill>
-                <a:latin typeface="Times New Roman"/>
-                <a:ea typeface="DejaVu Sans"/>
-              </a:rPr>
-              <a:t> </a:t>
-            </a:r>
-            <a:r>
-              <a:rPr lang="es-MX" sz="2400" b="0" i="1" strike="noStrike" spc="-1" dirty="0" err="1">
-                <a:solidFill>
-                  <a:srgbClr val="000000"/>
-                </a:solidFill>
-                <a:latin typeface="Times New Roman"/>
-                <a:ea typeface="DejaVu Sans"/>
-              </a:rPr>
-              <a:t>tuning</a:t>
-            </a:r>
-            <a:r>
-              <a:rPr lang="es-MX" sz="2400" b="0" i="1" strike="noStrike" spc="-1" dirty="0">
-                <a:solidFill>
-                  <a:srgbClr val="000000"/>
-                </a:solidFill>
-                <a:latin typeface="Times New Roman"/>
-                <a:ea typeface="DejaVu Sans"/>
-              </a:rPr>
-              <a:t> </a:t>
-            </a:r>
-            <a:r>
-              <a:rPr lang="es-MX" sz="2400" b="0" strike="noStrike" spc="-1" dirty="0">
-                <a:solidFill>
-                  <a:srgbClr val="000000"/>
-                </a:solidFill>
-                <a:latin typeface="Times New Roman"/>
-                <a:ea typeface="DejaVu Sans"/>
-              </a:rPr>
-              <a:t>y la arquitectura de la red.</a:t>
-            </a:r>
-          </a:p>
-          <a:p>
-            <a:pPr marL="559620" lvl="1" indent="-342900">
-              <a:lnSpc>
-                <a:spcPct val="100000"/>
-              </a:lnSpc>
-              <a:spcBef>
-                <a:spcPts val="479"/>
-              </a:spcBef>
-              <a:buClr>
-                <a:srgbClr val="000000"/>
-              </a:buClr>
-              <a:buSzPct val="45000"/>
-              <a:buFont typeface="Courier New" panose="02070309020205020404" pitchFamily="49" charset="0"/>
-              <a:buChar char="o"/>
-            </a:pPr>
-            <a:r>
-              <a:rPr lang="es-MX" sz="2400" spc="-1" dirty="0">
-                <a:solidFill>
-                  <a:srgbClr val="000000"/>
-                </a:solidFill>
-                <a:latin typeface="Times New Roman"/>
-              </a:rPr>
-              <a:t>Modificar la forma de tratamiento de las series de tiempo.</a:t>
-            </a:r>
-            <a:endParaRPr lang="es-MX" sz="2400" b="0" strike="noStrike" spc="-1" dirty="0">
-              <a:latin typeface="Arial"/>
-            </a:endParaRPr>
-          </a:p>
-        </p:txBody>
-      </p:sp>
-    </p:spTree>
-  </p:cSld>
-  <p:clrMapOvr>
-    <a:masterClrMapping/>
-  </p:clrMapOvr>
-</p:sld>
-</file>
-
-<file path=ppt/slides/slide18.xml><?xml version="1.0" encoding="utf-8"?>
-<p:sld xmlns:a="http://schemas.openxmlformats.org/drawingml/2006/main" xmlns:r="http://schemas.openxmlformats.org/officeDocument/2006/relationships" xmlns:p="http://schemas.openxmlformats.org/presentationml/2006/main">
-  <p:cSld>
-    <p:spTree>
-      <p:nvGrpSpPr>
-        <p:cNvPr id="1" name=""/>
-        <p:cNvGrpSpPr/>
-        <p:nvPr/>
-      </p:nvGrpSpPr>
-      <p:grpSpPr>
-        <a:xfrm>
-          <a:off x="0" y="0"/>
-          <a:ext cx="0" cy="0"/>
-          <a:chOff x="0" y="0"/>
-          <a:chExt cx="0" cy="0"/>
-        </a:xfrm>
-      </p:grpSpPr>
-      <p:sp>
-        <p:nvSpPr>
-          <p:cNvPr id="190" name="CustomShape 1"/>
-          <p:cNvSpPr/>
-          <p:nvPr/>
-        </p:nvSpPr>
-        <p:spPr>
-          <a:xfrm>
-            <a:off x="38160" y="780120"/>
-            <a:ext cx="9005040" cy="741600"/>
-          </a:xfrm>
-          <a:prstGeom prst="rect">
-            <a:avLst/>
-          </a:prstGeom>
-          <a:noFill/>
-          <a:ln w="9360">
-            <a:noFill/>
-          </a:ln>
-        </p:spPr>
-        <p:style>
-          <a:lnRef idx="0">
-            <a:scrgbClr r="0" g="0" b="0"/>
-          </a:lnRef>
-          <a:fillRef idx="0">
-            <a:scrgbClr r="0" g="0" b="0"/>
-          </a:fillRef>
-          <a:effectRef idx="0">
-            <a:scrgbClr r="0" g="0" b="0"/>
-          </a:effectRef>
-          <a:fontRef idx="minor"/>
-        </p:style>
-        <p:txBody>
-          <a:bodyPr lIns="90000" tIns="45000" rIns="90000" bIns="45000" anchor="ctr">
-            <a:noAutofit/>
-          </a:bodyPr>
-          <a:lstStyle/>
-          <a:p>
-            <a:pPr marL="182880">
-              <a:lnSpc>
-                <a:spcPct val="100000"/>
-              </a:lnSpc>
-            </a:pPr>
-            <a:r>
-              <a:rPr lang="es-MX" sz="3600" b="0" strike="noStrike" spc="-1">
-                <a:solidFill>
-                  <a:srgbClr val="FFFFFF"/>
-                </a:solidFill>
-                <a:latin typeface="Times New Roman"/>
-                <a:ea typeface="DejaVu Sans"/>
-              </a:rPr>
-              <a:t>Conclusiones: Aprendizajes</a:t>
-            </a:r>
-            <a:endParaRPr lang="es-MX" sz="3600" b="0" strike="noStrike" spc="-1">
-              <a:latin typeface="Arial"/>
-            </a:endParaRPr>
-          </a:p>
-        </p:txBody>
-      </p:sp>
-      <p:sp>
-        <p:nvSpPr>
-          <p:cNvPr id="191" name="CustomShape 2"/>
-          <p:cNvSpPr/>
-          <p:nvPr/>
-        </p:nvSpPr>
-        <p:spPr>
-          <a:xfrm>
-            <a:off x="8077320" y="6492960"/>
-            <a:ext cx="1064160" cy="362520"/>
-          </a:xfrm>
-          <a:prstGeom prst="rect">
-            <a:avLst/>
-          </a:prstGeom>
-          <a:noFill/>
-          <a:ln>
-            <a:noFill/>
-          </a:ln>
-        </p:spPr>
-        <p:style>
-          <a:lnRef idx="0">
-            <a:scrgbClr r="0" g="0" b="0"/>
-          </a:lnRef>
-          <a:fillRef idx="0">
-            <a:scrgbClr r="0" g="0" b="0"/>
-          </a:fillRef>
-          <a:effectRef idx="0">
-            <a:scrgbClr r="0" g="0" b="0"/>
-          </a:effectRef>
-          <a:fontRef idx="minor"/>
-        </p:style>
-        <p:txBody>
-          <a:bodyPr lIns="90000" tIns="45000" rIns="90000" bIns="45000" anchor="ctr">
-            <a:noAutofit/>
-          </a:bodyPr>
-          <a:lstStyle/>
-          <a:p>
-            <a:pPr algn="r">
-              <a:lnSpc>
-                <a:spcPct val="100000"/>
-              </a:lnSpc>
-            </a:pPr>
-            <a:fld id="{DFBD65DB-2C47-4452-B824-6E67A8B5C4A6}" type="slidenum">
-              <a:rPr lang="es-MX" sz="1200" b="0" strike="noStrike" spc="-1">
-                <a:solidFill>
-                  <a:srgbClr val="FFFFFF"/>
-                </a:solidFill>
-                <a:latin typeface="Calibri"/>
-                <a:ea typeface="DejaVu Sans"/>
-              </a:rPr>
-              <a:t>18</a:t>
-            </a:fld>
-            <a:endParaRPr lang="es-MX" sz="1200" b="0" strike="noStrike" spc="-1">
-              <a:latin typeface="Arial"/>
-            </a:endParaRPr>
-          </a:p>
-        </p:txBody>
-      </p:sp>
-      <p:sp>
-        <p:nvSpPr>
-          <p:cNvPr id="192" name="CustomShape 3"/>
-          <p:cNvSpPr/>
-          <p:nvPr/>
-        </p:nvSpPr>
-        <p:spPr>
-          <a:xfrm>
-            <a:off x="4572000" y="6492960"/>
-            <a:ext cx="3426480" cy="362520"/>
-          </a:xfrm>
-          <a:prstGeom prst="rect">
-            <a:avLst/>
-          </a:prstGeom>
-          <a:noFill/>
-          <a:ln>
-            <a:noFill/>
-          </a:ln>
-        </p:spPr>
-        <p:style>
-          <a:lnRef idx="0">
-            <a:scrgbClr r="0" g="0" b="0"/>
-          </a:lnRef>
-          <a:fillRef idx="0">
-            <a:scrgbClr r="0" g="0" b="0"/>
-          </a:fillRef>
-          <a:effectRef idx="0">
-            <a:scrgbClr r="0" g="0" b="0"/>
-          </a:effectRef>
-          <a:fontRef idx="minor"/>
-        </p:style>
-        <p:txBody>
-          <a:bodyPr lIns="90000" tIns="45000" rIns="90000" bIns="45000" anchor="ctr">
-            <a:noAutofit/>
-          </a:bodyPr>
-          <a:lstStyle/>
-          <a:p>
-            <a:pPr>
-              <a:lnSpc>
-                <a:spcPct val="100000"/>
-              </a:lnSpc>
-            </a:pPr>
-            <a:r>
-              <a:rPr lang="es-MX" sz="1200" b="0" strike="noStrike" spc="-1">
-                <a:solidFill>
-                  <a:srgbClr val="FFFFFF"/>
-                </a:solidFill>
-                <a:latin typeface="Calibri"/>
-                <a:ea typeface="DejaVu Sans"/>
-              </a:rPr>
-              <a:t>Calidad del aire</a:t>
-            </a:r>
-            <a:endParaRPr lang="es-MX" sz="1200" b="0" strike="noStrike" spc="-1">
-              <a:latin typeface="Arial"/>
-            </a:endParaRPr>
-          </a:p>
-        </p:txBody>
-      </p:sp>
-      <p:sp>
-        <p:nvSpPr>
-          <p:cNvPr id="193" name="CustomShape 4"/>
-          <p:cNvSpPr/>
-          <p:nvPr/>
-        </p:nvSpPr>
-        <p:spPr>
-          <a:xfrm>
-            <a:off x="2123640" y="-18720"/>
-            <a:ext cx="2445840" cy="941400"/>
-          </a:xfrm>
-          <a:prstGeom prst="rect">
-            <a:avLst/>
-          </a:prstGeom>
-          <a:noFill/>
-          <a:ln>
-            <a:noFill/>
-          </a:ln>
-        </p:spPr>
-        <p:style>
-          <a:lnRef idx="0">
-            <a:scrgbClr r="0" g="0" b="0"/>
-          </a:lnRef>
-          <a:fillRef idx="0">
-            <a:scrgbClr r="0" g="0" b="0"/>
-          </a:fillRef>
-          <a:effectRef idx="0">
-            <a:scrgbClr r="0" g="0" b="0"/>
-          </a:effectRef>
-          <a:fontRef idx="minor"/>
-        </p:style>
-        <p:txBody>
-          <a:bodyPr lIns="90000" tIns="45000" rIns="90000" bIns="45000">
-            <a:spAutoFit/>
-          </a:bodyPr>
-          <a:lstStyle/>
-          <a:p>
-            <a:pPr algn="r">
-              <a:lnSpc>
-                <a:spcPct val="100000"/>
-              </a:lnSpc>
-            </a:pPr>
-            <a:r>
-              <a:rPr lang="es-MX" sz="800" b="0" strike="noStrike" spc="-1">
-                <a:solidFill>
-                  <a:srgbClr val="808080"/>
-                </a:solidFill>
-                <a:latin typeface="Times New Roman"/>
-                <a:ea typeface="DejaVu Sans"/>
-              </a:rPr>
-              <a:t>                                               </a:t>
-            </a:r>
-            <a:r>
-              <a:rPr lang="es-MX" sz="800" b="1" strike="noStrike" spc="-1">
-                <a:solidFill>
-                  <a:srgbClr val="808080"/>
-                </a:solidFill>
-                <a:latin typeface="Times New Roman"/>
-                <a:ea typeface="DejaVu Sans"/>
-              </a:rPr>
-              <a:t>Índice</a:t>
-            </a:r>
-            <a:endParaRPr lang="es-MX" sz="800" b="0" strike="noStrike" spc="-1">
-              <a:latin typeface="Arial"/>
-            </a:endParaRPr>
-          </a:p>
-          <a:p>
-            <a:pPr algn="r">
-              <a:lnSpc>
-                <a:spcPct val="100000"/>
-              </a:lnSpc>
-            </a:pPr>
-            <a:r>
-              <a:rPr lang="es-MX" sz="800" b="1" u="sng" strike="noStrike" spc="-1">
-                <a:solidFill>
-                  <a:srgbClr val="808080"/>
-                </a:solidFill>
-                <a:uFill>
-                  <a:solidFill>
-                    <a:srgbClr val="000000"/>
-                  </a:solidFill>
-                </a:uFill>
-                <a:latin typeface="Times New Roman"/>
-                <a:ea typeface="DejaVu Sans"/>
-              </a:rPr>
-              <a:t>Introducción </a:t>
-            </a:r>
-            <a:endParaRPr lang="es-MX" sz="800" b="0" strike="noStrike" spc="-1">
-              <a:latin typeface="Arial"/>
-            </a:endParaRPr>
-          </a:p>
-          <a:p>
-            <a:pPr algn="r">
-              <a:lnSpc>
-                <a:spcPct val="100000"/>
-              </a:lnSpc>
-            </a:pPr>
-            <a:r>
-              <a:rPr lang="es-MX" sz="800" b="1" u="sng" strike="noStrike" spc="-1">
-                <a:solidFill>
-                  <a:srgbClr val="808080"/>
-                </a:solidFill>
-                <a:uFill>
-                  <a:solidFill>
-                    <a:srgbClr val="000000"/>
-                  </a:solidFill>
-                </a:uFill>
-                <a:latin typeface="Times New Roman"/>
-                <a:ea typeface="DejaVu Sans"/>
-              </a:rPr>
-              <a:t>Trabajo relacionado</a:t>
-            </a:r>
-            <a:endParaRPr lang="es-MX" sz="800" b="0" strike="noStrike" spc="-1">
-              <a:latin typeface="Arial"/>
-            </a:endParaRPr>
-          </a:p>
-          <a:p>
-            <a:pPr algn="r">
-              <a:lnSpc>
-                <a:spcPct val="100000"/>
-              </a:lnSpc>
-            </a:pPr>
-            <a:r>
-              <a:rPr lang="es-MX" sz="800" b="1" u="sng" strike="noStrike" spc="-1">
-                <a:solidFill>
-                  <a:srgbClr val="808080"/>
-                </a:solidFill>
-                <a:uFill>
-                  <a:solidFill>
-                    <a:srgbClr val="000000"/>
-                  </a:solidFill>
-                </a:uFill>
-                <a:latin typeface="Times New Roman"/>
-                <a:ea typeface="DejaVu Sans"/>
-              </a:rPr>
-              <a:t>Solución</a:t>
-            </a:r>
-            <a:endParaRPr lang="es-MX" sz="800" b="0" strike="noStrike" spc="-1">
-              <a:latin typeface="Arial"/>
-            </a:endParaRPr>
-          </a:p>
-          <a:p>
-            <a:pPr algn="r">
-              <a:lnSpc>
-                <a:spcPct val="100000"/>
-              </a:lnSpc>
-            </a:pPr>
-            <a:r>
-              <a:rPr lang="es-MX" sz="800" b="1" u="sng" strike="noStrike" spc="-1">
-                <a:solidFill>
-                  <a:srgbClr val="808080"/>
-                </a:solidFill>
-                <a:uFill>
-                  <a:solidFill>
-                    <a:srgbClr val="000000"/>
-                  </a:solidFill>
-                </a:uFill>
-                <a:latin typeface="Times New Roman"/>
-                <a:ea typeface="DejaVu Sans"/>
-              </a:rPr>
-              <a:t>Resultado</a:t>
-            </a:r>
-            <a:endParaRPr lang="es-MX" sz="800" b="0" strike="noStrike" spc="-1">
-              <a:latin typeface="Arial"/>
-            </a:endParaRPr>
-          </a:p>
-          <a:p>
-            <a:pPr algn="r">
-              <a:lnSpc>
-                <a:spcPct val="100000"/>
-              </a:lnSpc>
-            </a:pPr>
-            <a:r>
-              <a:rPr lang="es-MX" sz="800" b="1" u="sng" strike="noStrike" spc="-1">
-                <a:solidFill>
-                  <a:srgbClr val="FFFFFF"/>
-                </a:solidFill>
-                <a:uFill>
-                  <a:solidFill>
-                    <a:srgbClr val="000000"/>
-                  </a:solidFill>
-                </a:uFill>
-                <a:latin typeface="Times New Roman"/>
-                <a:ea typeface="DejaVu Sans"/>
-              </a:rPr>
-              <a:t>Conclusión</a:t>
-            </a:r>
-            <a:endParaRPr lang="es-MX" sz="800" b="0" strike="noStrike" spc="-1">
-              <a:latin typeface="Arial"/>
-            </a:endParaRPr>
-          </a:p>
-          <a:p>
-            <a:pPr>
-              <a:lnSpc>
-                <a:spcPct val="100000"/>
-              </a:lnSpc>
-            </a:pPr>
-            <a:endParaRPr lang="es-MX" sz="800" b="0" strike="noStrike" spc="-1">
-              <a:latin typeface="Arial"/>
-            </a:endParaRPr>
-          </a:p>
-        </p:txBody>
-      </p:sp>
-      <p:sp>
-        <p:nvSpPr>
-          <p:cNvPr id="194" name="CustomShape 5"/>
-          <p:cNvSpPr/>
-          <p:nvPr/>
-        </p:nvSpPr>
-        <p:spPr>
-          <a:xfrm>
-            <a:off x="251640" y="1730160"/>
-            <a:ext cx="8441280" cy="4554360"/>
-          </a:xfrm>
-          <a:prstGeom prst="rect">
-            <a:avLst/>
-          </a:prstGeom>
-          <a:noFill/>
-          <a:ln w="9360">
-            <a:noFill/>
-          </a:ln>
-        </p:spPr>
-        <p:style>
-          <a:lnRef idx="0">
-            <a:scrgbClr r="0" g="0" b="0"/>
-          </a:lnRef>
-          <a:fillRef idx="0">
-            <a:scrgbClr r="0" g="0" b="0"/>
-          </a:fillRef>
-          <a:effectRef idx="0">
-            <a:scrgbClr r="0" g="0" b="0"/>
-          </a:effectRef>
-          <a:fontRef idx="minor"/>
-        </p:style>
-        <p:txBody>
-          <a:bodyPr lIns="90000" tIns="45000" rIns="90000" bIns="45000">
-            <a:noAutofit/>
-          </a:bodyPr>
-          <a:lstStyle/>
-          <a:p>
-            <a:pPr marL="216000" indent="-215280">
-              <a:lnSpc>
-                <a:spcPct val="100000"/>
-              </a:lnSpc>
-              <a:spcBef>
-                <a:spcPts val="479"/>
-              </a:spcBef>
-              <a:buClr>
-                <a:srgbClr val="000000"/>
-              </a:buClr>
-              <a:buFont typeface="Wingdings" charset="2"/>
-              <a:buChar char=""/>
-            </a:pPr>
-            <a:r>
-              <a:rPr lang="es-MX" sz="2200" b="0" strike="noStrike" spc="-1" dirty="0">
-                <a:solidFill>
-                  <a:srgbClr val="000000"/>
-                </a:solidFill>
-                <a:latin typeface="Times New Roman"/>
-                <a:ea typeface="DejaVu Sans"/>
-              </a:rPr>
-              <a:t>Cumplir con los principios científicos: reproducibilidad y repetibilidad.</a:t>
-            </a:r>
-            <a:endParaRPr lang="es-MX" sz="2200" b="0" strike="noStrike" spc="-1" dirty="0">
-              <a:latin typeface="Arial"/>
-            </a:endParaRPr>
-          </a:p>
-          <a:p>
-            <a:pPr marL="216000" indent="-215280">
-              <a:lnSpc>
-                <a:spcPct val="100000"/>
-              </a:lnSpc>
-              <a:spcBef>
-                <a:spcPts val="479"/>
-              </a:spcBef>
-              <a:buClr>
-                <a:srgbClr val="000000"/>
-              </a:buClr>
-              <a:buFont typeface="Wingdings" charset="2"/>
-              <a:buChar char=""/>
-            </a:pPr>
-            <a:r>
-              <a:rPr lang="es-MX" sz="2200" b="0" strike="noStrike" spc="-1" dirty="0">
-                <a:solidFill>
-                  <a:srgbClr val="000000"/>
-                </a:solidFill>
-                <a:latin typeface="Times New Roman"/>
-                <a:ea typeface="DejaVu Sans"/>
-              </a:rPr>
-              <a:t>Nunca se debe subestimar la inversión de tiempo necesaria para limpiar, explorar, imputar, </a:t>
-            </a:r>
-            <a:r>
-              <a:rPr lang="es-MX" sz="2200" spc="-1" dirty="0">
-                <a:solidFill>
-                  <a:srgbClr val="000000"/>
-                </a:solidFill>
-                <a:latin typeface="Times New Roman"/>
-                <a:ea typeface="DejaVu Sans"/>
-              </a:rPr>
-              <a:t>“</a:t>
-            </a:r>
-            <a:r>
-              <a:rPr lang="es-MX" sz="2200" b="0" strike="noStrike" spc="-1" dirty="0">
-                <a:solidFill>
-                  <a:srgbClr val="000000"/>
-                </a:solidFill>
-                <a:latin typeface="Times New Roman"/>
-                <a:ea typeface="DejaVu Sans"/>
-              </a:rPr>
-              <a:t>corregir” y conocer los datos. </a:t>
-            </a:r>
-          </a:p>
-          <a:p>
-            <a:pPr marL="216000" indent="-215280">
-              <a:lnSpc>
-                <a:spcPct val="100000"/>
-              </a:lnSpc>
-              <a:spcBef>
-                <a:spcPts val="479"/>
-              </a:spcBef>
-              <a:buClr>
-                <a:srgbClr val="000000"/>
-              </a:buClr>
-              <a:buFont typeface="Wingdings" charset="2"/>
-              <a:buChar char=""/>
-            </a:pPr>
-            <a:r>
-              <a:rPr lang="es-MX" sz="2200" b="0" strike="noStrike" spc="-1" dirty="0">
-                <a:solidFill>
-                  <a:srgbClr val="000000"/>
-                </a:solidFill>
-                <a:latin typeface="Times New Roman"/>
-                <a:ea typeface="DejaVu Sans"/>
-              </a:rPr>
-              <a:t>¡Mejorar el desempeño es difícil!</a:t>
-            </a:r>
-            <a:endParaRPr lang="es-MX" sz="2200" b="0" strike="noStrike" spc="-1" dirty="0">
-              <a:latin typeface="Arial"/>
-            </a:endParaRPr>
-          </a:p>
-          <a:p>
-            <a:pPr marL="216000" indent="-215280">
-              <a:lnSpc>
-                <a:spcPct val="100000"/>
-              </a:lnSpc>
-              <a:spcBef>
-                <a:spcPts val="479"/>
-              </a:spcBef>
-              <a:buClr>
-                <a:srgbClr val="000000"/>
-              </a:buClr>
-              <a:buFont typeface="Wingdings" charset="2"/>
-              <a:buChar char=""/>
-            </a:pPr>
-            <a:r>
-              <a:rPr lang="es-MX" sz="2200" b="0" strike="noStrike" spc="-1" dirty="0">
-                <a:solidFill>
-                  <a:srgbClr val="000000"/>
-                </a:solidFill>
-                <a:latin typeface="Times New Roman"/>
-                <a:ea typeface="DejaVu Sans"/>
-              </a:rPr>
-              <a:t> No se debe confiar en la disponibilidad de datos externos.</a:t>
-            </a:r>
-            <a:endParaRPr lang="es-MX" sz="2200" b="0" strike="noStrike" spc="-1" dirty="0">
-              <a:latin typeface="Arial"/>
-            </a:endParaRPr>
-          </a:p>
-          <a:p>
-            <a:pPr marL="216000" indent="-215280">
-              <a:lnSpc>
-                <a:spcPct val="100000"/>
-              </a:lnSpc>
-              <a:spcBef>
-                <a:spcPts val="479"/>
-              </a:spcBef>
-              <a:buClr>
-                <a:srgbClr val="000000"/>
-              </a:buClr>
-              <a:buFont typeface="Wingdings" charset="2"/>
-              <a:buChar char=""/>
-            </a:pPr>
-            <a:r>
-              <a:rPr lang="es-MX" sz="2200" b="0" strike="noStrike" spc="-1" dirty="0">
-                <a:solidFill>
-                  <a:srgbClr val="000000"/>
-                </a:solidFill>
-                <a:latin typeface="Times New Roman"/>
-                <a:ea typeface="DejaVu Sans"/>
-              </a:rPr>
-              <a:t>Hay muchísimos recursos en Internet: buenos y malos.</a:t>
-            </a:r>
-            <a:endParaRPr lang="es-MX" sz="2200" b="0" strike="noStrike" spc="-1" dirty="0">
-              <a:latin typeface="Arial"/>
-            </a:endParaRPr>
-          </a:p>
-          <a:p>
-            <a:pPr marL="216000" indent="-215280">
-              <a:lnSpc>
-                <a:spcPct val="100000"/>
-              </a:lnSpc>
-              <a:spcBef>
-                <a:spcPts val="479"/>
-              </a:spcBef>
-              <a:buClr>
-                <a:srgbClr val="000000"/>
-              </a:buClr>
-              <a:buFont typeface="Wingdings" charset="2"/>
-              <a:buChar char=""/>
-            </a:pPr>
-            <a:r>
-              <a:rPr lang="es-MX" sz="2200" b="0" strike="noStrike" spc="-1" dirty="0">
-                <a:solidFill>
-                  <a:srgbClr val="000000"/>
-                </a:solidFill>
-                <a:latin typeface="Times New Roman"/>
-                <a:ea typeface="DejaVu Sans"/>
-              </a:rPr>
-              <a:t>Las </a:t>
-            </a:r>
-            <a:r>
-              <a:rPr lang="es-MX" sz="2200" b="0" strike="noStrike" spc="-1" dirty="0" err="1">
-                <a:solidFill>
-                  <a:srgbClr val="000000"/>
-                </a:solidFill>
-                <a:latin typeface="Times New Roman"/>
-                <a:ea typeface="DejaVu Sans"/>
-              </a:rPr>
-              <a:t>APIs</a:t>
-            </a:r>
-            <a:r>
-              <a:rPr lang="es-MX" sz="2200" b="0" strike="noStrike" spc="-1" dirty="0">
-                <a:solidFill>
-                  <a:srgbClr val="000000"/>
-                </a:solidFill>
-                <a:latin typeface="Times New Roman"/>
-                <a:ea typeface="DejaVu Sans"/>
-              </a:rPr>
-              <a:t> cambian: No tener miedo a aprender continuamente.</a:t>
-            </a:r>
-            <a:endParaRPr lang="es-MX" sz="2200" b="0" strike="noStrike" spc="-1" dirty="0">
-              <a:latin typeface="Arial"/>
-            </a:endParaRPr>
-          </a:p>
-          <a:p>
-            <a:pPr marL="216000" indent="-215280">
-              <a:lnSpc>
-                <a:spcPct val="100000"/>
-              </a:lnSpc>
-              <a:spcBef>
-                <a:spcPts val="479"/>
-              </a:spcBef>
-              <a:buClr>
-                <a:srgbClr val="000000"/>
-              </a:buClr>
-              <a:buFont typeface="Wingdings" charset="2"/>
-              <a:buChar char=""/>
-            </a:pPr>
-            <a:r>
-              <a:rPr lang="es-MX" sz="2200" b="0" strike="noStrike" spc="-1" dirty="0">
-                <a:solidFill>
-                  <a:srgbClr val="000000"/>
-                </a:solidFill>
-                <a:latin typeface="Times New Roman"/>
-                <a:ea typeface="DejaVu Sans"/>
-              </a:rPr>
-              <a:t>Nos resultó muy útil tener un modelo </a:t>
-            </a:r>
-            <a:r>
-              <a:rPr lang="es-MX" sz="2200" b="0" i="1" strike="noStrike" spc="-1" dirty="0" err="1">
-                <a:solidFill>
-                  <a:srgbClr val="000000"/>
-                </a:solidFill>
-                <a:latin typeface="Times New Roman"/>
-                <a:ea typeface="DejaVu Sans"/>
-              </a:rPr>
-              <a:t>baseline</a:t>
-            </a:r>
-            <a:r>
-              <a:rPr lang="es-MX" sz="2200" b="0" strike="noStrike" spc="-1" dirty="0">
-                <a:solidFill>
-                  <a:srgbClr val="000000"/>
-                </a:solidFill>
-                <a:latin typeface="Times New Roman"/>
-                <a:ea typeface="DejaVu Sans"/>
-              </a:rPr>
-              <a:t>: nuestra H</a:t>
-            </a:r>
-            <a:r>
-              <a:rPr lang="es-MX" sz="2200" b="0" strike="noStrike" spc="-1" baseline="-33000" dirty="0">
-                <a:solidFill>
-                  <a:srgbClr val="000000"/>
-                </a:solidFill>
-                <a:latin typeface="Times New Roman"/>
-                <a:ea typeface="DejaVu Sans"/>
-              </a:rPr>
-              <a:t>0</a:t>
-            </a:r>
-            <a:endParaRPr lang="es-MX" sz="2200" b="0" strike="noStrike" spc="-1" dirty="0">
-              <a:latin typeface="Arial"/>
-            </a:endParaRPr>
-          </a:p>
-          <a:p>
-            <a:pPr marL="216000" indent="-215280">
-              <a:lnSpc>
-                <a:spcPct val="100000"/>
-              </a:lnSpc>
-              <a:spcBef>
-                <a:spcPts val="479"/>
-              </a:spcBef>
-              <a:buClr>
-                <a:srgbClr val="000000"/>
-              </a:buClr>
-              <a:buFont typeface="Wingdings" charset="2"/>
-              <a:buChar char=""/>
-            </a:pPr>
-            <a:r>
-              <a:rPr lang="es-MX" sz="2200" b="0" strike="noStrike" spc="-1" dirty="0">
-                <a:solidFill>
-                  <a:srgbClr val="000000"/>
-                </a:solidFill>
-                <a:latin typeface="Times New Roman"/>
-                <a:ea typeface="DejaVu Sans"/>
-              </a:rPr>
-              <a:t>Tener cuidado con los detalles.</a:t>
-            </a:r>
-            <a:endParaRPr lang="es-MX" sz="2200" b="0" strike="noStrike" spc="-1" dirty="0">
-              <a:latin typeface="Arial"/>
-            </a:endParaRPr>
-          </a:p>
-          <a:p>
-            <a:pPr marL="216000" indent="-215280">
-              <a:lnSpc>
-                <a:spcPct val="100000"/>
-              </a:lnSpc>
-              <a:spcBef>
-                <a:spcPts val="479"/>
-              </a:spcBef>
-              <a:buClr>
-                <a:srgbClr val="000000"/>
-              </a:buClr>
-              <a:buFont typeface="Wingdings" charset="2"/>
-              <a:buChar char=""/>
-            </a:pPr>
-            <a:r>
-              <a:rPr lang="es-MX" sz="2200" b="0" strike="noStrike" spc="-1" dirty="0">
-                <a:solidFill>
-                  <a:srgbClr val="000000"/>
-                </a:solidFill>
-                <a:latin typeface="Times New Roman"/>
-                <a:ea typeface="DejaVu Sans"/>
-              </a:rPr>
-              <a:t>“Des-escalar” los datos nos dio una idea más clara del desempeño.</a:t>
-            </a:r>
-          </a:p>
-          <a:p>
-            <a:pPr marL="216000" indent="-215280">
-              <a:lnSpc>
-                <a:spcPct val="100000"/>
-              </a:lnSpc>
-              <a:spcBef>
-                <a:spcPts val="479"/>
-              </a:spcBef>
-              <a:buClr>
-                <a:srgbClr val="000000"/>
-              </a:buClr>
-              <a:buFont typeface="Wingdings" charset="2"/>
-              <a:buChar char=""/>
-            </a:pPr>
-            <a:r>
-              <a:rPr lang="es-MX" sz="2200" b="0" strike="noStrike" spc="-1" dirty="0">
-                <a:solidFill>
-                  <a:srgbClr val="000000"/>
-                </a:solidFill>
-                <a:latin typeface="Times New Roman"/>
-              </a:rPr>
-              <a:t>Es efectivo ir construyendo de modelos simples </a:t>
-            </a:r>
-            <a:r>
-              <a:rPr lang="es-MX" sz="2200" b="0" strike="noStrike" spc="-1" dirty="0">
-                <a:solidFill>
-                  <a:srgbClr val="000000"/>
-                </a:solidFill>
-                <a:latin typeface="Times New Roman"/>
-                <a:sym typeface="Wingdings" panose="05000000000000000000" pitchFamily="2" charset="2"/>
-              </a:rPr>
-              <a:t> modelos más elaborados. También probar, probar, probar.</a:t>
-            </a:r>
-            <a:endParaRPr lang="es-MX" sz="2200" b="0" strike="noStrike" spc="-1" dirty="0">
-              <a:latin typeface="Arial"/>
-            </a:endParaRPr>
-          </a:p>
-        </p:txBody>
-      </p:sp>
-    </p:spTree>
-  </p:cSld>
-  <p:clrMapOvr>
-    <a:masterClrMapping/>
-  </p:clrMapOvr>
-</p:sld>
-</file>
-
-<file path=ppt/slides/slide19.xml><?xml version="1.0" encoding="utf-8"?>
-<p:sld xmlns:a="http://schemas.openxmlformats.org/drawingml/2006/main" xmlns:r="http://schemas.openxmlformats.org/officeDocument/2006/relationships" xmlns:p="http://schemas.openxmlformats.org/presentationml/2006/main">
-  <p:cSld>
-    <p:spTree>
-      <p:nvGrpSpPr>
-        <p:cNvPr id="1" name=""/>
-        <p:cNvGrpSpPr/>
-        <p:nvPr/>
-      </p:nvGrpSpPr>
-      <p:grpSpPr>
-        <a:xfrm>
-          <a:off x="0" y="0"/>
-          <a:ext cx="0" cy="0"/>
-          <a:chOff x="0" y="0"/>
-          <a:chExt cx="0" cy="0"/>
-        </a:xfrm>
-      </p:grpSpPr>
-      <p:sp>
-        <p:nvSpPr>
-          <p:cNvPr id="195" name="CustomShape 1"/>
-          <p:cNvSpPr/>
-          <p:nvPr/>
-        </p:nvSpPr>
-        <p:spPr>
-          <a:xfrm>
-            <a:off x="38160" y="780120"/>
-            <a:ext cx="9005040" cy="741600"/>
-          </a:xfrm>
-          <a:prstGeom prst="rect">
-            <a:avLst/>
-          </a:prstGeom>
-          <a:noFill/>
-          <a:ln w="9360">
-            <a:noFill/>
-          </a:ln>
-        </p:spPr>
-        <p:style>
-          <a:lnRef idx="0">
-            <a:scrgbClr r="0" g="0" b="0"/>
-          </a:lnRef>
-          <a:fillRef idx="0">
-            <a:scrgbClr r="0" g="0" b="0"/>
-          </a:fillRef>
-          <a:effectRef idx="0">
-            <a:scrgbClr r="0" g="0" b="0"/>
-          </a:effectRef>
-          <a:fontRef idx="minor"/>
-        </p:style>
-        <p:txBody>
-          <a:bodyPr lIns="90000" tIns="45000" rIns="90000" bIns="45000" anchor="ctr">
-            <a:noAutofit/>
-          </a:bodyPr>
-          <a:lstStyle/>
-          <a:p>
-            <a:pPr marL="182880">
-              <a:lnSpc>
-                <a:spcPct val="100000"/>
-              </a:lnSpc>
-            </a:pPr>
-            <a:r>
-              <a:rPr lang="es-MX" sz="3600" b="0" strike="noStrike" spc="-1">
-                <a:solidFill>
-                  <a:srgbClr val="FFFFFF"/>
-                </a:solidFill>
-                <a:latin typeface="Times New Roman"/>
-                <a:ea typeface="DejaVu Sans"/>
-              </a:rPr>
-              <a:t>¡Gracias!</a:t>
-            </a:r>
-            <a:endParaRPr lang="es-MX" sz="3600" b="0" strike="noStrike" spc="-1">
-              <a:latin typeface="Arial"/>
-            </a:endParaRPr>
-          </a:p>
-        </p:txBody>
-      </p:sp>
-      <p:sp>
-        <p:nvSpPr>
-          <p:cNvPr id="196" name="CustomShape 2"/>
-          <p:cNvSpPr/>
-          <p:nvPr/>
-        </p:nvSpPr>
-        <p:spPr>
-          <a:xfrm>
-            <a:off x="8077320" y="6492960"/>
-            <a:ext cx="1064160" cy="362520"/>
-          </a:xfrm>
-          <a:prstGeom prst="rect">
-            <a:avLst/>
-          </a:prstGeom>
-          <a:noFill/>
-          <a:ln>
-            <a:noFill/>
-          </a:ln>
-        </p:spPr>
-        <p:style>
-          <a:lnRef idx="0">
-            <a:scrgbClr r="0" g="0" b="0"/>
-          </a:lnRef>
-          <a:fillRef idx="0">
-            <a:scrgbClr r="0" g="0" b="0"/>
-          </a:fillRef>
-          <a:effectRef idx="0">
-            <a:scrgbClr r="0" g="0" b="0"/>
-          </a:effectRef>
-          <a:fontRef idx="minor"/>
-        </p:style>
-        <p:txBody>
-          <a:bodyPr lIns="90000" tIns="45000" rIns="90000" bIns="45000" anchor="ctr">
-            <a:noAutofit/>
-          </a:bodyPr>
-          <a:lstStyle/>
-          <a:p>
-            <a:pPr algn="r">
-              <a:lnSpc>
-                <a:spcPct val="100000"/>
-              </a:lnSpc>
-            </a:pPr>
             <a:fld id="{0085BB3B-2FA9-4B06-ADDD-3BF53DEAC037}" type="slidenum">
               <a:rPr lang="es-MX" sz="1200" b="0" strike="noStrike" spc="-1">
                 <a:solidFill>
@@ -11871,7 +10885,7 @@
                 <a:latin typeface="Calibri"/>
                 <a:ea typeface="DejaVu Sans"/>
               </a:rPr>
-              <a:t>19</a:t>
+              <a:t>17</a:t>
             </a:fld>
             <a:endParaRPr lang="es-MX" sz="1200" b="0" strike="noStrike" spc="-1">
               <a:latin typeface="Arial"/>
@@ -12339,19 +11353,19 @@
               </a:lnSpc>
             </a:pPr>
             <a:r>
-              <a:rPr lang="es-MX" b="1" dirty="0"/>
+              <a:rPr lang="es-MX" b="1" i="1" dirty="0"/>
               <a:t>“</a:t>
             </a:r>
             <a:r>
-              <a:rPr lang="es-MX" dirty="0"/>
+              <a:rPr lang="es-MX" i="1" dirty="0"/>
               <a:t>Desarrollaremos un </a:t>
             </a:r>
             <a:r>
-              <a:rPr lang="es-MX" u="sng" dirty="0"/>
+              <a:rPr lang="es-MX" i="1" u="sng" dirty="0"/>
               <a:t>proyecto de investigación</a:t>
             </a:r>
             <a:r>
-              <a:rPr lang="es-MX" dirty="0"/>
+              <a:rPr lang="es-MX" i="1" dirty="0"/>
               <a:t> basados en un sensor de la calidad del aire que tenemos dentro de casa de uno de los participantes con el fin de estudiar, analizar, explorar y entender su relación e influencia con los fenómenos externos (calidad del aire de la ciudad y variables atmosféricas) para poder predecir la calidad del aire en el interior de casa con las mediciones de compuestos orgánicos volátiles, los cuales tienen alta probabilidad de ser perjudiciales para la salud.”</a:t>
             </a:r>
           </a:p>
@@ -14043,7 +13057,7 @@
                 <a:latin typeface="Times New Roman"/>
                 <a:ea typeface="DejaVu Sans"/>
               </a:rPr>
-              <a:t>Objetivo</a:t>
+              <a:t>Introducción: Fuente de datos</a:t>
             </a:r>
             <a:endParaRPr lang="es-MX" sz="2800" b="0" strike="noStrike" spc="-1" dirty="0">
               <a:latin typeface="Arial"/>
@@ -14102,1980 +13116,6 @@
                 <a:ea typeface="DejaVu Sans"/>
               </a:rPr>
               <a:t>6</a:t>
-            </a:fld>
-            <a:endParaRPr lang="es-MX" sz="1200" b="0" strike="noStrike" spc="-1">
-              <a:latin typeface="Arial"/>
-            </a:endParaRPr>
-          </a:p>
-        </p:txBody>
-      </p:sp>
-      <p:sp>
-        <p:nvSpPr>
-          <p:cNvPr id="101" name="CustomShape 3"/>
-          <p:cNvSpPr/>
-          <p:nvPr/>
-        </p:nvSpPr>
-        <p:spPr>
-          <a:xfrm>
-            <a:off x="4572000" y="6492960"/>
-            <a:ext cx="3426480" cy="362520"/>
-          </a:xfrm>
-          <a:prstGeom prst="rect">
-            <a:avLst/>
-          </a:prstGeom>
-          <a:noFill/>
-          <a:ln>
-            <a:noFill/>
-          </a:ln>
-        </p:spPr>
-        <p:style>
-          <a:lnRef idx="0">
-            <a:scrgbClr r="0" g="0" b="0"/>
-          </a:lnRef>
-          <a:fillRef idx="0">
-            <a:scrgbClr r="0" g="0" b="0"/>
-          </a:fillRef>
-          <a:effectRef idx="0">
-            <a:scrgbClr r="0" g="0" b="0"/>
-          </a:effectRef>
-          <a:fontRef idx="minor"/>
-        </p:style>
-        <p:txBody>
-          <a:bodyPr lIns="90000" tIns="45000" rIns="90000" bIns="45000" anchor="ctr">
-            <a:noAutofit/>
-          </a:bodyPr>
-          <a:lstStyle/>
-          <a:p>
-            <a:pPr>
-              <a:lnSpc>
-                <a:spcPct val="100000"/>
-              </a:lnSpc>
-            </a:pPr>
-            <a:r>
-              <a:rPr lang="es-MX" sz="1200" b="0" strike="noStrike" spc="-1">
-                <a:solidFill>
-                  <a:srgbClr val="FFFFFF"/>
-                </a:solidFill>
-                <a:latin typeface="Calibri"/>
-                <a:ea typeface="DejaVu Sans"/>
-              </a:rPr>
-              <a:t>Calidad del aire</a:t>
-            </a:r>
-            <a:endParaRPr lang="es-MX" sz="1200" b="0" strike="noStrike" spc="-1">
-              <a:latin typeface="Arial"/>
-            </a:endParaRPr>
-          </a:p>
-        </p:txBody>
-      </p:sp>
-      <p:sp>
-        <p:nvSpPr>
-          <p:cNvPr id="102" name="CustomShape 4"/>
-          <p:cNvSpPr/>
-          <p:nvPr/>
-        </p:nvSpPr>
-        <p:spPr>
-          <a:xfrm>
-            <a:off x="2123640" y="-18720"/>
-            <a:ext cx="2445840" cy="952653"/>
-          </a:xfrm>
-          <a:prstGeom prst="rect">
-            <a:avLst/>
-          </a:prstGeom>
-          <a:noFill/>
-          <a:ln>
-            <a:noFill/>
-          </a:ln>
-        </p:spPr>
-        <p:style>
-          <a:lnRef idx="0">
-            <a:scrgbClr r="0" g="0" b="0"/>
-          </a:lnRef>
-          <a:fillRef idx="0">
-            <a:scrgbClr r="0" g="0" b="0"/>
-          </a:fillRef>
-          <a:effectRef idx="0">
-            <a:scrgbClr r="0" g="0" b="0"/>
-          </a:effectRef>
-          <a:fontRef idx="minor"/>
-        </p:style>
-        <p:txBody>
-          <a:bodyPr lIns="90000" tIns="45000" rIns="90000" bIns="45000">
-            <a:spAutoFit/>
-          </a:bodyPr>
-          <a:lstStyle/>
-          <a:p>
-            <a:pPr algn="r"/>
-            <a:r>
-              <a:rPr lang="es-MX" sz="800" b="1" u="sng" spc="-1" dirty="0">
-                <a:solidFill>
-                  <a:srgbClr val="808080"/>
-                </a:solidFill>
-                <a:uFill>
-                  <a:solidFill>
-                    <a:srgbClr val="000000"/>
-                  </a:solidFill>
-                </a:uFill>
-                <a:latin typeface="Times New Roman"/>
-              </a:rPr>
-              <a:t>                                               Índice</a:t>
-            </a:r>
-          </a:p>
-          <a:p>
-            <a:pPr algn="r">
-              <a:lnSpc>
-                <a:spcPct val="100000"/>
-              </a:lnSpc>
-            </a:pPr>
-            <a:r>
-              <a:rPr lang="es-MX" sz="800" b="1" u="sng" strike="noStrike" spc="-1" dirty="0">
-                <a:solidFill>
-                  <a:srgbClr val="FFFFFF"/>
-                </a:solidFill>
-                <a:uFill>
-                  <a:solidFill>
-                    <a:srgbClr val="000000"/>
-                  </a:solidFill>
-                </a:uFill>
-                <a:latin typeface="Times New Roman"/>
-                <a:ea typeface="DejaVu Sans"/>
-              </a:rPr>
-              <a:t>Introducción</a:t>
-            </a:r>
-            <a:r>
-              <a:rPr lang="es-MX" sz="800" b="1" u="sng" strike="noStrike" spc="-1" dirty="0">
-                <a:solidFill>
-                  <a:srgbClr val="7F7F7F"/>
-                </a:solidFill>
-                <a:uFill>
-                  <a:solidFill>
-                    <a:srgbClr val="000000"/>
-                  </a:solidFill>
-                </a:uFill>
-                <a:latin typeface="Times New Roman"/>
-                <a:ea typeface="DejaVu Sans"/>
-              </a:rPr>
-              <a:t> </a:t>
-            </a:r>
-            <a:endParaRPr lang="es-MX" sz="800" b="0" strike="noStrike" spc="-1" dirty="0">
-              <a:latin typeface="Arial"/>
-            </a:endParaRPr>
-          </a:p>
-          <a:p>
-            <a:pPr algn="r">
-              <a:lnSpc>
-                <a:spcPct val="100000"/>
-              </a:lnSpc>
-            </a:pPr>
-            <a:r>
-              <a:rPr lang="es-MX" sz="800" b="1" u="sng" strike="noStrike" spc="-1" dirty="0">
-                <a:solidFill>
-                  <a:srgbClr val="808080"/>
-                </a:solidFill>
-                <a:uFill>
-                  <a:solidFill>
-                    <a:srgbClr val="000000"/>
-                  </a:solidFill>
-                </a:uFill>
-                <a:latin typeface="Times New Roman"/>
-                <a:ea typeface="DejaVu Sans"/>
-              </a:rPr>
-              <a:t>Trabajo relacionado</a:t>
-            </a:r>
-            <a:endParaRPr lang="es-MX" sz="800" b="0" strike="noStrike" spc="-1" dirty="0">
-              <a:latin typeface="Arial"/>
-            </a:endParaRPr>
-          </a:p>
-          <a:p>
-            <a:pPr algn="r">
-              <a:lnSpc>
-                <a:spcPct val="100000"/>
-              </a:lnSpc>
-            </a:pPr>
-            <a:r>
-              <a:rPr lang="es-MX" sz="800" b="1" u="sng" strike="noStrike" spc="-1" dirty="0">
-                <a:solidFill>
-                  <a:srgbClr val="808080"/>
-                </a:solidFill>
-                <a:uFill>
-                  <a:solidFill>
-                    <a:srgbClr val="000000"/>
-                  </a:solidFill>
-                </a:uFill>
-                <a:latin typeface="Times New Roman"/>
-                <a:ea typeface="DejaVu Sans"/>
-              </a:rPr>
-              <a:t>Solución</a:t>
-            </a:r>
-            <a:endParaRPr lang="es-MX" sz="800" b="0" strike="noStrike" spc="-1" dirty="0">
-              <a:latin typeface="Arial"/>
-            </a:endParaRPr>
-          </a:p>
-          <a:p>
-            <a:pPr algn="r">
-              <a:lnSpc>
-                <a:spcPct val="100000"/>
-              </a:lnSpc>
-            </a:pPr>
-            <a:r>
-              <a:rPr lang="es-MX" sz="800" b="1" u="sng" strike="noStrike" spc="-1" dirty="0">
-                <a:solidFill>
-                  <a:srgbClr val="808080"/>
-                </a:solidFill>
-                <a:uFill>
-                  <a:solidFill>
-                    <a:srgbClr val="000000"/>
-                  </a:solidFill>
-                </a:uFill>
-                <a:latin typeface="Times New Roman"/>
-                <a:ea typeface="DejaVu Sans"/>
-              </a:rPr>
-              <a:t>Resultado</a:t>
-            </a:r>
-            <a:endParaRPr lang="es-MX" sz="800" b="0" strike="noStrike" spc="-1" dirty="0">
-              <a:latin typeface="Arial"/>
-            </a:endParaRPr>
-          </a:p>
-          <a:p>
-            <a:pPr algn="r">
-              <a:lnSpc>
-                <a:spcPct val="100000"/>
-              </a:lnSpc>
-            </a:pPr>
-            <a:r>
-              <a:rPr lang="es-MX" sz="800" b="1" u="sng" strike="noStrike" spc="-1" dirty="0">
-                <a:solidFill>
-                  <a:srgbClr val="808080"/>
-                </a:solidFill>
-                <a:uFill>
-                  <a:solidFill>
-                    <a:srgbClr val="000000"/>
-                  </a:solidFill>
-                </a:uFill>
-                <a:latin typeface="Times New Roman"/>
-                <a:ea typeface="DejaVu Sans"/>
-              </a:rPr>
-              <a:t>Conclusión</a:t>
-            </a:r>
-            <a:endParaRPr lang="es-MX" sz="800" b="0" strike="noStrike" spc="-1" dirty="0">
-              <a:latin typeface="Arial"/>
-            </a:endParaRPr>
-          </a:p>
-          <a:p>
-            <a:pPr>
-              <a:lnSpc>
-                <a:spcPct val="100000"/>
-              </a:lnSpc>
-            </a:pPr>
-            <a:endParaRPr lang="es-MX" sz="800" b="0" strike="noStrike" spc="-1" dirty="0">
-              <a:latin typeface="Arial"/>
-            </a:endParaRPr>
-          </a:p>
-        </p:txBody>
-      </p:sp>
-      <p:graphicFrame>
-        <p:nvGraphicFramePr>
-          <p:cNvPr id="103" name="Table 5"/>
-          <p:cNvGraphicFramePr/>
-          <p:nvPr>
-            <p:extLst>
-              <p:ext uri="{D42A27DB-BD31-4B8C-83A1-F6EECF244321}">
-                <p14:modId xmlns:p14="http://schemas.microsoft.com/office/powerpoint/2010/main" val="3192767212"/>
-              </p:ext>
-            </p:extLst>
-          </p:nvPr>
-        </p:nvGraphicFramePr>
-        <p:xfrm>
-          <a:off x="216000" y="1994760"/>
-          <a:ext cx="8856000" cy="3202200"/>
-        </p:xfrm>
-        <a:graphic>
-          <a:graphicData uri="http://schemas.openxmlformats.org/drawingml/2006/table">
-            <a:tbl>
-              <a:tblPr/>
-              <a:tblGrid>
-                <a:gridCol w="1611000">
-                  <a:extLst>
-                    <a:ext uri="{9D8B030D-6E8A-4147-A177-3AD203B41FA5}">
-                      <a16:colId xmlns:a16="http://schemas.microsoft.com/office/drawing/2014/main" val="20000"/>
-                    </a:ext>
-                  </a:extLst>
-                </a:gridCol>
-                <a:gridCol w="2190600">
-                  <a:extLst>
-                    <a:ext uri="{9D8B030D-6E8A-4147-A177-3AD203B41FA5}">
-                      <a16:colId xmlns:a16="http://schemas.microsoft.com/office/drawing/2014/main" val="20001"/>
-                    </a:ext>
-                  </a:extLst>
-                </a:gridCol>
-                <a:gridCol w="1359720">
-                  <a:extLst>
-                    <a:ext uri="{9D8B030D-6E8A-4147-A177-3AD203B41FA5}">
-                      <a16:colId xmlns:a16="http://schemas.microsoft.com/office/drawing/2014/main" val="20002"/>
-                    </a:ext>
-                  </a:extLst>
-                </a:gridCol>
-                <a:gridCol w="3694680">
-                  <a:extLst>
-                    <a:ext uri="{9D8B030D-6E8A-4147-A177-3AD203B41FA5}">
-                      <a16:colId xmlns:a16="http://schemas.microsoft.com/office/drawing/2014/main" val="20003"/>
-                    </a:ext>
-                  </a:extLst>
-                </a:gridCol>
-              </a:tblGrid>
-              <a:tr h="403920">
-                <a:tc>
-                  <a:txBody>
-                    <a:bodyPr/>
-                    <a:lstStyle/>
-                    <a:p>
-                      <a:pPr>
-                        <a:lnSpc>
-                          <a:spcPct val="100000"/>
-                        </a:lnSpc>
-                      </a:pPr>
-                      <a:r>
-                        <a:rPr lang="es-MX" sz="1800" b="1" strike="noStrike" spc="-1">
-                          <a:latin typeface="Arial"/>
-                        </a:rPr>
-                        <a:t>Fuente</a:t>
-                      </a:r>
-                      <a:endParaRPr lang="es-MX" sz="1800" b="0" strike="noStrike" spc="-1">
-                        <a:latin typeface="Arial"/>
-                      </a:endParaRPr>
-                    </a:p>
-                  </a:txBody>
-                  <a:tcPr marL="90000" marR="90000">
-                    <a:lnL w="720">
-                      <a:solidFill>
-                        <a:srgbClr val="FFFFFF"/>
-                      </a:solidFill>
-                    </a:lnL>
-                    <a:lnR w="720">
-                      <a:solidFill>
-                        <a:srgbClr val="FFFFFF"/>
-                      </a:solidFill>
-                    </a:lnR>
-                    <a:lnT w="720">
-                      <a:solidFill>
-                        <a:srgbClr val="FFFFFF"/>
-                      </a:solidFill>
-                    </a:lnT>
-                    <a:lnB w="720">
-                      <a:solidFill>
-                        <a:srgbClr val="FFFFFF"/>
-                      </a:solidFill>
-                    </a:lnB>
-                    <a:solidFill>
-                      <a:srgbClr val="B3B3B3"/>
-                    </a:solidFill>
-                  </a:tcPr>
-                </a:tc>
-                <a:tc>
-                  <a:txBody>
-                    <a:bodyPr/>
-                    <a:lstStyle/>
-                    <a:p>
-                      <a:pPr>
-                        <a:lnSpc>
-                          <a:spcPct val="100000"/>
-                        </a:lnSpc>
-                      </a:pPr>
-                      <a:r>
-                        <a:rPr lang="es-MX" sz="1800" b="1" strike="noStrike" spc="-1">
-                          <a:latin typeface="Arial"/>
-                        </a:rPr>
-                        <a:t>Descripción</a:t>
-                      </a:r>
-                      <a:endParaRPr lang="es-MX" sz="1800" b="0" strike="noStrike" spc="-1">
-                        <a:latin typeface="Arial"/>
-                      </a:endParaRPr>
-                    </a:p>
-                  </a:txBody>
-                  <a:tcPr marL="90000" marR="90000">
-                    <a:lnL w="720" cap="flat" cmpd="sng" algn="ctr">
-                      <a:solidFill>
-                        <a:srgbClr val="FFFFFF"/>
-                      </a:solidFill>
-                      <a:prstDash val="solid"/>
-                      <a:round/>
-                      <a:headEnd type="none" w="med" len="med"/>
-                      <a:tailEnd type="none" w="med" len="med"/>
-                    </a:lnL>
-                    <a:lnR w="720">
-                      <a:solidFill>
-                        <a:srgbClr val="FFFFFF"/>
-                      </a:solidFill>
-                    </a:lnR>
-                    <a:lnT w="720">
-                      <a:solidFill>
-                        <a:srgbClr val="FFFFFF"/>
-                      </a:solidFill>
-                    </a:lnT>
-                    <a:lnB w="720">
-                      <a:solidFill>
-                        <a:srgbClr val="FFFFFF"/>
-                      </a:solidFill>
-                    </a:lnB>
-                    <a:solidFill>
-                      <a:srgbClr val="B3B3B3"/>
-                    </a:solidFill>
-                  </a:tcPr>
-                </a:tc>
-                <a:tc>
-                  <a:txBody>
-                    <a:bodyPr/>
-                    <a:lstStyle/>
-                    <a:p>
-                      <a:pPr>
-                        <a:lnSpc>
-                          <a:spcPct val="100000"/>
-                        </a:lnSpc>
-                      </a:pPr>
-                      <a:r>
-                        <a:rPr lang="es-MX" sz="1800" b="1" strike="noStrike" spc="-1">
-                          <a:latin typeface="Arial"/>
-                        </a:rPr>
-                        <a:t>Registros</a:t>
-                      </a:r>
-                      <a:endParaRPr lang="es-MX" sz="1800" b="0" strike="noStrike" spc="-1">
-                        <a:latin typeface="Arial"/>
-                      </a:endParaRPr>
-                    </a:p>
-                  </a:txBody>
-                  <a:tcPr marL="90000" marR="90000">
-                    <a:lnL w="720">
-                      <a:solidFill>
-                        <a:srgbClr val="FFFFFF"/>
-                      </a:solidFill>
-                    </a:lnL>
-                    <a:lnT w="720">
-                      <a:solidFill>
-                        <a:srgbClr val="FFFFFF"/>
-                      </a:solidFill>
-                    </a:lnT>
-                    <a:lnB w="720">
-                      <a:solidFill>
-                        <a:srgbClr val="FFFFFF"/>
-                      </a:solidFill>
-                    </a:lnB>
-                    <a:solidFill>
-                      <a:srgbClr val="B3B3B3"/>
-                    </a:solidFill>
-                  </a:tcPr>
-                </a:tc>
-                <a:tc>
-                  <a:txBody>
-                    <a:bodyPr/>
-                    <a:lstStyle/>
-                    <a:p>
-                      <a:pPr>
-                        <a:lnSpc>
-                          <a:spcPct val="100000"/>
-                        </a:lnSpc>
-                      </a:pPr>
-                      <a:r>
-                        <a:rPr lang="es-MX" sz="1800" b="1" strike="noStrike" spc="-1">
-                          <a:latin typeface="Arial"/>
-                        </a:rPr>
-                        <a:t>Resolución</a:t>
-                      </a:r>
-                      <a:endParaRPr lang="es-MX" sz="1800" b="0" strike="noStrike" spc="-1">
-                        <a:latin typeface="Arial"/>
-                      </a:endParaRPr>
-                    </a:p>
-                  </a:txBody>
-                  <a:tcPr marL="90000" marR="90000">
-                    <a:solidFill>
-                      <a:srgbClr val="B3B3B3"/>
-                    </a:solidFill>
-                  </a:tcPr>
-                </a:tc>
-                <a:extLst>
-                  <a:ext uri="{0D108BD9-81ED-4DB2-BD59-A6C34878D82A}">
-                    <a16:rowId xmlns:a16="http://schemas.microsoft.com/office/drawing/2014/main" val="10000"/>
-                  </a:ext>
-                </a:extLst>
-              </a:tr>
-              <a:tr h="1398960">
-                <a:tc>
-                  <a:txBody>
-                    <a:bodyPr/>
-                    <a:lstStyle/>
-                    <a:p>
-                      <a:endParaRPr lang="es-MX"/>
-                    </a:p>
-                  </a:txBody>
-                  <a:tcPr marL="90000" marR="90000">
-                    <a:lnL w="720">
-                      <a:solidFill>
-                        <a:srgbClr val="FFFFFF"/>
-                      </a:solidFill>
-                    </a:lnL>
-                    <a:lnR w="720">
-                      <a:solidFill>
-                        <a:srgbClr val="FFFFFF"/>
-                      </a:solidFill>
-                    </a:lnR>
-                    <a:lnT w="720" cap="flat" cmpd="sng" algn="ctr">
-                      <a:solidFill>
-                        <a:srgbClr val="FFFFFF"/>
-                      </a:solidFill>
-                      <a:prstDash val="solid"/>
-                      <a:round/>
-                      <a:headEnd type="none" w="med" len="med"/>
-                      <a:tailEnd type="none" w="med" len="med"/>
-                    </a:lnT>
-                    <a:lnB w="720">
-                      <a:solidFill>
-                        <a:srgbClr val="FFFFFF"/>
-                      </a:solidFill>
-                    </a:lnB>
-                    <a:solidFill>
-                      <a:srgbClr val="CCCCCC"/>
-                    </a:solidFill>
-                  </a:tcPr>
-                </a:tc>
-                <a:tc>
-                  <a:txBody>
-                    <a:bodyPr/>
-                    <a:lstStyle/>
-                    <a:p>
-                      <a:pPr>
-                        <a:lnSpc>
-                          <a:spcPct val="100000"/>
-                        </a:lnSpc>
-                      </a:pPr>
-                      <a:r>
-                        <a:rPr lang="es-MX" sz="1800" b="0" strike="noStrike" spc="-1" dirty="0">
-                          <a:latin typeface="Arial"/>
-                        </a:rPr>
-                        <a:t>Sensor Bosch para medir contaminantes en interior.</a:t>
-                      </a:r>
-                    </a:p>
-                  </a:txBody>
-                  <a:tcPr marL="90000" marR="90000">
-                    <a:lnL w="720">
-                      <a:solidFill>
-                        <a:srgbClr val="FFFFFF"/>
-                      </a:solidFill>
-                    </a:lnL>
-                    <a:lnR w="720">
-                      <a:solidFill>
-                        <a:srgbClr val="FFFFFF"/>
-                      </a:solidFill>
-                    </a:lnR>
-                    <a:lnT w="720">
-                      <a:solidFill>
-                        <a:srgbClr val="FFFFFF"/>
-                      </a:solidFill>
-                    </a:lnT>
-                    <a:lnB w="720">
-                      <a:solidFill>
-                        <a:srgbClr val="FFFFFF"/>
-                      </a:solidFill>
-                    </a:lnB>
-                    <a:solidFill>
-                      <a:srgbClr val="CCCCCC"/>
-                    </a:solidFill>
-                  </a:tcPr>
-                </a:tc>
-                <a:tc>
-                  <a:txBody>
-                    <a:bodyPr/>
-                    <a:lstStyle/>
-                    <a:p>
-                      <a:pPr>
-                        <a:lnSpc>
-                          <a:spcPct val="100000"/>
-                        </a:lnSpc>
-                      </a:pPr>
-                      <a:r>
-                        <a:rPr lang="es-MX" sz="1800" b="0" strike="noStrike" spc="-1" dirty="0">
-                          <a:latin typeface="Arial"/>
-                        </a:rPr>
-                        <a:t>3.9 Millones</a:t>
-                      </a:r>
-                    </a:p>
-                  </a:txBody>
-                  <a:tcPr marL="90000" marR="90000">
-                    <a:lnL w="720">
-                      <a:solidFill>
-                        <a:srgbClr val="FFFFFF"/>
-                      </a:solidFill>
-                    </a:lnL>
-                    <a:lnT w="720">
-                      <a:solidFill>
-                        <a:srgbClr val="FFFFFF"/>
-                      </a:solidFill>
-                    </a:lnT>
-                    <a:lnB w="720">
-                      <a:solidFill>
-                        <a:srgbClr val="FFFFFF"/>
-                      </a:solidFill>
-                    </a:lnB>
-                    <a:solidFill>
-                      <a:srgbClr val="CCCCCC"/>
-                    </a:solidFill>
-                  </a:tcPr>
-                </a:tc>
-                <a:tc>
-                  <a:txBody>
-                    <a:bodyPr/>
-                    <a:lstStyle/>
-                    <a:p>
-                      <a:pPr marL="1800" indent="0">
-                        <a:lnSpc>
-                          <a:spcPct val="100000"/>
-                        </a:lnSpc>
-                        <a:buClr>
-                          <a:srgbClr val="000000"/>
-                        </a:buClr>
-                        <a:buSzPct val="45000"/>
-                        <a:buFont typeface="Wingdings" charset="2"/>
-                        <a:buNone/>
-                      </a:pPr>
-                      <a:r>
-                        <a:rPr lang="es-MX" sz="1800" b="0" strike="noStrike" spc="-1">
-                          <a:latin typeface="Arial"/>
-                        </a:rPr>
-                        <a:t>Cada 3 segundos</a:t>
-                      </a:r>
-                    </a:p>
-                  </a:txBody>
-                  <a:tcPr marL="90000" marR="90000">
-                    <a:solidFill>
-                      <a:srgbClr val="CCCCCC"/>
-                    </a:solidFill>
-                  </a:tcPr>
-                </a:tc>
-                <a:extLst>
-                  <a:ext uri="{0D108BD9-81ED-4DB2-BD59-A6C34878D82A}">
-                    <a16:rowId xmlns:a16="http://schemas.microsoft.com/office/drawing/2014/main" val="10001"/>
-                  </a:ext>
-                </a:extLst>
-              </a:tr>
-              <a:tr h="1399320">
-                <a:tc>
-                  <a:txBody>
-                    <a:bodyPr/>
-                    <a:lstStyle/>
-                    <a:p>
-                      <a:endParaRPr lang="es-MX"/>
-                    </a:p>
-                  </a:txBody>
-                  <a:tcPr marL="90000" marR="90000">
-                    <a:lnL w="720">
-                      <a:solidFill>
-                        <a:srgbClr val="FFFFFF"/>
-                      </a:solidFill>
-                    </a:lnL>
-                    <a:lnR w="720">
-                      <a:solidFill>
-                        <a:srgbClr val="FFFFFF"/>
-                      </a:solidFill>
-                    </a:lnR>
-                    <a:lnT w="720">
-                      <a:solidFill>
-                        <a:srgbClr val="FFFFFF"/>
-                      </a:solidFill>
-                    </a:lnT>
-                    <a:lnB w="720">
-                      <a:solidFill>
-                        <a:srgbClr val="FFFFFF"/>
-                      </a:solidFill>
-                    </a:lnB>
-                    <a:solidFill>
-                      <a:srgbClr val="E6E6E6"/>
-                    </a:solidFill>
-                  </a:tcPr>
-                </a:tc>
-                <a:tc>
-                  <a:txBody>
-                    <a:bodyPr/>
-                    <a:lstStyle/>
-                    <a:p>
-                      <a:pPr>
-                        <a:lnSpc>
-                          <a:spcPct val="100000"/>
-                        </a:lnSpc>
-                      </a:pPr>
-                      <a:r>
-                        <a:rPr lang="es-MX" sz="1800" b="0" strike="noStrike" spc="-1">
-                          <a:latin typeface="Arial"/>
-                        </a:rPr>
-                        <a:t>Datos del Gobierno de las Estaciones de Monitoreo Ambiental.</a:t>
-                      </a:r>
-                    </a:p>
-                  </a:txBody>
-                  <a:tcPr marL="90000" marR="90000">
-                    <a:lnL w="720">
-                      <a:solidFill>
-                        <a:srgbClr val="FFFFFF"/>
-                      </a:solidFill>
-                    </a:lnL>
-                    <a:lnR w="720">
-                      <a:solidFill>
-                        <a:srgbClr val="FFFFFF"/>
-                      </a:solidFill>
-                    </a:lnR>
-                    <a:lnT w="720">
-                      <a:solidFill>
-                        <a:srgbClr val="FFFFFF"/>
-                      </a:solidFill>
-                    </a:lnT>
-                    <a:lnB w="720">
-                      <a:solidFill>
-                        <a:srgbClr val="FFFFFF"/>
-                      </a:solidFill>
-                    </a:lnB>
-                    <a:solidFill>
-                      <a:srgbClr val="E6E6E6"/>
-                    </a:solidFill>
-                  </a:tcPr>
-                </a:tc>
-                <a:tc>
-                  <a:txBody>
-                    <a:bodyPr/>
-                    <a:lstStyle/>
-                    <a:p>
-                      <a:pPr>
-                        <a:lnSpc>
-                          <a:spcPct val="100000"/>
-                        </a:lnSpc>
-                      </a:pPr>
-                      <a:r>
-                        <a:rPr lang="es-MX" sz="1800" b="0" strike="noStrike" spc="-1">
-                          <a:latin typeface="Arial"/>
-                        </a:rPr>
-                        <a:t>+2,100 </a:t>
-                      </a:r>
-                    </a:p>
-                  </a:txBody>
-                  <a:tcPr marL="90000" marR="90000">
-                    <a:lnL w="720">
-                      <a:solidFill>
-                        <a:srgbClr val="FFFFFF"/>
-                      </a:solidFill>
-                    </a:lnL>
-                    <a:lnT w="720">
-                      <a:solidFill>
-                        <a:srgbClr val="FFFFFF"/>
-                      </a:solidFill>
-                    </a:lnT>
-                    <a:lnB w="720">
-                      <a:solidFill>
-                        <a:srgbClr val="FFFFFF"/>
-                      </a:solidFill>
-                    </a:lnB>
-                    <a:solidFill>
-                      <a:srgbClr val="E6E6E6"/>
-                    </a:solidFill>
-                  </a:tcPr>
-                </a:tc>
-                <a:tc>
-                  <a:txBody>
-                    <a:bodyPr/>
-                    <a:lstStyle/>
-                    <a:p>
-                      <a:pPr>
-                        <a:lnSpc>
-                          <a:spcPct val="100000"/>
-                        </a:lnSpc>
-                      </a:pPr>
-                      <a:r>
-                        <a:rPr lang="es-MX" sz="1800" b="0" strike="noStrike" spc="-1" dirty="0">
-                          <a:latin typeface="Arial"/>
-                        </a:rPr>
-                        <a:t>Cada 60 minutos</a:t>
-                      </a:r>
-                    </a:p>
-                  </a:txBody>
-                  <a:tcPr marL="90000" marR="90000">
-                    <a:solidFill>
-                      <a:srgbClr val="E6E6E6"/>
-                    </a:solidFill>
-                  </a:tcPr>
-                </a:tc>
-                <a:extLst>
-                  <a:ext uri="{0D108BD9-81ED-4DB2-BD59-A6C34878D82A}">
-                    <a16:rowId xmlns:a16="http://schemas.microsoft.com/office/drawing/2014/main" val="10002"/>
-                  </a:ext>
-                </a:extLst>
-              </a:tr>
-            </a:tbl>
-          </a:graphicData>
-        </a:graphic>
-      </p:graphicFrame>
-      <p:pic>
-        <p:nvPicPr>
-          <p:cNvPr id="104" name="Imagen 103"/>
-          <p:cNvPicPr/>
-          <p:nvPr/>
-        </p:nvPicPr>
-        <p:blipFill>
-          <a:blip r:embed="rId2"/>
-          <a:stretch/>
-        </p:blipFill>
-        <p:spPr>
-          <a:xfrm>
-            <a:off x="360000" y="2592000"/>
-            <a:ext cx="1387800" cy="1006200"/>
-          </a:xfrm>
-          <a:prstGeom prst="rect">
-            <a:avLst/>
-          </a:prstGeom>
-          <a:ln>
-            <a:noFill/>
-          </a:ln>
-        </p:spPr>
-      </p:pic>
-      <p:pic>
-        <p:nvPicPr>
-          <p:cNvPr id="105" name="Imagen 104"/>
-          <p:cNvPicPr/>
-          <p:nvPr/>
-        </p:nvPicPr>
-        <p:blipFill>
-          <a:blip r:embed="rId3"/>
-          <a:stretch/>
-        </p:blipFill>
-        <p:spPr>
-          <a:xfrm>
-            <a:off x="-72000" y="3827160"/>
-            <a:ext cx="2052360" cy="1367640"/>
-          </a:xfrm>
-          <a:prstGeom prst="rect">
-            <a:avLst/>
-          </a:prstGeom>
-          <a:ln>
-            <a:noFill/>
-          </a:ln>
-        </p:spPr>
-      </p:pic>
-    </p:spTree>
-    <p:extLst>
-      <p:ext uri="{BB962C8B-B14F-4D97-AF65-F5344CB8AC3E}">
-        <p14:creationId xmlns:p14="http://schemas.microsoft.com/office/powerpoint/2010/main" val="3563983313"/>
-      </p:ext>
-    </p:extLst>
-  </p:cSld>
-  <p:clrMapOvr>
-    <a:masterClrMapping/>
-  </p:clrMapOvr>
-</p:sld>
-</file>
-
-<file path=ppt/slides/slide7.xml><?xml version="1.0" encoding="utf-8"?>
-<p:sld xmlns:a="http://schemas.openxmlformats.org/drawingml/2006/main" xmlns:r="http://schemas.openxmlformats.org/officeDocument/2006/relationships" xmlns:p="http://schemas.openxmlformats.org/presentationml/2006/main">
-  <p:cSld>
-    <p:spTree>
-      <p:nvGrpSpPr>
-        <p:cNvPr id="1" name=""/>
-        <p:cNvGrpSpPr/>
-        <p:nvPr/>
-      </p:nvGrpSpPr>
-      <p:grpSpPr>
-        <a:xfrm>
-          <a:off x="0" y="0"/>
-          <a:ext cx="0" cy="0"/>
-          <a:chOff x="0" y="0"/>
-          <a:chExt cx="0" cy="0"/>
-        </a:xfrm>
-      </p:grpSpPr>
-      <p:sp>
-        <p:nvSpPr>
-          <p:cNvPr id="99" name="CustomShape 1"/>
-          <p:cNvSpPr/>
-          <p:nvPr/>
-        </p:nvSpPr>
-        <p:spPr>
-          <a:xfrm>
-            <a:off x="38160" y="780120"/>
-            <a:ext cx="9103320" cy="741600"/>
-          </a:xfrm>
-          <a:prstGeom prst="rect">
-            <a:avLst/>
-          </a:prstGeom>
-          <a:noFill/>
-          <a:ln w="9360">
-            <a:noFill/>
-          </a:ln>
-        </p:spPr>
-        <p:style>
-          <a:lnRef idx="0">
-            <a:scrgbClr r="0" g="0" b="0"/>
-          </a:lnRef>
-          <a:fillRef idx="0">
-            <a:scrgbClr r="0" g="0" b="0"/>
-          </a:fillRef>
-          <a:effectRef idx="0">
-            <a:scrgbClr r="0" g="0" b="0"/>
-          </a:effectRef>
-          <a:fontRef idx="minor"/>
-        </p:style>
-        <p:txBody>
-          <a:bodyPr lIns="90000" tIns="45000" rIns="90000" bIns="45000" anchor="ctr">
-            <a:noAutofit/>
-          </a:bodyPr>
-          <a:lstStyle/>
-          <a:p>
-            <a:pPr marL="182880">
-              <a:lnSpc>
-                <a:spcPct val="100000"/>
-              </a:lnSpc>
-            </a:pPr>
-            <a:r>
-              <a:rPr lang="es-MX" sz="2800" b="0" strike="noStrike" spc="-1" dirty="0">
-                <a:solidFill>
-                  <a:srgbClr val="FFFFFF"/>
-                </a:solidFill>
-                <a:latin typeface="Times New Roman"/>
-                <a:ea typeface="DejaVu Sans"/>
-              </a:rPr>
-              <a:t>Objetivo</a:t>
-            </a:r>
-            <a:endParaRPr lang="es-MX" sz="2800" b="0" strike="noStrike" spc="-1" dirty="0">
-              <a:latin typeface="Arial"/>
-            </a:endParaRPr>
-          </a:p>
-        </p:txBody>
-      </p:sp>
-      <p:sp>
-        <p:nvSpPr>
-          <p:cNvPr id="100" name="CustomShape 2"/>
-          <p:cNvSpPr/>
-          <p:nvPr/>
-        </p:nvSpPr>
-        <p:spPr>
-          <a:xfrm>
-            <a:off x="8077320" y="6492960"/>
-            <a:ext cx="1064160" cy="362520"/>
-          </a:xfrm>
-          <a:prstGeom prst="rect">
-            <a:avLst/>
-          </a:prstGeom>
-          <a:noFill/>
-          <a:ln>
-            <a:noFill/>
-          </a:ln>
-        </p:spPr>
-        <p:style>
-          <a:lnRef idx="0">
-            <a:scrgbClr r="0" g="0" b="0"/>
-          </a:lnRef>
-          <a:fillRef idx="0">
-            <a:scrgbClr r="0" g="0" b="0"/>
-          </a:fillRef>
-          <a:effectRef idx="0">
-            <a:scrgbClr r="0" g="0" b="0"/>
-          </a:effectRef>
-          <a:fontRef idx="minor"/>
-        </p:style>
-        <p:txBody>
-          <a:bodyPr lIns="90000" tIns="45000" rIns="90000" bIns="45000" anchor="ctr">
-            <a:noAutofit/>
-          </a:bodyPr>
-          <a:lstStyle/>
-          <a:p>
-            <a:pPr algn="r">
-              <a:lnSpc>
-                <a:spcPct val="100000"/>
-              </a:lnSpc>
-            </a:pPr>
-            <a:fld id="{56074B16-8922-48DA-9D88-885C9B45D702}" type="slidenum">
-              <a:rPr lang="es-MX" sz="1200" b="0" strike="noStrike" spc="-1">
-                <a:solidFill>
-                  <a:srgbClr val="FFFFFF"/>
-                </a:solidFill>
-                <a:latin typeface="Calibri"/>
-                <a:ea typeface="DejaVu Sans"/>
-              </a:rPr>
-              <a:t>7</a:t>
-            </a:fld>
-            <a:endParaRPr lang="es-MX" sz="1200" b="0" strike="noStrike" spc="-1">
-              <a:latin typeface="Arial"/>
-            </a:endParaRPr>
-          </a:p>
-        </p:txBody>
-      </p:sp>
-      <p:sp>
-        <p:nvSpPr>
-          <p:cNvPr id="101" name="CustomShape 3"/>
-          <p:cNvSpPr/>
-          <p:nvPr/>
-        </p:nvSpPr>
-        <p:spPr>
-          <a:xfrm>
-            <a:off x="4572000" y="6492960"/>
-            <a:ext cx="3426480" cy="362520"/>
-          </a:xfrm>
-          <a:prstGeom prst="rect">
-            <a:avLst/>
-          </a:prstGeom>
-          <a:noFill/>
-          <a:ln>
-            <a:noFill/>
-          </a:ln>
-        </p:spPr>
-        <p:style>
-          <a:lnRef idx="0">
-            <a:scrgbClr r="0" g="0" b="0"/>
-          </a:lnRef>
-          <a:fillRef idx="0">
-            <a:scrgbClr r="0" g="0" b="0"/>
-          </a:fillRef>
-          <a:effectRef idx="0">
-            <a:scrgbClr r="0" g="0" b="0"/>
-          </a:effectRef>
-          <a:fontRef idx="minor"/>
-        </p:style>
-        <p:txBody>
-          <a:bodyPr lIns="90000" tIns="45000" rIns="90000" bIns="45000" anchor="ctr">
-            <a:noAutofit/>
-          </a:bodyPr>
-          <a:lstStyle/>
-          <a:p>
-            <a:pPr>
-              <a:lnSpc>
-                <a:spcPct val="100000"/>
-              </a:lnSpc>
-            </a:pPr>
-            <a:r>
-              <a:rPr lang="es-MX" sz="1200" b="0" strike="noStrike" spc="-1">
-                <a:solidFill>
-                  <a:srgbClr val="FFFFFF"/>
-                </a:solidFill>
-                <a:latin typeface="Calibri"/>
-                <a:ea typeface="DejaVu Sans"/>
-              </a:rPr>
-              <a:t>Calidad del aire</a:t>
-            </a:r>
-            <a:endParaRPr lang="es-MX" sz="1200" b="0" strike="noStrike" spc="-1">
-              <a:latin typeface="Arial"/>
-            </a:endParaRPr>
-          </a:p>
-        </p:txBody>
-      </p:sp>
-      <p:sp>
-        <p:nvSpPr>
-          <p:cNvPr id="102" name="CustomShape 4"/>
-          <p:cNvSpPr/>
-          <p:nvPr/>
-        </p:nvSpPr>
-        <p:spPr>
-          <a:xfrm>
-            <a:off x="2123640" y="-18720"/>
-            <a:ext cx="2445840" cy="952653"/>
-          </a:xfrm>
-          <a:prstGeom prst="rect">
-            <a:avLst/>
-          </a:prstGeom>
-          <a:noFill/>
-          <a:ln>
-            <a:noFill/>
-          </a:ln>
-        </p:spPr>
-        <p:style>
-          <a:lnRef idx="0">
-            <a:scrgbClr r="0" g="0" b="0"/>
-          </a:lnRef>
-          <a:fillRef idx="0">
-            <a:scrgbClr r="0" g="0" b="0"/>
-          </a:fillRef>
-          <a:effectRef idx="0">
-            <a:scrgbClr r="0" g="0" b="0"/>
-          </a:effectRef>
-          <a:fontRef idx="minor"/>
-        </p:style>
-        <p:txBody>
-          <a:bodyPr lIns="90000" tIns="45000" rIns="90000" bIns="45000">
-            <a:spAutoFit/>
-          </a:bodyPr>
-          <a:lstStyle/>
-          <a:p>
-            <a:pPr algn="r"/>
-            <a:r>
-              <a:rPr lang="es-MX" sz="800" b="1" u="sng" spc="-1" dirty="0">
-                <a:solidFill>
-                  <a:srgbClr val="808080"/>
-                </a:solidFill>
-                <a:uFill>
-                  <a:solidFill>
-                    <a:srgbClr val="000000"/>
-                  </a:solidFill>
-                </a:uFill>
-                <a:latin typeface="Times New Roman"/>
-              </a:rPr>
-              <a:t>                                               Índice</a:t>
-            </a:r>
-          </a:p>
-          <a:p>
-            <a:pPr algn="r">
-              <a:lnSpc>
-                <a:spcPct val="100000"/>
-              </a:lnSpc>
-            </a:pPr>
-            <a:r>
-              <a:rPr lang="es-MX" sz="800" b="1" u="sng" strike="noStrike" spc="-1" dirty="0">
-                <a:solidFill>
-                  <a:srgbClr val="FFFFFF"/>
-                </a:solidFill>
-                <a:uFill>
-                  <a:solidFill>
-                    <a:srgbClr val="000000"/>
-                  </a:solidFill>
-                </a:uFill>
-                <a:latin typeface="Times New Roman"/>
-                <a:ea typeface="DejaVu Sans"/>
-              </a:rPr>
-              <a:t>Introducción</a:t>
-            </a:r>
-            <a:r>
-              <a:rPr lang="es-MX" sz="800" b="1" u="sng" strike="noStrike" spc="-1" dirty="0">
-                <a:solidFill>
-                  <a:srgbClr val="7F7F7F"/>
-                </a:solidFill>
-                <a:uFill>
-                  <a:solidFill>
-                    <a:srgbClr val="000000"/>
-                  </a:solidFill>
-                </a:uFill>
-                <a:latin typeface="Times New Roman"/>
-                <a:ea typeface="DejaVu Sans"/>
-              </a:rPr>
-              <a:t> </a:t>
-            </a:r>
-            <a:endParaRPr lang="es-MX" sz="800" b="0" strike="noStrike" spc="-1" dirty="0">
-              <a:latin typeface="Arial"/>
-            </a:endParaRPr>
-          </a:p>
-          <a:p>
-            <a:pPr algn="r">
-              <a:lnSpc>
-                <a:spcPct val="100000"/>
-              </a:lnSpc>
-            </a:pPr>
-            <a:r>
-              <a:rPr lang="es-MX" sz="800" b="1" u="sng" strike="noStrike" spc="-1" dirty="0">
-                <a:solidFill>
-                  <a:srgbClr val="808080"/>
-                </a:solidFill>
-                <a:uFill>
-                  <a:solidFill>
-                    <a:srgbClr val="000000"/>
-                  </a:solidFill>
-                </a:uFill>
-                <a:latin typeface="Times New Roman"/>
-                <a:ea typeface="DejaVu Sans"/>
-              </a:rPr>
-              <a:t>Trabajo relacionado</a:t>
-            </a:r>
-            <a:endParaRPr lang="es-MX" sz="800" b="0" strike="noStrike" spc="-1" dirty="0">
-              <a:latin typeface="Arial"/>
-            </a:endParaRPr>
-          </a:p>
-          <a:p>
-            <a:pPr algn="r">
-              <a:lnSpc>
-                <a:spcPct val="100000"/>
-              </a:lnSpc>
-            </a:pPr>
-            <a:r>
-              <a:rPr lang="es-MX" sz="800" b="1" u="sng" strike="noStrike" spc="-1" dirty="0">
-                <a:solidFill>
-                  <a:srgbClr val="808080"/>
-                </a:solidFill>
-                <a:uFill>
-                  <a:solidFill>
-                    <a:srgbClr val="000000"/>
-                  </a:solidFill>
-                </a:uFill>
-                <a:latin typeface="Times New Roman"/>
-                <a:ea typeface="DejaVu Sans"/>
-              </a:rPr>
-              <a:t>Solución</a:t>
-            </a:r>
-            <a:endParaRPr lang="es-MX" sz="800" b="0" strike="noStrike" spc="-1" dirty="0">
-              <a:latin typeface="Arial"/>
-            </a:endParaRPr>
-          </a:p>
-          <a:p>
-            <a:pPr algn="r">
-              <a:lnSpc>
-                <a:spcPct val="100000"/>
-              </a:lnSpc>
-            </a:pPr>
-            <a:r>
-              <a:rPr lang="es-MX" sz="800" b="1" u="sng" strike="noStrike" spc="-1" dirty="0">
-                <a:solidFill>
-                  <a:srgbClr val="808080"/>
-                </a:solidFill>
-                <a:uFill>
-                  <a:solidFill>
-                    <a:srgbClr val="000000"/>
-                  </a:solidFill>
-                </a:uFill>
-                <a:latin typeface="Times New Roman"/>
-                <a:ea typeface="DejaVu Sans"/>
-              </a:rPr>
-              <a:t>Resultado</a:t>
-            </a:r>
-            <a:endParaRPr lang="es-MX" sz="800" b="0" strike="noStrike" spc="-1" dirty="0">
-              <a:latin typeface="Arial"/>
-            </a:endParaRPr>
-          </a:p>
-          <a:p>
-            <a:pPr algn="r">
-              <a:lnSpc>
-                <a:spcPct val="100000"/>
-              </a:lnSpc>
-            </a:pPr>
-            <a:r>
-              <a:rPr lang="es-MX" sz="800" b="1" u="sng" strike="noStrike" spc="-1" dirty="0">
-                <a:solidFill>
-                  <a:srgbClr val="808080"/>
-                </a:solidFill>
-                <a:uFill>
-                  <a:solidFill>
-                    <a:srgbClr val="000000"/>
-                  </a:solidFill>
-                </a:uFill>
-                <a:latin typeface="Times New Roman"/>
-                <a:ea typeface="DejaVu Sans"/>
-              </a:rPr>
-              <a:t>Conclusión</a:t>
-            </a:r>
-            <a:endParaRPr lang="es-MX" sz="800" b="0" strike="noStrike" spc="-1" dirty="0">
-              <a:latin typeface="Arial"/>
-            </a:endParaRPr>
-          </a:p>
-          <a:p>
-            <a:pPr>
-              <a:lnSpc>
-                <a:spcPct val="100000"/>
-              </a:lnSpc>
-            </a:pPr>
-            <a:endParaRPr lang="es-MX" sz="800" b="0" strike="noStrike" spc="-1" dirty="0">
-              <a:latin typeface="Arial"/>
-            </a:endParaRPr>
-          </a:p>
-        </p:txBody>
-      </p:sp>
-      <p:graphicFrame>
-        <p:nvGraphicFramePr>
-          <p:cNvPr id="103" name="Table 5"/>
-          <p:cNvGraphicFramePr/>
-          <p:nvPr>
-            <p:extLst/>
-          </p:nvPr>
-        </p:nvGraphicFramePr>
-        <p:xfrm>
-          <a:off x="216000" y="1994760"/>
-          <a:ext cx="8856000" cy="3202200"/>
-        </p:xfrm>
-        <a:graphic>
-          <a:graphicData uri="http://schemas.openxmlformats.org/drawingml/2006/table">
-            <a:tbl>
-              <a:tblPr/>
-              <a:tblGrid>
-                <a:gridCol w="1611000">
-                  <a:extLst>
-                    <a:ext uri="{9D8B030D-6E8A-4147-A177-3AD203B41FA5}">
-                      <a16:colId xmlns:a16="http://schemas.microsoft.com/office/drawing/2014/main" val="20000"/>
-                    </a:ext>
-                  </a:extLst>
-                </a:gridCol>
-                <a:gridCol w="2190600">
-                  <a:extLst>
-                    <a:ext uri="{9D8B030D-6E8A-4147-A177-3AD203B41FA5}">
-                      <a16:colId xmlns:a16="http://schemas.microsoft.com/office/drawing/2014/main" val="20001"/>
-                    </a:ext>
-                  </a:extLst>
-                </a:gridCol>
-                <a:gridCol w="1359720">
-                  <a:extLst>
-                    <a:ext uri="{9D8B030D-6E8A-4147-A177-3AD203B41FA5}">
-                      <a16:colId xmlns:a16="http://schemas.microsoft.com/office/drawing/2014/main" val="20002"/>
-                    </a:ext>
-                  </a:extLst>
-                </a:gridCol>
-                <a:gridCol w="3694680">
-                  <a:extLst>
-                    <a:ext uri="{9D8B030D-6E8A-4147-A177-3AD203B41FA5}">
-                      <a16:colId xmlns:a16="http://schemas.microsoft.com/office/drawing/2014/main" val="20003"/>
-                    </a:ext>
-                  </a:extLst>
-                </a:gridCol>
-              </a:tblGrid>
-              <a:tr h="403920">
-                <a:tc>
-                  <a:txBody>
-                    <a:bodyPr/>
-                    <a:lstStyle/>
-                    <a:p>
-                      <a:pPr>
-                        <a:lnSpc>
-                          <a:spcPct val="100000"/>
-                        </a:lnSpc>
-                      </a:pPr>
-                      <a:r>
-                        <a:rPr lang="es-MX" sz="1800" b="1" strike="noStrike" spc="-1">
-                          <a:latin typeface="Arial"/>
-                        </a:rPr>
-                        <a:t>Fuente</a:t>
-                      </a:r>
-                      <a:endParaRPr lang="es-MX" sz="1800" b="0" strike="noStrike" spc="-1">
-                        <a:latin typeface="Arial"/>
-                      </a:endParaRPr>
-                    </a:p>
-                  </a:txBody>
-                  <a:tcPr marL="90000" marR="90000">
-                    <a:lnL w="720">
-                      <a:solidFill>
-                        <a:srgbClr val="FFFFFF"/>
-                      </a:solidFill>
-                    </a:lnL>
-                    <a:lnR w="720">
-                      <a:solidFill>
-                        <a:srgbClr val="FFFFFF"/>
-                      </a:solidFill>
-                    </a:lnR>
-                    <a:lnT w="720">
-                      <a:solidFill>
-                        <a:srgbClr val="FFFFFF"/>
-                      </a:solidFill>
-                    </a:lnT>
-                    <a:lnB w="720">
-                      <a:solidFill>
-                        <a:srgbClr val="FFFFFF"/>
-                      </a:solidFill>
-                    </a:lnB>
-                    <a:solidFill>
-                      <a:srgbClr val="B3B3B3"/>
-                    </a:solidFill>
-                  </a:tcPr>
-                </a:tc>
-                <a:tc>
-                  <a:txBody>
-                    <a:bodyPr/>
-                    <a:lstStyle/>
-                    <a:p>
-                      <a:pPr>
-                        <a:lnSpc>
-                          <a:spcPct val="100000"/>
-                        </a:lnSpc>
-                      </a:pPr>
-                      <a:r>
-                        <a:rPr lang="es-MX" sz="1800" b="1" strike="noStrike" spc="-1">
-                          <a:latin typeface="Arial"/>
-                        </a:rPr>
-                        <a:t>Descripción</a:t>
-                      </a:r>
-                      <a:endParaRPr lang="es-MX" sz="1800" b="0" strike="noStrike" spc="-1">
-                        <a:latin typeface="Arial"/>
-                      </a:endParaRPr>
-                    </a:p>
-                  </a:txBody>
-                  <a:tcPr marL="90000" marR="90000">
-                    <a:lnL w="720" cap="flat" cmpd="sng" algn="ctr">
-                      <a:solidFill>
-                        <a:srgbClr val="FFFFFF"/>
-                      </a:solidFill>
-                      <a:prstDash val="solid"/>
-                      <a:round/>
-                      <a:headEnd type="none" w="med" len="med"/>
-                      <a:tailEnd type="none" w="med" len="med"/>
-                    </a:lnL>
-                    <a:lnR w="720">
-                      <a:solidFill>
-                        <a:srgbClr val="FFFFFF"/>
-                      </a:solidFill>
-                    </a:lnR>
-                    <a:lnT w="720">
-                      <a:solidFill>
-                        <a:srgbClr val="FFFFFF"/>
-                      </a:solidFill>
-                    </a:lnT>
-                    <a:lnB w="720">
-                      <a:solidFill>
-                        <a:srgbClr val="FFFFFF"/>
-                      </a:solidFill>
-                    </a:lnB>
-                    <a:solidFill>
-                      <a:srgbClr val="B3B3B3"/>
-                    </a:solidFill>
-                  </a:tcPr>
-                </a:tc>
-                <a:tc>
-                  <a:txBody>
-                    <a:bodyPr/>
-                    <a:lstStyle/>
-                    <a:p>
-                      <a:pPr>
-                        <a:lnSpc>
-                          <a:spcPct val="100000"/>
-                        </a:lnSpc>
-                      </a:pPr>
-                      <a:r>
-                        <a:rPr lang="es-MX" sz="1800" b="1" strike="noStrike" spc="-1">
-                          <a:latin typeface="Arial"/>
-                        </a:rPr>
-                        <a:t>Registros</a:t>
-                      </a:r>
-                      <a:endParaRPr lang="es-MX" sz="1800" b="0" strike="noStrike" spc="-1">
-                        <a:latin typeface="Arial"/>
-                      </a:endParaRPr>
-                    </a:p>
-                  </a:txBody>
-                  <a:tcPr marL="90000" marR="90000">
-                    <a:lnL w="720">
-                      <a:solidFill>
-                        <a:srgbClr val="FFFFFF"/>
-                      </a:solidFill>
-                    </a:lnL>
-                    <a:lnT w="720">
-                      <a:solidFill>
-                        <a:srgbClr val="FFFFFF"/>
-                      </a:solidFill>
-                    </a:lnT>
-                    <a:lnB w="720">
-                      <a:solidFill>
-                        <a:srgbClr val="FFFFFF"/>
-                      </a:solidFill>
-                    </a:lnB>
-                    <a:solidFill>
-                      <a:srgbClr val="B3B3B3"/>
-                    </a:solidFill>
-                  </a:tcPr>
-                </a:tc>
-                <a:tc>
-                  <a:txBody>
-                    <a:bodyPr/>
-                    <a:lstStyle/>
-                    <a:p>
-                      <a:pPr>
-                        <a:lnSpc>
-                          <a:spcPct val="100000"/>
-                        </a:lnSpc>
-                      </a:pPr>
-                      <a:r>
-                        <a:rPr lang="es-MX" sz="1800" b="1" strike="noStrike" spc="-1">
-                          <a:latin typeface="Arial"/>
-                        </a:rPr>
-                        <a:t>Resolución</a:t>
-                      </a:r>
-                      <a:endParaRPr lang="es-MX" sz="1800" b="0" strike="noStrike" spc="-1">
-                        <a:latin typeface="Arial"/>
-                      </a:endParaRPr>
-                    </a:p>
-                  </a:txBody>
-                  <a:tcPr marL="90000" marR="90000">
-                    <a:solidFill>
-                      <a:srgbClr val="B3B3B3"/>
-                    </a:solidFill>
-                  </a:tcPr>
-                </a:tc>
-                <a:extLst>
-                  <a:ext uri="{0D108BD9-81ED-4DB2-BD59-A6C34878D82A}">
-                    <a16:rowId xmlns:a16="http://schemas.microsoft.com/office/drawing/2014/main" val="10000"/>
-                  </a:ext>
-                </a:extLst>
-              </a:tr>
-              <a:tr h="1398960">
-                <a:tc>
-                  <a:txBody>
-                    <a:bodyPr/>
-                    <a:lstStyle/>
-                    <a:p>
-                      <a:endParaRPr lang="es-MX"/>
-                    </a:p>
-                  </a:txBody>
-                  <a:tcPr marL="90000" marR="90000">
-                    <a:lnL w="720">
-                      <a:solidFill>
-                        <a:srgbClr val="FFFFFF"/>
-                      </a:solidFill>
-                    </a:lnL>
-                    <a:lnR w="720">
-                      <a:solidFill>
-                        <a:srgbClr val="FFFFFF"/>
-                      </a:solidFill>
-                    </a:lnR>
-                    <a:lnT w="720" cap="flat" cmpd="sng" algn="ctr">
-                      <a:solidFill>
-                        <a:srgbClr val="FFFFFF"/>
-                      </a:solidFill>
-                      <a:prstDash val="solid"/>
-                      <a:round/>
-                      <a:headEnd type="none" w="med" len="med"/>
-                      <a:tailEnd type="none" w="med" len="med"/>
-                    </a:lnT>
-                    <a:lnB w="720">
-                      <a:solidFill>
-                        <a:srgbClr val="FFFFFF"/>
-                      </a:solidFill>
-                    </a:lnB>
-                    <a:solidFill>
-                      <a:srgbClr val="CCCCCC"/>
-                    </a:solidFill>
-                  </a:tcPr>
-                </a:tc>
-                <a:tc>
-                  <a:txBody>
-                    <a:bodyPr/>
-                    <a:lstStyle/>
-                    <a:p>
-                      <a:pPr>
-                        <a:lnSpc>
-                          <a:spcPct val="100000"/>
-                        </a:lnSpc>
-                      </a:pPr>
-                      <a:r>
-                        <a:rPr lang="es-MX" sz="1800" b="0" strike="noStrike" spc="-1">
-                          <a:latin typeface="Arial"/>
-                        </a:rPr>
-                        <a:t>Sensor Bosch para medir contaminantes en interior.</a:t>
-                      </a:r>
-                    </a:p>
-                  </a:txBody>
-                  <a:tcPr marL="90000" marR="90000">
-                    <a:lnL w="720">
-                      <a:solidFill>
-                        <a:srgbClr val="FFFFFF"/>
-                      </a:solidFill>
-                    </a:lnL>
-                    <a:lnR w="720">
-                      <a:solidFill>
-                        <a:srgbClr val="FFFFFF"/>
-                      </a:solidFill>
-                    </a:lnR>
-                    <a:lnT w="720">
-                      <a:solidFill>
-                        <a:srgbClr val="FFFFFF"/>
-                      </a:solidFill>
-                    </a:lnT>
-                    <a:lnB w="720">
-                      <a:solidFill>
-                        <a:srgbClr val="FFFFFF"/>
-                      </a:solidFill>
-                    </a:lnB>
-                    <a:solidFill>
-                      <a:srgbClr val="CCCCCC"/>
-                    </a:solidFill>
-                  </a:tcPr>
-                </a:tc>
-                <a:tc>
-                  <a:txBody>
-                    <a:bodyPr/>
-                    <a:lstStyle/>
-                    <a:p>
-                      <a:pPr>
-                        <a:lnSpc>
-                          <a:spcPct val="100000"/>
-                        </a:lnSpc>
-                      </a:pPr>
-                      <a:r>
-                        <a:rPr lang="es-MX" sz="1800" b="0" strike="noStrike" spc="-1">
-                          <a:latin typeface="Arial"/>
-                        </a:rPr>
-                        <a:t>+2 Millones</a:t>
-                      </a:r>
-                    </a:p>
-                  </a:txBody>
-                  <a:tcPr marL="90000" marR="90000">
-                    <a:lnL w="720">
-                      <a:solidFill>
-                        <a:srgbClr val="FFFFFF"/>
-                      </a:solidFill>
-                    </a:lnL>
-                    <a:lnT w="720">
-                      <a:solidFill>
-                        <a:srgbClr val="FFFFFF"/>
-                      </a:solidFill>
-                    </a:lnT>
-                    <a:lnB w="720">
-                      <a:solidFill>
-                        <a:srgbClr val="FFFFFF"/>
-                      </a:solidFill>
-                    </a:lnB>
-                    <a:solidFill>
-                      <a:srgbClr val="CCCCCC"/>
-                    </a:solidFill>
-                  </a:tcPr>
-                </a:tc>
-                <a:tc>
-                  <a:txBody>
-                    <a:bodyPr/>
-                    <a:lstStyle/>
-                    <a:p>
-                      <a:pPr marL="1800" indent="0">
-                        <a:lnSpc>
-                          <a:spcPct val="100000"/>
-                        </a:lnSpc>
-                        <a:buClr>
-                          <a:srgbClr val="000000"/>
-                        </a:buClr>
-                        <a:buSzPct val="45000"/>
-                        <a:buFont typeface="Wingdings" charset="2"/>
-                        <a:buNone/>
-                      </a:pPr>
-                      <a:r>
-                        <a:rPr lang="es-MX" sz="1800" b="0" strike="noStrike" spc="-1">
-                          <a:latin typeface="Arial"/>
-                        </a:rPr>
-                        <a:t>Cada 3 segundos</a:t>
-                      </a:r>
-                    </a:p>
-                  </a:txBody>
-                  <a:tcPr marL="90000" marR="90000">
-                    <a:solidFill>
-                      <a:srgbClr val="CCCCCC"/>
-                    </a:solidFill>
-                  </a:tcPr>
-                </a:tc>
-                <a:extLst>
-                  <a:ext uri="{0D108BD9-81ED-4DB2-BD59-A6C34878D82A}">
-                    <a16:rowId xmlns:a16="http://schemas.microsoft.com/office/drawing/2014/main" val="10001"/>
-                  </a:ext>
-                </a:extLst>
-              </a:tr>
-              <a:tr h="1399320">
-                <a:tc>
-                  <a:txBody>
-                    <a:bodyPr/>
-                    <a:lstStyle/>
-                    <a:p>
-                      <a:endParaRPr lang="es-MX"/>
-                    </a:p>
-                  </a:txBody>
-                  <a:tcPr marL="90000" marR="90000">
-                    <a:lnL w="720">
-                      <a:solidFill>
-                        <a:srgbClr val="FFFFFF"/>
-                      </a:solidFill>
-                    </a:lnL>
-                    <a:lnR w="720">
-                      <a:solidFill>
-                        <a:srgbClr val="FFFFFF"/>
-                      </a:solidFill>
-                    </a:lnR>
-                    <a:lnT w="720">
-                      <a:solidFill>
-                        <a:srgbClr val="FFFFFF"/>
-                      </a:solidFill>
-                    </a:lnT>
-                    <a:lnB w="720">
-                      <a:solidFill>
-                        <a:srgbClr val="FFFFFF"/>
-                      </a:solidFill>
-                    </a:lnB>
-                    <a:solidFill>
-                      <a:srgbClr val="E6E6E6"/>
-                    </a:solidFill>
-                  </a:tcPr>
-                </a:tc>
-                <a:tc>
-                  <a:txBody>
-                    <a:bodyPr/>
-                    <a:lstStyle/>
-                    <a:p>
-                      <a:pPr>
-                        <a:lnSpc>
-                          <a:spcPct val="100000"/>
-                        </a:lnSpc>
-                      </a:pPr>
-                      <a:r>
-                        <a:rPr lang="es-MX" sz="1800" b="0" strike="noStrike" spc="-1">
-                          <a:latin typeface="Arial"/>
-                        </a:rPr>
-                        <a:t>Datos del Gobierno de las Estaciones de Monitoreo Ambiental.</a:t>
-                      </a:r>
-                    </a:p>
-                  </a:txBody>
-                  <a:tcPr marL="90000" marR="90000">
-                    <a:lnL w="720">
-                      <a:solidFill>
-                        <a:srgbClr val="FFFFFF"/>
-                      </a:solidFill>
-                    </a:lnL>
-                    <a:lnR w="720">
-                      <a:solidFill>
-                        <a:srgbClr val="FFFFFF"/>
-                      </a:solidFill>
-                    </a:lnR>
-                    <a:lnT w="720">
-                      <a:solidFill>
-                        <a:srgbClr val="FFFFFF"/>
-                      </a:solidFill>
-                    </a:lnT>
-                    <a:lnB w="720">
-                      <a:solidFill>
-                        <a:srgbClr val="FFFFFF"/>
-                      </a:solidFill>
-                    </a:lnB>
-                    <a:solidFill>
-                      <a:srgbClr val="E6E6E6"/>
-                    </a:solidFill>
-                  </a:tcPr>
-                </a:tc>
-                <a:tc>
-                  <a:txBody>
-                    <a:bodyPr/>
-                    <a:lstStyle/>
-                    <a:p>
-                      <a:pPr>
-                        <a:lnSpc>
-                          <a:spcPct val="100000"/>
-                        </a:lnSpc>
-                      </a:pPr>
-                      <a:r>
-                        <a:rPr lang="es-MX" sz="1800" b="0" strike="noStrike" spc="-1">
-                          <a:latin typeface="Arial"/>
-                        </a:rPr>
-                        <a:t>+2,100 </a:t>
-                      </a:r>
-                    </a:p>
-                  </a:txBody>
-                  <a:tcPr marL="90000" marR="90000">
-                    <a:lnL w="720">
-                      <a:solidFill>
-                        <a:srgbClr val="FFFFFF"/>
-                      </a:solidFill>
-                    </a:lnL>
-                    <a:lnT w="720">
-                      <a:solidFill>
-                        <a:srgbClr val="FFFFFF"/>
-                      </a:solidFill>
-                    </a:lnT>
-                    <a:lnB w="720">
-                      <a:solidFill>
-                        <a:srgbClr val="FFFFFF"/>
-                      </a:solidFill>
-                    </a:lnB>
-                    <a:solidFill>
-                      <a:srgbClr val="E6E6E6"/>
-                    </a:solidFill>
-                  </a:tcPr>
-                </a:tc>
-                <a:tc>
-                  <a:txBody>
-                    <a:bodyPr/>
-                    <a:lstStyle/>
-                    <a:p>
-                      <a:pPr>
-                        <a:lnSpc>
-                          <a:spcPct val="100000"/>
-                        </a:lnSpc>
-                      </a:pPr>
-                      <a:r>
-                        <a:rPr lang="es-MX" sz="1800" b="0" strike="noStrike" spc="-1" dirty="0">
-                          <a:latin typeface="Arial"/>
-                        </a:rPr>
-                        <a:t>Cada 60 minutos</a:t>
-                      </a:r>
-                    </a:p>
-                  </a:txBody>
-                  <a:tcPr marL="90000" marR="90000">
-                    <a:solidFill>
-                      <a:srgbClr val="E6E6E6"/>
-                    </a:solidFill>
-                  </a:tcPr>
-                </a:tc>
-                <a:extLst>
-                  <a:ext uri="{0D108BD9-81ED-4DB2-BD59-A6C34878D82A}">
-                    <a16:rowId xmlns:a16="http://schemas.microsoft.com/office/drawing/2014/main" val="10002"/>
-                  </a:ext>
-                </a:extLst>
-              </a:tr>
-            </a:tbl>
-          </a:graphicData>
-        </a:graphic>
-      </p:graphicFrame>
-      <p:pic>
-        <p:nvPicPr>
-          <p:cNvPr id="104" name="Imagen 103"/>
-          <p:cNvPicPr/>
-          <p:nvPr/>
-        </p:nvPicPr>
-        <p:blipFill>
-          <a:blip r:embed="rId2"/>
-          <a:stretch/>
-        </p:blipFill>
-        <p:spPr>
-          <a:xfrm>
-            <a:off x="360000" y="2592000"/>
-            <a:ext cx="1387800" cy="1006200"/>
-          </a:xfrm>
-          <a:prstGeom prst="rect">
-            <a:avLst/>
-          </a:prstGeom>
-          <a:ln>
-            <a:noFill/>
-          </a:ln>
-        </p:spPr>
-      </p:pic>
-      <p:pic>
-        <p:nvPicPr>
-          <p:cNvPr id="105" name="Imagen 104"/>
-          <p:cNvPicPr/>
-          <p:nvPr/>
-        </p:nvPicPr>
-        <p:blipFill>
-          <a:blip r:embed="rId3"/>
-          <a:stretch/>
-        </p:blipFill>
-        <p:spPr>
-          <a:xfrm>
-            <a:off x="-72000" y="3827160"/>
-            <a:ext cx="2052360" cy="1367640"/>
-          </a:xfrm>
-          <a:prstGeom prst="rect">
-            <a:avLst/>
-          </a:prstGeom>
-          <a:ln>
-            <a:noFill/>
-          </a:ln>
-        </p:spPr>
-      </p:pic>
-    </p:spTree>
-    <p:extLst>
-      <p:ext uri="{BB962C8B-B14F-4D97-AF65-F5344CB8AC3E}">
-        <p14:creationId xmlns:p14="http://schemas.microsoft.com/office/powerpoint/2010/main" val="3895327051"/>
-      </p:ext>
-    </p:extLst>
-  </p:cSld>
-  <p:clrMapOvr>
-    <a:masterClrMapping/>
-  </p:clrMapOvr>
-</p:sld>
-</file>
-
-<file path=ppt/slides/slide8.xml><?xml version="1.0" encoding="utf-8"?>
-<p:sld xmlns:a="http://schemas.openxmlformats.org/drawingml/2006/main" xmlns:r="http://schemas.openxmlformats.org/officeDocument/2006/relationships" xmlns:p="http://schemas.openxmlformats.org/presentationml/2006/main">
-  <p:cSld>
-    <p:spTree>
-      <p:nvGrpSpPr>
-        <p:cNvPr id="1" name=""/>
-        <p:cNvGrpSpPr/>
-        <p:nvPr/>
-      </p:nvGrpSpPr>
-      <p:grpSpPr>
-        <a:xfrm>
-          <a:off x="0" y="0"/>
-          <a:ext cx="0" cy="0"/>
-          <a:chOff x="0" y="0"/>
-          <a:chExt cx="0" cy="0"/>
-        </a:xfrm>
-      </p:grpSpPr>
-      <p:sp>
-        <p:nvSpPr>
-          <p:cNvPr id="99" name="CustomShape 1"/>
-          <p:cNvSpPr/>
-          <p:nvPr/>
-        </p:nvSpPr>
-        <p:spPr>
-          <a:xfrm>
-            <a:off x="38160" y="780120"/>
-            <a:ext cx="9103320" cy="741600"/>
-          </a:xfrm>
-          <a:prstGeom prst="rect">
-            <a:avLst/>
-          </a:prstGeom>
-          <a:noFill/>
-          <a:ln w="9360">
-            <a:noFill/>
-          </a:ln>
-        </p:spPr>
-        <p:style>
-          <a:lnRef idx="0">
-            <a:scrgbClr r="0" g="0" b="0"/>
-          </a:lnRef>
-          <a:fillRef idx="0">
-            <a:scrgbClr r="0" g="0" b="0"/>
-          </a:fillRef>
-          <a:effectRef idx="0">
-            <a:scrgbClr r="0" g="0" b="0"/>
-          </a:effectRef>
-          <a:fontRef idx="minor"/>
-        </p:style>
-        <p:txBody>
-          <a:bodyPr lIns="90000" tIns="45000" rIns="90000" bIns="45000" anchor="ctr">
-            <a:noAutofit/>
-          </a:bodyPr>
-          <a:lstStyle/>
-          <a:p>
-            <a:pPr marL="182880">
-              <a:lnSpc>
-                <a:spcPct val="100000"/>
-              </a:lnSpc>
-            </a:pPr>
-            <a:r>
-              <a:rPr lang="es-MX" sz="2800" b="0" strike="noStrike" spc="-1" dirty="0">
-                <a:solidFill>
-                  <a:srgbClr val="FFFFFF"/>
-                </a:solidFill>
-                <a:latin typeface="Times New Roman"/>
-                <a:ea typeface="DejaVu Sans"/>
-              </a:rPr>
-              <a:t>Introducción: Fuente de datos</a:t>
-            </a:r>
-            <a:endParaRPr lang="es-MX" sz="2800" b="0" strike="noStrike" spc="-1" dirty="0">
-              <a:latin typeface="Arial"/>
-            </a:endParaRPr>
-          </a:p>
-        </p:txBody>
-      </p:sp>
-      <p:sp>
-        <p:nvSpPr>
-          <p:cNvPr id="100" name="CustomShape 2"/>
-          <p:cNvSpPr/>
-          <p:nvPr/>
-        </p:nvSpPr>
-        <p:spPr>
-          <a:xfrm>
-            <a:off x="8077320" y="6492960"/>
-            <a:ext cx="1064160" cy="362520"/>
-          </a:xfrm>
-          <a:prstGeom prst="rect">
-            <a:avLst/>
-          </a:prstGeom>
-          <a:noFill/>
-          <a:ln>
-            <a:noFill/>
-          </a:ln>
-        </p:spPr>
-        <p:style>
-          <a:lnRef idx="0">
-            <a:scrgbClr r="0" g="0" b="0"/>
-          </a:lnRef>
-          <a:fillRef idx="0">
-            <a:scrgbClr r="0" g="0" b="0"/>
-          </a:fillRef>
-          <a:effectRef idx="0">
-            <a:scrgbClr r="0" g="0" b="0"/>
-          </a:effectRef>
-          <a:fontRef idx="minor"/>
-        </p:style>
-        <p:txBody>
-          <a:bodyPr lIns="90000" tIns="45000" rIns="90000" bIns="45000" anchor="ctr">
-            <a:noAutofit/>
-          </a:bodyPr>
-          <a:lstStyle/>
-          <a:p>
-            <a:pPr algn="r">
-              <a:lnSpc>
-                <a:spcPct val="100000"/>
-              </a:lnSpc>
-            </a:pPr>
-            <a:fld id="{56074B16-8922-48DA-9D88-885C9B45D702}" type="slidenum">
-              <a:rPr lang="es-MX" sz="1200" b="0" strike="noStrike" spc="-1">
-                <a:solidFill>
-                  <a:srgbClr val="FFFFFF"/>
-                </a:solidFill>
-                <a:latin typeface="Calibri"/>
-                <a:ea typeface="DejaVu Sans"/>
-              </a:rPr>
-              <a:t>8</a:t>
             </a:fld>
             <a:endParaRPr lang="es-MX" sz="1200" b="0" strike="noStrike" spc="-1">
               <a:latin typeface="Arial"/>
@@ -16934,7 +13974,7 @@
 </p:sld>
 </file>
 
-<file path=ppt/slides/slide9.xml><?xml version="1.0" encoding="utf-8"?>
+<file path=ppt/slides/slide7.xml><?xml version="1.0" encoding="utf-8"?>
 <p:sld xmlns:a="http://schemas.openxmlformats.org/drawingml/2006/main" xmlns:r="http://schemas.openxmlformats.org/officeDocument/2006/relationships" xmlns:p="http://schemas.openxmlformats.org/presentationml/2006/main">
   <p:cSld>
     <p:spTree>
@@ -17059,7 +14099,7 @@
                 <a:latin typeface="Calibri"/>
                 <a:ea typeface="DejaVu Sans"/>
               </a:rPr>
-              <a:t>9</a:t>
+              <a:t>7</a:t>
             </a:fld>
             <a:endParaRPr lang="es-MX" sz="1200" b="0" strike="noStrike" spc="-1">
               <a:latin typeface="Arial"/>
@@ -19292,6 +16332,990 @@
 </p:sld>
 </file>
 
+<file path=ppt/slides/slide8.xml><?xml version="1.0" encoding="utf-8"?>
+<p:sld xmlns:a="http://schemas.openxmlformats.org/drawingml/2006/main" xmlns:r="http://schemas.openxmlformats.org/officeDocument/2006/relationships" xmlns:p="http://schemas.openxmlformats.org/presentationml/2006/main">
+  <p:cSld>
+    <p:spTree>
+      <p:nvGrpSpPr>
+        <p:cNvPr id="1" name=""/>
+        <p:cNvGrpSpPr/>
+        <p:nvPr/>
+      </p:nvGrpSpPr>
+      <p:grpSpPr>
+        <a:xfrm>
+          <a:off x="0" y="0"/>
+          <a:ext cx="0" cy="0"/>
+          <a:chOff x="0" y="0"/>
+          <a:chExt cx="0" cy="0"/>
+        </a:xfrm>
+      </p:grpSpPr>
+      <p:sp>
+        <p:nvSpPr>
+          <p:cNvPr id="124" name="CustomShape 1"/>
+          <p:cNvSpPr/>
+          <p:nvPr/>
+        </p:nvSpPr>
+        <p:spPr>
+          <a:xfrm>
+            <a:off x="38160" y="780120"/>
+            <a:ext cx="9103320" cy="741600"/>
+          </a:xfrm>
+          <a:prstGeom prst="rect">
+            <a:avLst/>
+          </a:prstGeom>
+          <a:noFill/>
+          <a:ln w="9360">
+            <a:noFill/>
+          </a:ln>
+        </p:spPr>
+        <p:style>
+          <a:lnRef idx="0">
+            <a:scrgbClr r="0" g="0" b="0"/>
+          </a:lnRef>
+          <a:fillRef idx="0">
+            <a:scrgbClr r="0" g="0" b="0"/>
+          </a:fillRef>
+          <a:effectRef idx="0">
+            <a:scrgbClr r="0" g="0" b="0"/>
+          </a:effectRef>
+          <a:fontRef idx="minor"/>
+        </p:style>
+        <p:txBody>
+          <a:bodyPr lIns="90000" tIns="45000" rIns="90000" bIns="45000" anchor="ctr">
+            <a:noAutofit/>
+          </a:bodyPr>
+          <a:lstStyle/>
+          <a:p>
+            <a:pPr marL="182880">
+              <a:lnSpc>
+                <a:spcPct val="100000"/>
+              </a:lnSpc>
+            </a:pPr>
+            <a:r>
+              <a:rPr lang="es-MX" sz="2800" b="0" strike="noStrike" spc="-1">
+                <a:solidFill>
+                  <a:srgbClr val="FFFFFF"/>
+                </a:solidFill>
+                <a:latin typeface="Times New Roman"/>
+                <a:ea typeface="DejaVu Sans"/>
+              </a:rPr>
+              <a:t>Introducción: Exploración de Datos del Sensor</a:t>
+            </a:r>
+            <a:endParaRPr lang="es-MX" sz="2800" b="0" strike="noStrike" spc="-1">
+              <a:latin typeface="Arial"/>
+            </a:endParaRPr>
+          </a:p>
+        </p:txBody>
+      </p:sp>
+      <p:sp>
+        <p:nvSpPr>
+          <p:cNvPr id="125" name="CustomShape 2"/>
+          <p:cNvSpPr/>
+          <p:nvPr/>
+        </p:nvSpPr>
+        <p:spPr>
+          <a:xfrm>
+            <a:off x="8077320" y="6492960"/>
+            <a:ext cx="1064160" cy="362520"/>
+          </a:xfrm>
+          <a:prstGeom prst="rect">
+            <a:avLst/>
+          </a:prstGeom>
+          <a:noFill/>
+          <a:ln>
+            <a:noFill/>
+          </a:ln>
+        </p:spPr>
+        <p:style>
+          <a:lnRef idx="0">
+            <a:scrgbClr r="0" g="0" b="0"/>
+          </a:lnRef>
+          <a:fillRef idx="0">
+            <a:scrgbClr r="0" g="0" b="0"/>
+          </a:fillRef>
+          <a:effectRef idx="0">
+            <a:scrgbClr r="0" g="0" b="0"/>
+          </a:effectRef>
+          <a:fontRef idx="minor"/>
+        </p:style>
+        <p:txBody>
+          <a:bodyPr lIns="90000" tIns="45000" rIns="90000" bIns="45000" anchor="ctr">
+            <a:noAutofit/>
+          </a:bodyPr>
+          <a:lstStyle/>
+          <a:p>
+            <a:pPr algn="r">
+              <a:lnSpc>
+                <a:spcPct val="100000"/>
+              </a:lnSpc>
+            </a:pPr>
+            <a:fld id="{879770A9-02C4-453C-BF41-541D35450A34}" type="slidenum">
+              <a:rPr lang="es-MX" sz="1200" b="0" strike="noStrike" spc="-1">
+                <a:solidFill>
+                  <a:srgbClr val="FFFFFF"/>
+                </a:solidFill>
+                <a:latin typeface="Calibri"/>
+                <a:ea typeface="DejaVu Sans"/>
+              </a:rPr>
+              <a:t>8</a:t>
+            </a:fld>
+            <a:endParaRPr lang="es-MX" sz="1200" b="0" strike="noStrike" spc="-1">
+              <a:latin typeface="Arial"/>
+            </a:endParaRPr>
+          </a:p>
+        </p:txBody>
+      </p:sp>
+      <p:sp>
+        <p:nvSpPr>
+          <p:cNvPr id="126" name="CustomShape 3"/>
+          <p:cNvSpPr/>
+          <p:nvPr/>
+        </p:nvSpPr>
+        <p:spPr>
+          <a:xfrm>
+            <a:off x="4572000" y="6492960"/>
+            <a:ext cx="3426480" cy="362520"/>
+          </a:xfrm>
+          <a:prstGeom prst="rect">
+            <a:avLst/>
+          </a:prstGeom>
+          <a:noFill/>
+          <a:ln>
+            <a:noFill/>
+          </a:ln>
+        </p:spPr>
+        <p:style>
+          <a:lnRef idx="0">
+            <a:scrgbClr r="0" g="0" b="0"/>
+          </a:lnRef>
+          <a:fillRef idx="0">
+            <a:scrgbClr r="0" g="0" b="0"/>
+          </a:fillRef>
+          <a:effectRef idx="0">
+            <a:scrgbClr r="0" g="0" b="0"/>
+          </a:effectRef>
+          <a:fontRef idx="minor"/>
+        </p:style>
+        <p:txBody>
+          <a:bodyPr lIns="90000" tIns="45000" rIns="90000" bIns="45000" anchor="ctr">
+            <a:noAutofit/>
+          </a:bodyPr>
+          <a:lstStyle/>
+          <a:p>
+            <a:pPr>
+              <a:lnSpc>
+                <a:spcPct val="100000"/>
+              </a:lnSpc>
+            </a:pPr>
+            <a:r>
+              <a:rPr lang="es-MX" sz="1200" b="0" strike="noStrike" spc="-1">
+                <a:solidFill>
+                  <a:srgbClr val="FFFFFF"/>
+                </a:solidFill>
+                <a:latin typeface="Calibri"/>
+                <a:ea typeface="DejaVu Sans"/>
+              </a:rPr>
+              <a:t>Calidad del aire</a:t>
+            </a:r>
+            <a:endParaRPr lang="es-MX" sz="1200" b="0" strike="noStrike" spc="-1">
+              <a:latin typeface="Arial"/>
+            </a:endParaRPr>
+          </a:p>
+        </p:txBody>
+      </p:sp>
+      <p:sp>
+        <p:nvSpPr>
+          <p:cNvPr id="127" name="CustomShape 4"/>
+          <p:cNvSpPr/>
+          <p:nvPr/>
+        </p:nvSpPr>
+        <p:spPr>
+          <a:xfrm>
+            <a:off x="2123640" y="-18720"/>
+            <a:ext cx="2445840" cy="941400"/>
+          </a:xfrm>
+          <a:prstGeom prst="rect">
+            <a:avLst/>
+          </a:prstGeom>
+          <a:noFill/>
+          <a:ln>
+            <a:noFill/>
+          </a:ln>
+        </p:spPr>
+        <p:style>
+          <a:lnRef idx="0">
+            <a:scrgbClr r="0" g="0" b="0"/>
+          </a:lnRef>
+          <a:fillRef idx="0">
+            <a:scrgbClr r="0" g="0" b="0"/>
+          </a:fillRef>
+          <a:effectRef idx="0">
+            <a:scrgbClr r="0" g="0" b="0"/>
+          </a:effectRef>
+          <a:fontRef idx="minor"/>
+        </p:style>
+        <p:txBody>
+          <a:bodyPr lIns="90000" tIns="45000" rIns="90000" bIns="45000">
+            <a:spAutoFit/>
+          </a:bodyPr>
+          <a:lstStyle/>
+          <a:p>
+            <a:pPr algn="r">
+              <a:lnSpc>
+                <a:spcPct val="100000"/>
+              </a:lnSpc>
+            </a:pPr>
+            <a:r>
+              <a:rPr lang="es-MX" sz="800" b="0" strike="noStrike" spc="-1">
+                <a:solidFill>
+                  <a:srgbClr val="808080"/>
+                </a:solidFill>
+                <a:latin typeface="Times New Roman"/>
+                <a:ea typeface="DejaVu Sans"/>
+              </a:rPr>
+              <a:t>                                               </a:t>
+            </a:r>
+            <a:r>
+              <a:rPr lang="es-MX" sz="800" b="1" strike="noStrike" spc="-1">
+                <a:solidFill>
+                  <a:srgbClr val="808080"/>
+                </a:solidFill>
+                <a:latin typeface="Times New Roman"/>
+                <a:ea typeface="DejaVu Sans"/>
+              </a:rPr>
+              <a:t>Índice</a:t>
+            </a:r>
+            <a:endParaRPr lang="es-MX" sz="800" b="0" strike="noStrike" spc="-1">
+              <a:latin typeface="Arial"/>
+            </a:endParaRPr>
+          </a:p>
+          <a:p>
+            <a:pPr algn="r">
+              <a:lnSpc>
+                <a:spcPct val="100000"/>
+              </a:lnSpc>
+            </a:pPr>
+            <a:r>
+              <a:rPr lang="es-MX" sz="800" b="1" u="sng" strike="noStrike" spc="-1">
+                <a:solidFill>
+                  <a:srgbClr val="FFFFFF"/>
+                </a:solidFill>
+                <a:uFill>
+                  <a:solidFill>
+                    <a:srgbClr val="000000"/>
+                  </a:solidFill>
+                </a:uFill>
+                <a:latin typeface="Times New Roman"/>
+                <a:ea typeface="DejaVu Sans"/>
+              </a:rPr>
+              <a:t>Introducción</a:t>
+            </a:r>
+            <a:r>
+              <a:rPr lang="es-MX" sz="800" b="1" u="sng" strike="noStrike" spc="-1">
+                <a:solidFill>
+                  <a:srgbClr val="7F7F7F"/>
+                </a:solidFill>
+                <a:uFill>
+                  <a:solidFill>
+                    <a:srgbClr val="000000"/>
+                  </a:solidFill>
+                </a:uFill>
+                <a:latin typeface="Times New Roman"/>
+                <a:ea typeface="DejaVu Sans"/>
+              </a:rPr>
+              <a:t> </a:t>
+            </a:r>
+            <a:endParaRPr lang="es-MX" sz="800" b="0" strike="noStrike" spc="-1">
+              <a:latin typeface="Arial"/>
+            </a:endParaRPr>
+          </a:p>
+          <a:p>
+            <a:pPr algn="r">
+              <a:lnSpc>
+                <a:spcPct val="100000"/>
+              </a:lnSpc>
+            </a:pPr>
+            <a:r>
+              <a:rPr lang="es-MX" sz="800" b="1" u="sng" strike="noStrike" spc="-1">
+                <a:solidFill>
+                  <a:srgbClr val="808080"/>
+                </a:solidFill>
+                <a:uFill>
+                  <a:solidFill>
+                    <a:srgbClr val="000000"/>
+                  </a:solidFill>
+                </a:uFill>
+                <a:latin typeface="Times New Roman"/>
+                <a:ea typeface="DejaVu Sans"/>
+              </a:rPr>
+              <a:t>Trabajo relacionado</a:t>
+            </a:r>
+            <a:endParaRPr lang="es-MX" sz="800" b="0" strike="noStrike" spc="-1">
+              <a:latin typeface="Arial"/>
+            </a:endParaRPr>
+          </a:p>
+          <a:p>
+            <a:pPr algn="r">
+              <a:lnSpc>
+                <a:spcPct val="100000"/>
+              </a:lnSpc>
+            </a:pPr>
+            <a:r>
+              <a:rPr lang="es-MX" sz="800" b="1" u="sng" strike="noStrike" spc="-1">
+                <a:solidFill>
+                  <a:srgbClr val="808080"/>
+                </a:solidFill>
+                <a:uFill>
+                  <a:solidFill>
+                    <a:srgbClr val="000000"/>
+                  </a:solidFill>
+                </a:uFill>
+                <a:latin typeface="Times New Roman"/>
+                <a:ea typeface="DejaVu Sans"/>
+              </a:rPr>
+              <a:t>Solución</a:t>
+            </a:r>
+            <a:endParaRPr lang="es-MX" sz="800" b="0" strike="noStrike" spc="-1">
+              <a:latin typeface="Arial"/>
+            </a:endParaRPr>
+          </a:p>
+          <a:p>
+            <a:pPr algn="r">
+              <a:lnSpc>
+                <a:spcPct val="100000"/>
+              </a:lnSpc>
+            </a:pPr>
+            <a:r>
+              <a:rPr lang="es-MX" sz="800" b="1" u="sng" strike="noStrike" spc="-1">
+                <a:solidFill>
+                  <a:srgbClr val="808080"/>
+                </a:solidFill>
+                <a:uFill>
+                  <a:solidFill>
+                    <a:srgbClr val="000000"/>
+                  </a:solidFill>
+                </a:uFill>
+                <a:latin typeface="Times New Roman"/>
+                <a:ea typeface="DejaVu Sans"/>
+              </a:rPr>
+              <a:t>Resultado</a:t>
+            </a:r>
+            <a:endParaRPr lang="es-MX" sz="800" b="0" strike="noStrike" spc="-1">
+              <a:latin typeface="Arial"/>
+            </a:endParaRPr>
+          </a:p>
+          <a:p>
+            <a:pPr algn="r">
+              <a:lnSpc>
+                <a:spcPct val="100000"/>
+              </a:lnSpc>
+            </a:pPr>
+            <a:r>
+              <a:rPr lang="es-MX" sz="800" b="1" u="sng" strike="noStrike" spc="-1">
+                <a:solidFill>
+                  <a:srgbClr val="808080"/>
+                </a:solidFill>
+                <a:uFill>
+                  <a:solidFill>
+                    <a:srgbClr val="000000"/>
+                  </a:solidFill>
+                </a:uFill>
+                <a:latin typeface="Times New Roman"/>
+                <a:ea typeface="DejaVu Sans"/>
+              </a:rPr>
+              <a:t>Conclusión</a:t>
+            </a:r>
+            <a:endParaRPr lang="es-MX" sz="800" b="0" strike="noStrike" spc="-1">
+              <a:latin typeface="Arial"/>
+            </a:endParaRPr>
+          </a:p>
+          <a:p>
+            <a:pPr>
+              <a:lnSpc>
+                <a:spcPct val="100000"/>
+              </a:lnSpc>
+            </a:pPr>
+            <a:endParaRPr lang="es-MX" sz="800" b="0" strike="noStrike" spc="-1">
+              <a:latin typeface="Arial"/>
+            </a:endParaRPr>
+          </a:p>
+        </p:txBody>
+      </p:sp>
+      <p:pic>
+        <p:nvPicPr>
+          <p:cNvPr id="128" name="Picture 2"/>
+          <p:cNvPicPr/>
+          <p:nvPr/>
+        </p:nvPicPr>
+        <p:blipFill>
+          <a:blip r:embed="rId2"/>
+          <a:stretch/>
+        </p:blipFill>
+        <p:spPr>
+          <a:xfrm>
+            <a:off x="144000" y="2201760"/>
+            <a:ext cx="4163040" cy="2977560"/>
+          </a:xfrm>
+          <a:prstGeom prst="rect">
+            <a:avLst/>
+          </a:prstGeom>
+          <a:ln w="9360">
+            <a:noFill/>
+          </a:ln>
+        </p:spPr>
+      </p:pic>
+      <p:pic>
+        <p:nvPicPr>
+          <p:cNvPr id="129" name="Imagen 128"/>
+          <p:cNvPicPr/>
+          <p:nvPr/>
+        </p:nvPicPr>
+        <p:blipFill>
+          <a:blip r:embed="rId3"/>
+          <a:stretch/>
+        </p:blipFill>
+        <p:spPr>
+          <a:xfrm>
+            <a:off x="4413600" y="2160000"/>
+            <a:ext cx="4656240" cy="3060720"/>
+          </a:xfrm>
+          <a:prstGeom prst="rect">
+            <a:avLst/>
+          </a:prstGeom>
+          <a:ln>
+            <a:noFill/>
+          </a:ln>
+        </p:spPr>
+      </p:pic>
+      <p:sp>
+        <p:nvSpPr>
+          <p:cNvPr id="130" name="CustomShape 5"/>
+          <p:cNvSpPr/>
+          <p:nvPr/>
+        </p:nvSpPr>
+        <p:spPr>
+          <a:xfrm>
+            <a:off x="38520" y="5172120"/>
+            <a:ext cx="9103320" cy="741600"/>
+          </a:xfrm>
+          <a:prstGeom prst="rect">
+            <a:avLst/>
+          </a:prstGeom>
+          <a:noFill/>
+          <a:ln w="9360">
+            <a:noFill/>
+          </a:ln>
+        </p:spPr>
+        <p:style>
+          <a:lnRef idx="0">
+            <a:scrgbClr r="0" g="0" b="0"/>
+          </a:lnRef>
+          <a:fillRef idx="0">
+            <a:scrgbClr r="0" g="0" b="0"/>
+          </a:fillRef>
+          <a:effectRef idx="0">
+            <a:scrgbClr r="0" g="0" b="0"/>
+          </a:effectRef>
+          <a:fontRef idx="minor"/>
+        </p:style>
+        <p:txBody>
+          <a:bodyPr lIns="90000" tIns="45000" rIns="90000" bIns="45000" anchor="ctr">
+            <a:noAutofit/>
+          </a:bodyPr>
+          <a:lstStyle/>
+          <a:p>
+            <a:pPr marL="182880">
+              <a:lnSpc>
+                <a:spcPct val="100000"/>
+              </a:lnSpc>
+            </a:pPr>
+            <a:r>
+              <a:rPr lang="es-MX" sz="2800" b="0" strike="noStrike" spc="-1">
+                <a:solidFill>
+                  <a:srgbClr val="000000"/>
+                </a:solidFill>
+                <a:latin typeface="Times New Roman"/>
+                <a:ea typeface="DejaVu Sans"/>
+              </a:rPr>
+              <a:t>Datos faltantes: ~1%</a:t>
+            </a:r>
+            <a:endParaRPr lang="es-MX" sz="2800" b="0" strike="noStrike" spc="-1">
+              <a:latin typeface="Arial"/>
+            </a:endParaRPr>
+          </a:p>
+        </p:txBody>
+      </p:sp>
+    </p:spTree>
+  </p:cSld>
+  <p:clrMapOvr>
+    <a:masterClrMapping/>
+  </p:clrMapOvr>
+</p:sld>
+</file>
+
+<file path=ppt/slides/slide9.xml><?xml version="1.0" encoding="utf-8"?>
+<p:sld xmlns:a="http://schemas.openxmlformats.org/drawingml/2006/main" xmlns:r="http://schemas.openxmlformats.org/officeDocument/2006/relationships" xmlns:p="http://schemas.openxmlformats.org/presentationml/2006/main">
+  <p:cSld>
+    <p:spTree>
+      <p:nvGrpSpPr>
+        <p:cNvPr id="1" name=""/>
+        <p:cNvGrpSpPr/>
+        <p:nvPr/>
+      </p:nvGrpSpPr>
+      <p:grpSpPr>
+        <a:xfrm>
+          <a:off x="0" y="0"/>
+          <a:ext cx="0" cy="0"/>
+          <a:chOff x="0" y="0"/>
+          <a:chExt cx="0" cy="0"/>
+        </a:xfrm>
+      </p:grpSpPr>
+      <p:sp>
+        <p:nvSpPr>
+          <p:cNvPr id="131" name="CustomShape 1"/>
+          <p:cNvSpPr/>
+          <p:nvPr/>
+        </p:nvSpPr>
+        <p:spPr>
+          <a:xfrm>
+            <a:off x="38160" y="780120"/>
+            <a:ext cx="9103320" cy="741600"/>
+          </a:xfrm>
+          <a:prstGeom prst="rect">
+            <a:avLst/>
+          </a:prstGeom>
+          <a:noFill/>
+          <a:ln w="9360">
+            <a:noFill/>
+          </a:ln>
+        </p:spPr>
+        <p:style>
+          <a:lnRef idx="0">
+            <a:scrgbClr r="0" g="0" b="0"/>
+          </a:lnRef>
+          <a:fillRef idx="0">
+            <a:scrgbClr r="0" g="0" b="0"/>
+          </a:fillRef>
+          <a:effectRef idx="0">
+            <a:scrgbClr r="0" g="0" b="0"/>
+          </a:effectRef>
+          <a:fontRef idx="minor"/>
+        </p:style>
+        <p:txBody>
+          <a:bodyPr lIns="90000" tIns="45000" rIns="90000" bIns="45000" anchor="ctr">
+            <a:noAutofit/>
+          </a:bodyPr>
+          <a:lstStyle/>
+          <a:p>
+            <a:pPr marL="182880">
+              <a:lnSpc>
+                <a:spcPct val="100000"/>
+              </a:lnSpc>
+            </a:pPr>
+            <a:r>
+              <a:rPr lang="es-MX" sz="2800" b="0" strike="noStrike" spc="-1">
+                <a:solidFill>
+                  <a:srgbClr val="FFFFFF"/>
+                </a:solidFill>
+                <a:latin typeface="Times New Roman"/>
+                <a:ea typeface="DejaVu Sans"/>
+              </a:rPr>
+              <a:t>Introducción: Exploración de Datos SINAICA</a:t>
+            </a:r>
+            <a:endParaRPr lang="es-MX" sz="2800" b="0" strike="noStrike" spc="-1">
+              <a:latin typeface="Arial"/>
+            </a:endParaRPr>
+          </a:p>
+        </p:txBody>
+      </p:sp>
+      <p:sp>
+        <p:nvSpPr>
+          <p:cNvPr id="132" name="CustomShape 2"/>
+          <p:cNvSpPr/>
+          <p:nvPr/>
+        </p:nvSpPr>
+        <p:spPr>
+          <a:xfrm>
+            <a:off x="8077320" y="6492960"/>
+            <a:ext cx="1064160" cy="362520"/>
+          </a:xfrm>
+          <a:prstGeom prst="rect">
+            <a:avLst/>
+          </a:prstGeom>
+          <a:noFill/>
+          <a:ln>
+            <a:noFill/>
+          </a:ln>
+        </p:spPr>
+        <p:style>
+          <a:lnRef idx="0">
+            <a:scrgbClr r="0" g="0" b="0"/>
+          </a:lnRef>
+          <a:fillRef idx="0">
+            <a:scrgbClr r="0" g="0" b="0"/>
+          </a:fillRef>
+          <a:effectRef idx="0">
+            <a:scrgbClr r="0" g="0" b="0"/>
+          </a:effectRef>
+          <a:fontRef idx="minor"/>
+        </p:style>
+        <p:txBody>
+          <a:bodyPr lIns="90000" tIns="45000" rIns="90000" bIns="45000" anchor="ctr">
+            <a:noAutofit/>
+          </a:bodyPr>
+          <a:lstStyle/>
+          <a:p>
+            <a:pPr algn="r">
+              <a:lnSpc>
+                <a:spcPct val="100000"/>
+              </a:lnSpc>
+            </a:pPr>
+            <a:fld id="{F3714A65-EE69-48D8-9523-04E5F41BA196}" type="slidenum">
+              <a:rPr lang="es-MX" sz="1200" b="0" strike="noStrike" spc="-1">
+                <a:solidFill>
+                  <a:srgbClr val="FFFFFF"/>
+                </a:solidFill>
+                <a:latin typeface="Calibri"/>
+                <a:ea typeface="DejaVu Sans"/>
+              </a:rPr>
+              <a:t>9</a:t>
+            </a:fld>
+            <a:endParaRPr lang="es-MX" sz="1200" b="0" strike="noStrike" spc="-1">
+              <a:latin typeface="Arial"/>
+            </a:endParaRPr>
+          </a:p>
+        </p:txBody>
+      </p:sp>
+      <p:sp>
+        <p:nvSpPr>
+          <p:cNvPr id="133" name="CustomShape 3"/>
+          <p:cNvSpPr/>
+          <p:nvPr/>
+        </p:nvSpPr>
+        <p:spPr>
+          <a:xfrm>
+            <a:off x="4572000" y="6492960"/>
+            <a:ext cx="3426480" cy="362520"/>
+          </a:xfrm>
+          <a:prstGeom prst="rect">
+            <a:avLst/>
+          </a:prstGeom>
+          <a:noFill/>
+          <a:ln>
+            <a:noFill/>
+          </a:ln>
+        </p:spPr>
+        <p:style>
+          <a:lnRef idx="0">
+            <a:scrgbClr r="0" g="0" b="0"/>
+          </a:lnRef>
+          <a:fillRef idx="0">
+            <a:scrgbClr r="0" g="0" b="0"/>
+          </a:fillRef>
+          <a:effectRef idx="0">
+            <a:scrgbClr r="0" g="0" b="0"/>
+          </a:effectRef>
+          <a:fontRef idx="minor"/>
+        </p:style>
+        <p:txBody>
+          <a:bodyPr lIns="90000" tIns="45000" rIns="90000" bIns="45000" anchor="ctr">
+            <a:noAutofit/>
+          </a:bodyPr>
+          <a:lstStyle/>
+          <a:p>
+            <a:pPr>
+              <a:lnSpc>
+                <a:spcPct val="100000"/>
+              </a:lnSpc>
+            </a:pPr>
+            <a:r>
+              <a:rPr lang="es-MX" sz="1200" b="0" strike="noStrike" spc="-1">
+                <a:solidFill>
+                  <a:srgbClr val="FFFFFF"/>
+                </a:solidFill>
+                <a:latin typeface="Calibri"/>
+                <a:ea typeface="DejaVu Sans"/>
+              </a:rPr>
+              <a:t>Calidad del aire</a:t>
+            </a:r>
+            <a:endParaRPr lang="es-MX" sz="1200" b="0" strike="noStrike" spc="-1">
+              <a:latin typeface="Arial"/>
+            </a:endParaRPr>
+          </a:p>
+        </p:txBody>
+      </p:sp>
+      <p:sp>
+        <p:nvSpPr>
+          <p:cNvPr id="134" name="CustomShape 4"/>
+          <p:cNvSpPr/>
+          <p:nvPr/>
+        </p:nvSpPr>
+        <p:spPr>
+          <a:xfrm>
+            <a:off x="2123640" y="-18720"/>
+            <a:ext cx="2445840" cy="941400"/>
+          </a:xfrm>
+          <a:prstGeom prst="rect">
+            <a:avLst/>
+          </a:prstGeom>
+          <a:noFill/>
+          <a:ln>
+            <a:noFill/>
+          </a:ln>
+        </p:spPr>
+        <p:style>
+          <a:lnRef idx="0">
+            <a:scrgbClr r="0" g="0" b="0"/>
+          </a:lnRef>
+          <a:fillRef idx="0">
+            <a:scrgbClr r="0" g="0" b="0"/>
+          </a:fillRef>
+          <a:effectRef idx="0">
+            <a:scrgbClr r="0" g="0" b="0"/>
+          </a:effectRef>
+          <a:fontRef idx="minor"/>
+        </p:style>
+        <p:txBody>
+          <a:bodyPr lIns="90000" tIns="45000" rIns="90000" bIns="45000">
+            <a:spAutoFit/>
+          </a:bodyPr>
+          <a:lstStyle/>
+          <a:p>
+            <a:pPr algn="r">
+              <a:lnSpc>
+                <a:spcPct val="100000"/>
+              </a:lnSpc>
+            </a:pPr>
+            <a:r>
+              <a:rPr lang="es-MX" sz="800" b="0" strike="noStrike" spc="-1">
+                <a:solidFill>
+                  <a:srgbClr val="808080"/>
+                </a:solidFill>
+                <a:latin typeface="Times New Roman"/>
+                <a:ea typeface="DejaVu Sans"/>
+              </a:rPr>
+              <a:t>                                               </a:t>
+            </a:r>
+            <a:r>
+              <a:rPr lang="es-MX" sz="800" b="1" strike="noStrike" spc="-1">
+                <a:solidFill>
+                  <a:srgbClr val="808080"/>
+                </a:solidFill>
+                <a:latin typeface="Times New Roman"/>
+                <a:ea typeface="DejaVu Sans"/>
+              </a:rPr>
+              <a:t>Índice</a:t>
+            </a:r>
+            <a:endParaRPr lang="es-MX" sz="800" b="0" strike="noStrike" spc="-1">
+              <a:latin typeface="Arial"/>
+            </a:endParaRPr>
+          </a:p>
+          <a:p>
+            <a:pPr algn="r">
+              <a:lnSpc>
+                <a:spcPct val="100000"/>
+              </a:lnSpc>
+            </a:pPr>
+            <a:r>
+              <a:rPr lang="es-MX" sz="800" b="1" u="sng" strike="noStrike" spc="-1">
+                <a:solidFill>
+                  <a:srgbClr val="FFFFFF"/>
+                </a:solidFill>
+                <a:uFill>
+                  <a:solidFill>
+                    <a:srgbClr val="000000"/>
+                  </a:solidFill>
+                </a:uFill>
+                <a:latin typeface="Times New Roman"/>
+                <a:ea typeface="DejaVu Sans"/>
+              </a:rPr>
+              <a:t>Introducción</a:t>
+            </a:r>
+            <a:r>
+              <a:rPr lang="es-MX" sz="800" b="1" u="sng" strike="noStrike" spc="-1">
+                <a:solidFill>
+                  <a:srgbClr val="7F7F7F"/>
+                </a:solidFill>
+                <a:uFill>
+                  <a:solidFill>
+                    <a:srgbClr val="000000"/>
+                  </a:solidFill>
+                </a:uFill>
+                <a:latin typeface="Times New Roman"/>
+                <a:ea typeface="DejaVu Sans"/>
+              </a:rPr>
+              <a:t> </a:t>
+            </a:r>
+            <a:endParaRPr lang="es-MX" sz="800" b="0" strike="noStrike" spc="-1">
+              <a:latin typeface="Arial"/>
+            </a:endParaRPr>
+          </a:p>
+          <a:p>
+            <a:pPr algn="r">
+              <a:lnSpc>
+                <a:spcPct val="100000"/>
+              </a:lnSpc>
+            </a:pPr>
+            <a:r>
+              <a:rPr lang="es-MX" sz="800" b="1" u="sng" strike="noStrike" spc="-1">
+                <a:solidFill>
+                  <a:srgbClr val="808080"/>
+                </a:solidFill>
+                <a:uFill>
+                  <a:solidFill>
+                    <a:srgbClr val="000000"/>
+                  </a:solidFill>
+                </a:uFill>
+                <a:latin typeface="Times New Roman"/>
+                <a:ea typeface="DejaVu Sans"/>
+              </a:rPr>
+              <a:t>Trabajo relacionado</a:t>
+            </a:r>
+            <a:endParaRPr lang="es-MX" sz="800" b="0" strike="noStrike" spc="-1">
+              <a:latin typeface="Arial"/>
+            </a:endParaRPr>
+          </a:p>
+          <a:p>
+            <a:pPr algn="r">
+              <a:lnSpc>
+                <a:spcPct val="100000"/>
+              </a:lnSpc>
+            </a:pPr>
+            <a:r>
+              <a:rPr lang="es-MX" sz="800" b="1" u="sng" strike="noStrike" spc="-1">
+                <a:solidFill>
+                  <a:srgbClr val="808080"/>
+                </a:solidFill>
+                <a:uFill>
+                  <a:solidFill>
+                    <a:srgbClr val="000000"/>
+                  </a:solidFill>
+                </a:uFill>
+                <a:latin typeface="Times New Roman"/>
+                <a:ea typeface="DejaVu Sans"/>
+              </a:rPr>
+              <a:t>Solución</a:t>
+            </a:r>
+            <a:endParaRPr lang="es-MX" sz="800" b="0" strike="noStrike" spc="-1">
+              <a:latin typeface="Arial"/>
+            </a:endParaRPr>
+          </a:p>
+          <a:p>
+            <a:pPr algn="r">
+              <a:lnSpc>
+                <a:spcPct val="100000"/>
+              </a:lnSpc>
+            </a:pPr>
+            <a:r>
+              <a:rPr lang="es-MX" sz="800" b="1" u="sng" strike="noStrike" spc="-1">
+                <a:solidFill>
+                  <a:srgbClr val="808080"/>
+                </a:solidFill>
+                <a:uFill>
+                  <a:solidFill>
+                    <a:srgbClr val="000000"/>
+                  </a:solidFill>
+                </a:uFill>
+                <a:latin typeface="Times New Roman"/>
+                <a:ea typeface="DejaVu Sans"/>
+              </a:rPr>
+              <a:t>Resultado</a:t>
+            </a:r>
+            <a:endParaRPr lang="es-MX" sz="800" b="0" strike="noStrike" spc="-1">
+              <a:latin typeface="Arial"/>
+            </a:endParaRPr>
+          </a:p>
+          <a:p>
+            <a:pPr algn="r">
+              <a:lnSpc>
+                <a:spcPct val="100000"/>
+              </a:lnSpc>
+            </a:pPr>
+            <a:r>
+              <a:rPr lang="es-MX" sz="800" b="1" u="sng" strike="noStrike" spc="-1">
+                <a:solidFill>
+                  <a:srgbClr val="808080"/>
+                </a:solidFill>
+                <a:uFill>
+                  <a:solidFill>
+                    <a:srgbClr val="000000"/>
+                  </a:solidFill>
+                </a:uFill>
+                <a:latin typeface="Times New Roman"/>
+                <a:ea typeface="DejaVu Sans"/>
+              </a:rPr>
+              <a:t>Conclusión</a:t>
+            </a:r>
+            <a:endParaRPr lang="es-MX" sz="800" b="0" strike="noStrike" spc="-1">
+              <a:latin typeface="Arial"/>
+            </a:endParaRPr>
+          </a:p>
+          <a:p>
+            <a:pPr>
+              <a:lnSpc>
+                <a:spcPct val="100000"/>
+              </a:lnSpc>
+            </a:pPr>
+            <a:endParaRPr lang="es-MX" sz="800" b="0" strike="noStrike" spc="-1">
+              <a:latin typeface="Arial"/>
+            </a:endParaRPr>
+          </a:p>
+        </p:txBody>
+      </p:sp>
+      <p:pic>
+        <p:nvPicPr>
+          <p:cNvPr id="135" name="Picture 2"/>
+          <p:cNvPicPr/>
+          <p:nvPr/>
+        </p:nvPicPr>
+        <p:blipFill>
+          <a:blip r:embed="rId2"/>
+          <a:stretch/>
+        </p:blipFill>
+        <p:spPr>
+          <a:xfrm>
+            <a:off x="39555" y="1804815"/>
+            <a:ext cx="4984560" cy="4413600"/>
+          </a:xfrm>
+          <a:prstGeom prst="rect">
+            <a:avLst/>
+          </a:prstGeom>
+          <a:ln w="9360">
+            <a:noFill/>
+          </a:ln>
+        </p:spPr>
+      </p:pic>
+      <p:pic>
+        <p:nvPicPr>
+          <p:cNvPr id="136" name="Imagen 135"/>
+          <p:cNvPicPr/>
+          <p:nvPr/>
+        </p:nvPicPr>
+        <p:blipFill>
+          <a:blip r:embed="rId3"/>
+          <a:stretch/>
+        </p:blipFill>
+        <p:spPr>
+          <a:xfrm>
+            <a:off x="4990320" y="2113920"/>
+            <a:ext cx="4151520" cy="3283920"/>
+          </a:xfrm>
+          <a:prstGeom prst="rect">
+            <a:avLst/>
+          </a:prstGeom>
+          <a:ln>
+            <a:noFill/>
+          </a:ln>
+        </p:spPr>
+      </p:pic>
+    </p:spTree>
+  </p:cSld>
+  <p:clrMapOvr>
+    <a:masterClrMapping/>
+  </p:clrMapOvr>
+</p:sld>
+</file>
+
 <file path=ppt/theme/theme1.xml><?xml version="1.0" encoding="utf-8"?>
 <a:theme xmlns:a="http://schemas.openxmlformats.org/drawingml/2006/main" name="Office Theme">
   <a:themeElements>
